--- a/Siavash Hasanpour-921042006.pptx
+++ b/Siavash Hasanpour-921042006.pptx
@@ -13,6 +13,14 @@
     <p:sldId id="261" r:id="rId7"/>
     <p:sldId id="262" r:id="rId8"/>
     <p:sldId id="263" r:id="rId9"/>
+    <p:sldId id="264" r:id="rId10"/>
+    <p:sldId id="265" r:id="rId11"/>
+    <p:sldId id="266" r:id="rId12"/>
+    <p:sldId id="267" r:id="rId13"/>
+    <p:sldId id="268" r:id="rId14"/>
+    <p:sldId id="269" r:id="rId15"/>
+    <p:sldId id="270" r:id="rId16"/>
+    <p:sldId id="271" r:id="rId17"/>
   </p:sldIdLst>
   <p:sldSz cx="12192000" cy="6858000"/>
   <p:notesSz cx="6858000" cy="9144000"/>
@@ -3272,6 +3280,839 @@
 </p:sld>
 </file>
 
+<file path=ppt/slides/slide10.xml><?xml version="1.0" encoding="utf-8"?>
+<p:sld xmlns:a="http://schemas.openxmlformats.org/drawingml/2006/main" xmlns:r="http://schemas.openxmlformats.org/officeDocument/2006/relationships" xmlns:p="http://schemas.openxmlformats.org/presentationml/2006/main">
+  <p:cSld>
+    <p:spTree>
+      <p:nvGrpSpPr>
+        <p:cNvPr id="1" name=""/>
+        <p:cNvGrpSpPr/>
+        <p:nvPr/>
+      </p:nvGrpSpPr>
+      <p:grpSpPr>
+        <a:xfrm>
+          <a:off x="0" y="0"/>
+          <a:ext cx="0" cy="0"/>
+          <a:chOff x="0" y="0"/>
+          <a:chExt cx="0" cy="0"/>
+        </a:xfrm>
+      </p:grpSpPr>
+      <p:sp>
+        <p:nvSpPr>
+          <p:cNvPr id="2" name="Title 1"/>
+          <p:cNvSpPr>
+            <a:spLocks noGrp="1"/>
+          </p:cNvSpPr>
+          <p:nvPr>
+            <p:ph type="title"/>
+          </p:nvPr>
+        </p:nvSpPr>
+        <p:spPr/>
+        <p:txBody>
+          <a:bodyPr/>
+          <a:lstStyle/>
+          <a:p>
+            <a:pPr algn="r" rtl="1"/>
+            <a:r>
+              <a:rPr lang="en-US" dirty="0" smtClean="0"/>
+              <a:t>index</a:t>
+            </a:r>
+            <a:endParaRPr lang="en-US" dirty="0"/>
+          </a:p>
+        </p:txBody>
+      </p:sp>
+      <p:sp>
+        <p:nvSpPr>
+          <p:cNvPr id="3" name="Content Placeholder 2"/>
+          <p:cNvSpPr>
+            <a:spLocks noGrp="1"/>
+          </p:cNvSpPr>
+          <p:nvPr>
+            <p:ph idx="1"/>
+          </p:nvPr>
+        </p:nvSpPr>
+        <p:spPr/>
+        <p:txBody>
+          <a:bodyPr/>
+          <a:lstStyle/>
+          <a:p>
+            <a:pPr algn="just" rtl="1"/>
+            <a:r>
+              <a:rPr lang="en-US" sz="3200" dirty="0" smtClean="0"/>
+              <a:t>Directories</a:t>
+            </a:r>
+          </a:p>
+          <a:p>
+            <a:pPr marL="0" indent="0" algn="just" rtl="1">
+              <a:buNone/>
+            </a:pPr>
+            <a:r>
+              <a:rPr lang="ar-SA" sz="2400" dirty="0"/>
+              <a:t>ایندکس‌های تولید شده توسط </a:t>
+            </a:r>
+            <a:r>
+              <a:rPr lang="en-US" sz="2400" dirty="0" err="1"/>
+              <a:t>Lucene</a:t>
+            </a:r>
+            <a:r>
+              <a:rPr lang="ar-SA" sz="2400" dirty="0"/>
+              <a:t> می‌توانند در مکانی </a:t>
+            </a:r>
+            <a:r>
+              <a:rPr lang="ar-SA" sz="2400" dirty="0" smtClean="0"/>
+              <a:t>در </a:t>
+            </a:r>
+            <a:r>
+              <a:rPr lang="ar-SA" sz="2400" dirty="0"/>
+              <a:t>حافظه اصلی یا روی یک پایگاه داده ذخیره شوند. برای پیاده‌سازی هر کدام از این گزینه‌ها کلاس‌هایی وجود دارد که همه آن‌ها از </a:t>
+            </a:r>
+            <a:r>
+              <a:rPr lang="ar-SA" sz="2400" dirty="0" smtClean="0"/>
+              <a:t>کلاس </a:t>
+            </a:r>
+            <a:r>
+              <a:rPr lang="en-US" sz="2400" dirty="0" smtClean="0"/>
+              <a:t>Directory</a:t>
+            </a:r>
+            <a:r>
+              <a:rPr lang="ar-SA" sz="2400" dirty="0" smtClean="0"/>
+              <a:t> </a:t>
+            </a:r>
+            <a:r>
+              <a:rPr lang="ar-SA" sz="2400" dirty="0"/>
+              <a:t>ارث‌بری می‌کنند</a:t>
+            </a:r>
+            <a:r>
+              <a:rPr lang="ar-SA" sz="2400" dirty="0" smtClean="0"/>
+              <a:t>.</a:t>
+            </a:r>
+            <a:endParaRPr lang="fa-IR" sz="2400" dirty="0" smtClean="0"/>
+          </a:p>
+          <a:p>
+            <a:pPr marL="0" indent="0" algn="just" rtl="1">
+              <a:buNone/>
+            </a:pPr>
+            <a:endParaRPr lang="fa-IR" sz="2400" dirty="0"/>
+          </a:p>
+          <a:p>
+            <a:pPr algn="just" rtl="1"/>
+            <a:r>
+              <a:rPr lang="en-US" sz="2400" dirty="0" smtClean="0"/>
+              <a:t>Documents</a:t>
+            </a:r>
+          </a:p>
+          <a:p>
+            <a:pPr marL="0" indent="0" algn="just" rtl="1">
+              <a:buNone/>
+            </a:pPr>
+            <a:r>
+              <a:rPr lang="ar-SA" sz="2400" dirty="0"/>
+              <a:t>اسنادی که </a:t>
+            </a:r>
+            <a:r>
+              <a:rPr lang="ar-SA" sz="2400" dirty="0" smtClean="0"/>
+              <a:t>می‌خواهی</a:t>
+            </a:r>
+            <a:r>
+              <a:rPr lang="fa-IR" sz="2400" dirty="0"/>
+              <a:t>م</a:t>
+            </a:r>
+            <a:r>
+              <a:rPr lang="ar-SA" sz="2400" dirty="0" smtClean="0"/>
+              <a:t> </a:t>
+            </a:r>
+            <a:r>
+              <a:rPr lang="ar-SA" sz="2400" dirty="0"/>
+              <a:t>آن‌ها را قابل </a:t>
+            </a:r>
+            <a:r>
+              <a:rPr lang="ar-SA" sz="2400" dirty="0" smtClean="0"/>
+              <a:t>جست</a:t>
+            </a:r>
+            <a:r>
+              <a:rPr lang="fa-IR" sz="2400" dirty="0" smtClean="0"/>
+              <a:t> و </a:t>
+            </a:r>
+            <a:r>
+              <a:rPr lang="ar-SA" sz="2400" dirty="0" smtClean="0"/>
+              <a:t>جو کنی</a:t>
+            </a:r>
+            <a:r>
+              <a:rPr lang="fa-IR" sz="2400" dirty="0" smtClean="0"/>
+              <a:t>م</a:t>
+            </a:r>
+            <a:r>
+              <a:rPr lang="ar-SA" sz="2400" dirty="0" smtClean="0"/>
+              <a:t> </a:t>
+            </a:r>
+            <a:r>
+              <a:rPr lang="ar-SA" sz="2400" dirty="0"/>
+              <a:t>می‌توانند هر نوع فایل متنی مانند </a:t>
+            </a:r>
+            <a:r>
+              <a:rPr lang="en-US" sz="2400" dirty="0" smtClean="0"/>
+              <a:t>Word</a:t>
+            </a:r>
+            <a:r>
+              <a:rPr lang="ar-SA" sz="2400" dirty="0"/>
+              <a:t>، </a:t>
+            </a:r>
+            <a:r>
+              <a:rPr lang="en-US" sz="2400" dirty="0" smtClean="0"/>
+              <a:t>PDF</a:t>
+            </a:r>
+            <a:r>
+              <a:rPr lang="fa-IR" sz="2400" dirty="0" smtClean="0"/>
+              <a:t> </a:t>
+            </a:r>
+            <a:r>
+              <a:rPr lang="ar-SA" sz="2400" dirty="0" smtClean="0"/>
+              <a:t>یا </a:t>
+            </a:r>
+            <a:r>
+              <a:rPr lang="ar-SA" sz="2400" dirty="0"/>
+              <a:t>هر نوع سند متنی دیگر باشند. برای هر سندی که می‌خواهید آن را ایندکس کنید باید یک شی از کلاس </a:t>
+            </a:r>
+            <a:r>
+              <a:rPr lang="en-US" sz="2400" dirty="0"/>
+              <a:t>Document</a:t>
+            </a:r>
+            <a:r>
+              <a:rPr lang="ar-SA" sz="2400" dirty="0"/>
+              <a:t> ایجاد کنید.</a:t>
+            </a:r>
+            <a:endParaRPr lang="en-US" sz="2400" dirty="0"/>
+          </a:p>
+        </p:txBody>
+      </p:sp>
+      <p:cxnSp>
+        <p:nvCxnSpPr>
+          <p:cNvPr id="5" name="Straight Connector 4"/>
+          <p:cNvCxnSpPr/>
+          <p:nvPr/>
+        </p:nvCxnSpPr>
+        <p:spPr>
+          <a:xfrm>
+            <a:off x="2831969" y="1606928"/>
+            <a:ext cx="8521831" cy="0"/>
+          </a:xfrm>
+          <a:prstGeom prst="line">
+            <a:avLst/>
+          </a:prstGeom>
+          <a:ln w="28575"/>
+        </p:spPr>
+        <p:style>
+          <a:lnRef idx="3">
+            <a:schemeClr val="dk1"/>
+          </a:lnRef>
+          <a:fillRef idx="0">
+            <a:schemeClr val="dk1"/>
+          </a:fillRef>
+          <a:effectRef idx="2">
+            <a:schemeClr val="dk1"/>
+          </a:effectRef>
+          <a:fontRef idx="minor">
+            <a:schemeClr val="tx1"/>
+          </a:fontRef>
+        </p:style>
+      </p:cxnSp>
+    </p:spTree>
+    <p:extLst>
+      <p:ext uri="{BB962C8B-B14F-4D97-AF65-F5344CB8AC3E}">
+        <p14:creationId xmlns:p14="http://schemas.microsoft.com/office/powerpoint/2010/main" val="2116244638"/>
+      </p:ext>
+    </p:extLst>
+  </p:cSld>
+  <p:clrMapOvr>
+    <a:masterClrMapping/>
+  </p:clrMapOvr>
+  <p:timing>
+    <p:tnLst>
+      <p:par>
+        <p:cTn id="1" dur="indefinite" restart="never" nodeType="tmRoot"/>
+      </p:par>
+    </p:tnLst>
+  </p:timing>
+</p:sld>
+</file>
+
+<file path=ppt/slides/slide11.xml><?xml version="1.0" encoding="utf-8"?>
+<p:sld xmlns:a="http://schemas.openxmlformats.org/drawingml/2006/main" xmlns:r="http://schemas.openxmlformats.org/officeDocument/2006/relationships" xmlns:p="http://schemas.openxmlformats.org/presentationml/2006/main">
+  <p:cSld>
+    <p:spTree>
+      <p:nvGrpSpPr>
+        <p:cNvPr id="1" name=""/>
+        <p:cNvGrpSpPr/>
+        <p:nvPr/>
+      </p:nvGrpSpPr>
+      <p:grpSpPr>
+        <a:xfrm>
+          <a:off x="0" y="0"/>
+          <a:ext cx="0" cy="0"/>
+          <a:chOff x="0" y="0"/>
+          <a:chExt cx="0" cy="0"/>
+        </a:xfrm>
+      </p:grpSpPr>
+      <p:sp>
+        <p:nvSpPr>
+          <p:cNvPr id="2" name="Title 1"/>
+          <p:cNvSpPr>
+            <a:spLocks noGrp="1"/>
+          </p:cNvSpPr>
+          <p:nvPr>
+            <p:ph type="title"/>
+          </p:nvPr>
+        </p:nvSpPr>
+        <p:spPr/>
+        <p:txBody>
+          <a:bodyPr/>
+          <a:lstStyle/>
+          <a:p>
+            <a:pPr algn="r" rtl="1"/>
+            <a:r>
+              <a:rPr lang="en-US" dirty="0" smtClean="0"/>
+              <a:t>index</a:t>
+            </a:r>
+            <a:r>
+              <a:rPr lang="fa-IR" dirty="0" smtClean="0"/>
+              <a:t> (ادامه)</a:t>
+            </a:r>
+            <a:endParaRPr lang="en-US" dirty="0"/>
+          </a:p>
+        </p:txBody>
+      </p:sp>
+      <p:sp>
+        <p:nvSpPr>
+          <p:cNvPr id="3" name="Content Placeholder 2"/>
+          <p:cNvSpPr>
+            <a:spLocks noGrp="1"/>
+          </p:cNvSpPr>
+          <p:nvPr>
+            <p:ph idx="1"/>
+          </p:nvPr>
+        </p:nvSpPr>
+        <p:spPr/>
+        <p:txBody>
+          <a:bodyPr/>
+          <a:lstStyle/>
+          <a:p>
+            <a:pPr algn="r" rtl="1"/>
+            <a:r>
+              <a:rPr lang="en-US" dirty="0" smtClean="0"/>
+              <a:t>Fields</a:t>
+            </a:r>
+            <a:endParaRPr lang="fa-IR" dirty="0" smtClean="0"/>
+          </a:p>
+          <a:p>
+            <a:pPr marL="0" indent="0" algn="r" rtl="1">
+              <a:buNone/>
+            </a:pPr>
+            <a:r>
+              <a:rPr lang="fa-IR" dirty="0" smtClean="0"/>
+              <a:t>به </a:t>
+            </a:r>
+            <a:r>
+              <a:rPr lang="fa-IR" dirty="0"/>
+              <a:t>هر سند </a:t>
+            </a:r>
+            <a:r>
+              <a:rPr lang="fa-IR" dirty="0" smtClean="0"/>
+              <a:t>مجموعه‌ای </a:t>
+            </a:r>
+            <a:r>
+              <a:rPr lang="fa-IR" dirty="0"/>
+              <a:t>از فیلدها اضافه </a:t>
+            </a:r>
+            <a:r>
+              <a:rPr lang="fa-IR" dirty="0" smtClean="0"/>
+              <a:t>می‌کنیم که </a:t>
+            </a:r>
+            <a:r>
+              <a:rPr lang="fa-IR" dirty="0"/>
+              <a:t>هر کدام می‌توانند اطلاعاتی را درباره سند ارائه دهند. برای مثال یک فیلد می‌تواند عنوان، شناسه سند، توصیفی درباره‌ی سند یا محتوای آن </a:t>
+            </a:r>
+            <a:r>
+              <a:rPr lang="fa-IR" dirty="0" smtClean="0"/>
+              <a:t>باشد.</a:t>
+            </a:r>
+          </a:p>
+          <a:p>
+            <a:pPr marL="0" indent="0" algn="r" rtl="1">
+              <a:buNone/>
+            </a:pPr>
+            <a:endParaRPr lang="fa-IR" dirty="0"/>
+          </a:p>
+          <a:p>
+            <a:pPr algn="r" rtl="1"/>
+            <a:r>
+              <a:rPr lang="en-US" dirty="0" smtClean="0"/>
+              <a:t>Analyzer</a:t>
+            </a:r>
+            <a:endParaRPr lang="fa-IR" dirty="0" smtClean="0"/>
+          </a:p>
+          <a:p>
+            <a:pPr marL="0" indent="0" algn="r" rtl="1">
+              <a:buNone/>
+            </a:pPr>
+            <a:r>
+              <a:rPr lang="fa-IR" dirty="0"/>
+              <a:t>آنالیزور یکی از مهمترین اجزای فرایند ایندکس‌گذاری و جستجو است. آنالیزور مسئول گرفتن متن‌ خام ورودی و تبدیل آن به واژه‌های قابل جستجو است.</a:t>
+            </a:r>
+            <a:endParaRPr lang="en-US" dirty="0"/>
+          </a:p>
+          <a:p>
+            <a:pPr algn="r" rtl="1"/>
+            <a:endParaRPr lang="en-US" dirty="0"/>
+          </a:p>
+        </p:txBody>
+      </p:sp>
+      <p:cxnSp>
+        <p:nvCxnSpPr>
+          <p:cNvPr id="4" name="Straight Connector 3"/>
+          <p:cNvCxnSpPr/>
+          <p:nvPr/>
+        </p:nvCxnSpPr>
+        <p:spPr>
+          <a:xfrm>
+            <a:off x="2831969" y="1606928"/>
+            <a:ext cx="8521831" cy="0"/>
+          </a:xfrm>
+          <a:prstGeom prst="line">
+            <a:avLst/>
+          </a:prstGeom>
+          <a:ln w="28575"/>
+        </p:spPr>
+        <p:style>
+          <a:lnRef idx="3">
+            <a:schemeClr val="dk1"/>
+          </a:lnRef>
+          <a:fillRef idx="0">
+            <a:schemeClr val="dk1"/>
+          </a:fillRef>
+          <a:effectRef idx="2">
+            <a:schemeClr val="dk1"/>
+          </a:effectRef>
+          <a:fontRef idx="minor">
+            <a:schemeClr val="tx1"/>
+          </a:fontRef>
+        </p:style>
+      </p:cxnSp>
+    </p:spTree>
+    <p:extLst>
+      <p:ext uri="{BB962C8B-B14F-4D97-AF65-F5344CB8AC3E}">
+        <p14:creationId xmlns:p14="http://schemas.microsoft.com/office/powerpoint/2010/main" val="3841412451"/>
+      </p:ext>
+    </p:extLst>
+  </p:cSld>
+  <p:clrMapOvr>
+    <a:masterClrMapping/>
+  </p:clrMapOvr>
+  <p:timing>
+    <p:tnLst>
+      <p:par>
+        <p:cTn id="1" dur="indefinite" restart="never" nodeType="tmRoot"/>
+      </p:par>
+    </p:tnLst>
+  </p:timing>
+</p:sld>
+</file>
+
+<file path=ppt/slides/slide12.xml><?xml version="1.0" encoding="utf-8"?>
+<p:sld xmlns:a="http://schemas.openxmlformats.org/drawingml/2006/main" xmlns:r="http://schemas.openxmlformats.org/officeDocument/2006/relationships" xmlns:p="http://schemas.openxmlformats.org/presentationml/2006/main">
+  <p:cSld>
+    <p:spTree>
+      <p:nvGrpSpPr>
+        <p:cNvPr id="1" name=""/>
+        <p:cNvGrpSpPr/>
+        <p:nvPr/>
+      </p:nvGrpSpPr>
+      <p:grpSpPr>
+        <a:xfrm>
+          <a:off x="0" y="0"/>
+          <a:ext cx="0" cy="0"/>
+          <a:chOff x="0" y="0"/>
+          <a:chExt cx="0" cy="0"/>
+        </a:xfrm>
+      </p:grpSpPr>
+      <p:pic>
+        <p:nvPicPr>
+          <p:cNvPr id="4098" name="Picture 2" descr="indexing1"/>
+          <p:cNvPicPr>
+            <a:picLocks noChangeAspect="1" noChangeArrowheads="1"/>
+          </p:cNvPicPr>
+          <p:nvPr/>
+        </p:nvPicPr>
+        <p:blipFill>
+          <a:blip r:embed="rId2">
+            <a:extLst>
+              <a:ext uri="{28A0092B-C50C-407E-A947-70E740481C1C}">
+                <a14:useLocalDpi xmlns:a14="http://schemas.microsoft.com/office/drawing/2010/main" val="0"/>
+              </a:ext>
+            </a:extLst>
+          </a:blip>
+          <a:srcRect/>
+          <a:stretch>
+            <a:fillRect/>
+          </a:stretch>
+        </p:blipFill>
+        <p:spPr bwMode="auto">
+          <a:xfrm>
+            <a:off x="934094" y="178366"/>
+            <a:ext cx="9739941" cy="6589608"/>
+          </a:xfrm>
+          <a:prstGeom prst="rect">
+            <a:avLst/>
+          </a:prstGeom>
+          <a:noFill/>
+          <a:ln>
+            <a:noFill/>
+          </a:ln>
+          <a:extLst>
+            <a:ext uri="{909E8E84-426E-40DD-AFC4-6F175D3DCCD1}">
+              <a14:hiddenFill xmlns:a14="http://schemas.microsoft.com/office/drawing/2010/main">
+                <a:solidFill>
+                  <a:srgbClr val="FFFFFF"/>
+                </a:solidFill>
+              </a14:hiddenFill>
+            </a:ext>
+            <a:ext uri="{91240B29-F687-4F45-9708-019B960494DF}">
+              <a14:hiddenLine xmlns:a14="http://schemas.microsoft.com/office/drawing/2010/main" w="9525">
+                <a:solidFill>
+                  <a:srgbClr val="000000"/>
+                </a:solidFill>
+                <a:miter lim="800000"/>
+                <a:headEnd/>
+                <a:tailEnd/>
+              </a14:hiddenLine>
+            </a:ext>
+          </a:extLst>
+        </p:spPr>
+      </p:pic>
+    </p:spTree>
+    <p:extLst>
+      <p:ext uri="{BB962C8B-B14F-4D97-AF65-F5344CB8AC3E}">
+        <p14:creationId xmlns:p14="http://schemas.microsoft.com/office/powerpoint/2010/main" val="3124074337"/>
+      </p:ext>
+    </p:extLst>
+  </p:cSld>
+  <p:clrMapOvr>
+    <a:masterClrMapping/>
+  </p:clrMapOvr>
+  <p:timing>
+    <p:tnLst>
+      <p:par>
+        <p:cTn id="1" dur="indefinite" restart="never" nodeType="tmRoot"/>
+      </p:par>
+    </p:tnLst>
+  </p:timing>
+</p:sld>
+</file>
+
+<file path=ppt/slides/slide13.xml><?xml version="1.0" encoding="utf-8"?>
+<p:sld xmlns:a="http://schemas.openxmlformats.org/drawingml/2006/main" xmlns:r="http://schemas.openxmlformats.org/officeDocument/2006/relationships" xmlns:p="http://schemas.openxmlformats.org/presentationml/2006/main">
+  <p:cSld>
+    <p:spTree>
+      <p:nvGrpSpPr>
+        <p:cNvPr id="1" name=""/>
+        <p:cNvGrpSpPr/>
+        <p:nvPr/>
+      </p:nvGrpSpPr>
+      <p:grpSpPr>
+        <a:xfrm>
+          <a:off x="0" y="0"/>
+          <a:ext cx="0" cy="0"/>
+          <a:chOff x="0" y="0"/>
+          <a:chExt cx="0" cy="0"/>
+        </a:xfrm>
+      </p:grpSpPr>
+      <p:sp>
+        <p:nvSpPr>
+          <p:cNvPr id="2" name="Title 1"/>
+          <p:cNvSpPr>
+            <a:spLocks noGrp="1"/>
+          </p:cNvSpPr>
+          <p:nvPr>
+            <p:ph type="title"/>
+          </p:nvPr>
+        </p:nvSpPr>
+        <p:spPr/>
+        <p:txBody>
+          <a:bodyPr/>
+          <a:lstStyle/>
+          <a:p>
+            <a:pPr algn="r" rtl="1"/>
+            <a:r>
+              <a:rPr lang="en-US" dirty="0" smtClean="0"/>
+              <a:t>Search</a:t>
+            </a:r>
+            <a:endParaRPr lang="en-US" dirty="0"/>
+          </a:p>
+        </p:txBody>
+      </p:sp>
+      <p:sp>
+        <p:nvSpPr>
+          <p:cNvPr id="3" name="Content Placeholder 2"/>
+          <p:cNvSpPr>
+            <a:spLocks noGrp="1"/>
+          </p:cNvSpPr>
+          <p:nvPr>
+            <p:ph idx="1"/>
+          </p:nvPr>
+        </p:nvSpPr>
+        <p:spPr/>
+        <p:txBody>
+          <a:bodyPr/>
+          <a:lstStyle/>
+          <a:p>
+            <a:endParaRPr lang="en-US" dirty="0"/>
+          </a:p>
+        </p:txBody>
+      </p:sp>
+    </p:spTree>
+    <p:extLst>
+      <p:ext uri="{BB962C8B-B14F-4D97-AF65-F5344CB8AC3E}">
+        <p14:creationId xmlns:p14="http://schemas.microsoft.com/office/powerpoint/2010/main" val="668474881"/>
+      </p:ext>
+    </p:extLst>
+  </p:cSld>
+  <p:clrMapOvr>
+    <a:masterClrMapping/>
+  </p:clrMapOvr>
+  <p:timing>
+    <p:tnLst>
+      <p:par>
+        <p:cTn id="1" dur="indefinite" restart="never" nodeType="tmRoot"/>
+      </p:par>
+    </p:tnLst>
+  </p:timing>
+</p:sld>
+</file>
+
+<file path=ppt/slides/slide14.xml><?xml version="1.0" encoding="utf-8"?>
+<p:sld xmlns:a="http://schemas.openxmlformats.org/drawingml/2006/main" xmlns:r="http://schemas.openxmlformats.org/officeDocument/2006/relationships" xmlns:p="http://schemas.openxmlformats.org/presentationml/2006/main">
+  <p:cSld>
+    <p:spTree>
+      <p:nvGrpSpPr>
+        <p:cNvPr id="1" name=""/>
+        <p:cNvGrpSpPr/>
+        <p:nvPr/>
+      </p:nvGrpSpPr>
+      <p:grpSpPr>
+        <a:xfrm>
+          <a:off x="0" y="0"/>
+          <a:ext cx="0" cy="0"/>
+          <a:chOff x="0" y="0"/>
+          <a:chExt cx="0" cy="0"/>
+        </a:xfrm>
+      </p:grpSpPr>
+      <p:sp>
+        <p:nvSpPr>
+          <p:cNvPr id="2" name="Title 1"/>
+          <p:cNvSpPr>
+            <a:spLocks noGrp="1"/>
+          </p:cNvSpPr>
+          <p:nvPr>
+            <p:ph type="title"/>
+          </p:nvPr>
+        </p:nvSpPr>
+        <p:spPr/>
+        <p:txBody>
+          <a:bodyPr/>
+          <a:lstStyle/>
+          <a:p>
+            <a:endParaRPr lang="en-US"/>
+          </a:p>
+        </p:txBody>
+      </p:sp>
+      <p:sp>
+        <p:nvSpPr>
+          <p:cNvPr id="3" name="Content Placeholder 2"/>
+          <p:cNvSpPr>
+            <a:spLocks noGrp="1"/>
+          </p:cNvSpPr>
+          <p:nvPr>
+            <p:ph idx="1"/>
+          </p:nvPr>
+        </p:nvSpPr>
+        <p:spPr/>
+        <p:txBody>
+          <a:bodyPr/>
+          <a:lstStyle/>
+          <a:p>
+            <a:endParaRPr lang="en-US"/>
+          </a:p>
+        </p:txBody>
+      </p:sp>
+    </p:spTree>
+    <p:extLst>
+      <p:ext uri="{BB962C8B-B14F-4D97-AF65-F5344CB8AC3E}">
+        <p14:creationId xmlns:p14="http://schemas.microsoft.com/office/powerpoint/2010/main" val="1627474235"/>
+      </p:ext>
+    </p:extLst>
+  </p:cSld>
+  <p:clrMapOvr>
+    <a:masterClrMapping/>
+  </p:clrMapOvr>
+  <p:timing>
+    <p:tnLst>
+      <p:par>
+        <p:cTn id="1" dur="indefinite" restart="never" nodeType="tmRoot"/>
+      </p:par>
+    </p:tnLst>
+  </p:timing>
+</p:sld>
+</file>
+
+<file path=ppt/slides/slide15.xml><?xml version="1.0" encoding="utf-8"?>
+<p:sld xmlns:a="http://schemas.openxmlformats.org/drawingml/2006/main" xmlns:r="http://schemas.openxmlformats.org/officeDocument/2006/relationships" xmlns:p="http://schemas.openxmlformats.org/presentationml/2006/main">
+  <p:cSld>
+    <p:spTree>
+      <p:nvGrpSpPr>
+        <p:cNvPr id="1" name=""/>
+        <p:cNvGrpSpPr/>
+        <p:nvPr/>
+      </p:nvGrpSpPr>
+      <p:grpSpPr>
+        <a:xfrm>
+          <a:off x="0" y="0"/>
+          <a:ext cx="0" cy="0"/>
+          <a:chOff x="0" y="0"/>
+          <a:chExt cx="0" cy="0"/>
+        </a:xfrm>
+      </p:grpSpPr>
+      <p:sp>
+        <p:nvSpPr>
+          <p:cNvPr id="2" name="Title 1"/>
+          <p:cNvSpPr>
+            <a:spLocks noGrp="1"/>
+          </p:cNvSpPr>
+          <p:nvPr>
+            <p:ph type="title"/>
+          </p:nvPr>
+        </p:nvSpPr>
+        <p:spPr/>
+        <p:txBody>
+          <a:bodyPr/>
+          <a:lstStyle/>
+          <a:p>
+            <a:endParaRPr lang="en-US"/>
+          </a:p>
+        </p:txBody>
+      </p:sp>
+      <p:sp>
+        <p:nvSpPr>
+          <p:cNvPr id="3" name="Content Placeholder 2"/>
+          <p:cNvSpPr>
+            <a:spLocks noGrp="1"/>
+          </p:cNvSpPr>
+          <p:nvPr>
+            <p:ph idx="1"/>
+          </p:nvPr>
+        </p:nvSpPr>
+        <p:spPr/>
+        <p:txBody>
+          <a:bodyPr/>
+          <a:lstStyle/>
+          <a:p>
+            <a:endParaRPr lang="en-US"/>
+          </a:p>
+        </p:txBody>
+      </p:sp>
+    </p:spTree>
+    <p:extLst>
+      <p:ext uri="{BB962C8B-B14F-4D97-AF65-F5344CB8AC3E}">
+        <p14:creationId xmlns:p14="http://schemas.microsoft.com/office/powerpoint/2010/main" val="1766585114"/>
+      </p:ext>
+    </p:extLst>
+  </p:cSld>
+  <p:clrMapOvr>
+    <a:masterClrMapping/>
+  </p:clrMapOvr>
+  <p:timing>
+    <p:tnLst>
+      <p:par>
+        <p:cTn id="1" dur="indefinite" restart="never" nodeType="tmRoot"/>
+      </p:par>
+    </p:tnLst>
+  </p:timing>
+</p:sld>
+</file>
+
+<file path=ppt/slides/slide16.xml><?xml version="1.0" encoding="utf-8"?>
+<p:sld xmlns:a="http://schemas.openxmlformats.org/drawingml/2006/main" xmlns:r="http://schemas.openxmlformats.org/officeDocument/2006/relationships" xmlns:p="http://schemas.openxmlformats.org/presentationml/2006/main">
+  <p:cSld>
+    <p:spTree>
+      <p:nvGrpSpPr>
+        <p:cNvPr id="1" name=""/>
+        <p:cNvGrpSpPr/>
+        <p:nvPr/>
+      </p:nvGrpSpPr>
+      <p:grpSpPr>
+        <a:xfrm>
+          <a:off x="0" y="0"/>
+          <a:ext cx="0" cy="0"/>
+          <a:chOff x="0" y="0"/>
+          <a:chExt cx="0" cy="0"/>
+        </a:xfrm>
+      </p:grpSpPr>
+      <p:sp>
+        <p:nvSpPr>
+          <p:cNvPr id="2" name="Title 1"/>
+          <p:cNvSpPr>
+            <a:spLocks noGrp="1"/>
+          </p:cNvSpPr>
+          <p:nvPr>
+            <p:ph type="title"/>
+          </p:nvPr>
+        </p:nvSpPr>
+        <p:spPr/>
+        <p:txBody>
+          <a:bodyPr/>
+          <a:lstStyle/>
+          <a:p>
+            <a:endParaRPr lang="en-US"/>
+          </a:p>
+        </p:txBody>
+      </p:sp>
+      <p:sp>
+        <p:nvSpPr>
+          <p:cNvPr id="3" name="Content Placeholder 2"/>
+          <p:cNvSpPr>
+            <a:spLocks noGrp="1"/>
+          </p:cNvSpPr>
+          <p:nvPr>
+            <p:ph idx="1"/>
+          </p:nvPr>
+        </p:nvSpPr>
+        <p:spPr/>
+        <p:txBody>
+          <a:bodyPr/>
+          <a:lstStyle/>
+          <a:p>
+            <a:endParaRPr lang="en-US"/>
+          </a:p>
+        </p:txBody>
+      </p:sp>
+    </p:spTree>
+    <p:extLst>
+      <p:ext uri="{BB962C8B-B14F-4D97-AF65-F5344CB8AC3E}">
+        <p14:creationId xmlns:p14="http://schemas.microsoft.com/office/powerpoint/2010/main" val="3107431139"/>
+      </p:ext>
+    </p:extLst>
+  </p:cSld>
+  <p:clrMapOvr>
+    <a:masterClrMapping/>
+  </p:clrMapOvr>
+  <p:timing>
+    <p:tnLst>
+      <p:par>
+        <p:cTn id="1" dur="indefinite" restart="never" nodeType="tmRoot"/>
+      </p:par>
+    </p:tnLst>
+  </p:timing>
+</p:sld>
+</file>
+
 <file path=ppt/slides/slide2.xml><?xml version="1.0" encoding="utf-8"?>
 <p:sld xmlns:a="http://schemas.openxmlformats.org/drawingml/2006/main" xmlns:r="http://schemas.openxmlformats.org/officeDocument/2006/relationships" xmlns:p="http://schemas.openxmlformats.org/presentationml/2006/main">
   <p:cSld>
@@ -3390,7 +4231,7 @@
             </a:r>
             <a:r>
               <a:rPr lang="fa-IR" dirty="0" smtClean="0"/>
-              <a:t>چه نو جست و جو هایی را پشتیبانی می‌کند ؟</a:t>
+              <a:t>چه نوع جست و جوهایی را پشتیبانی می‌کند ؟</a:t>
             </a:r>
           </a:p>
           <a:p>
@@ -4108,24 +4949,28 @@
               <a:t>سایت</a:t>
             </a:r>
             <a:r>
-              <a:rPr lang="en-US" u="sng" dirty="0" smtClean="0">
+              <a:rPr lang="en-US" sz="2400" u="sng" dirty="0" smtClean="0">
                 <a:hlinkClick r:id="rId2"/>
               </a:rPr>
               <a:t>https</a:t>
             </a:r>
             <a:r>
-              <a:rPr lang="en-US" u="sng" dirty="0">
+              <a:rPr lang="en-US" sz="2400" u="sng" dirty="0">
                 <a:hlinkClick r:id="rId2"/>
               </a:rPr>
               <a:t>://wiki.apache.org</a:t>
             </a:r>
             <a:r>
-              <a:rPr lang="en-US" dirty="0"/>
+              <a:rPr lang="en-US" sz="2400" dirty="0"/>
               <a:t> </a:t>
             </a:r>
             <a:r>
+              <a:rPr lang="fa-IR" sz="2400" dirty="0" smtClean="0"/>
+              <a:t> </a:t>
+            </a:r>
+            <a:r>
               <a:rPr lang="fa-IR" dirty="0" smtClean="0"/>
-              <a:t> مشاهده </a:t>
+              <a:t>مشاهده </a:t>
             </a:r>
             <a:r>
               <a:rPr lang="fa-IR" dirty="0"/>
@@ -6033,10 +6878,463 @@
         </p:nvSpPr>
         <p:spPr/>
         <p:txBody>
-          <a:bodyPr/>
-          <a:lstStyle/>
-          <a:p>
-            <a:endParaRPr lang="en-US"/>
+          <a:bodyPr>
+            <a:normAutofit/>
+          </a:bodyPr>
+          <a:lstStyle/>
+          <a:p>
+            <a:pPr lvl="1" rtl="1"/>
+            <a:r>
+              <a:rPr lang="en-US" sz="3200" dirty="0" err="1" smtClean="0"/>
+              <a:t>Lucene</a:t>
+            </a:r>
+            <a:r>
+              <a:rPr lang="fa-IR" sz="3200" dirty="0" smtClean="0"/>
+              <a:t> چه نوع جست و جوهایی را پشتیبانی می‌کند ؟</a:t>
+            </a:r>
+            <a:endParaRPr lang="fa-IR" sz="3200" dirty="0" smtClean="0"/>
+          </a:p>
+        </p:txBody>
+      </p:sp>
+      <p:cxnSp>
+        <p:nvCxnSpPr>
+          <p:cNvPr id="4" name="Straight Connector 3"/>
+          <p:cNvCxnSpPr/>
+          <p:nvPr/>
+        </p:nvCxnSpPr>
+        <p:spPr>
+          <a:xfrm>
+            <a:off x="2831969" y="1606928"/>
+            <a:ext cx="8521831" cy="0"/>
+          </a:xfrm>
+          <a:prstGeom prst="line">
+            <a:avLst/>
+          </a:prstGeom>
+          <a:ln w="28575"/>
+        </p:spPr>
+        <p:style>
+          <a:lnRef idx="3">
+            <a:schemeClr val="dk1"/>
+          </a:lnRef>
+          <a:fillRef idx="0">
+            <a:schemeClr val="dk1"/>
+          </a:fillRef>
+          <a:effectRef idx="2">
+            <a:schemeClr val="dk1"/>
+          </a:effectRef>
+          <a:fontRef idx="minor">
+            <a:schemeClr val="tx1"/>
+          </a:fontRef>
+        </p:style>
+      </p:cxnSp>
+      <p:graphicFrame>
+        <p:nvGraphicFramePr>
+          <p:cNvPr id="7" name="Table 6"/>
+          <p:cNvGraphicFramePr>
+            <a:graphicFrameLocks noGrp="1"/>
+          </p:cNvGraphicFramePr>
+          <p:nvPr>
+            <p:extLst>
+              <p:ext uri="{D42A27DB-BD31-4B8C-83A1-F6EECF244321}">
+                <p14:modId xmlns:p14="http://schemas.microsoft.com/office/powerpoint/2010/main" val="4190221525"/>
+              </p:ext>
+            </p:extLst>
+          </p:nvPr>
+        </p:nvGraphicFramePr>
+        <p:xfrm>
+          <a:off x="1896196" y="2489703"/>
+          <a:ext cx="8759732" cy="2635162"/>
+        </p:xfrm>
+        <a:graphic>
+          <a:graphicData uri="http://schemas.openxmlformats.org/drawingml/2006/table">
+            <a:tbl>
+              <a:tblPr firstRow="1" bandRow="1">
+                <a:tableStyleId>{BC89EF96-8CEA-46FF-86C4-4CE0E7609802}</a:tableStyleId>
+              </a:tblPr>
+              <a:tblGrid>
+                <a:gridCol w="1562228"/>
+                <a:gridCol w="7197504"/>
+              </a:tblGrid>
+              <a:tr h="517400">
+                <a:tc>
+                  <a:txBody>
+                    <a:bodyPr/>
+                    <a:lstStyle/>
+                    <a:p>
+                      <a:pPr marL="0" marR="0" indent="0" algn="l" defTabSz="914400" rtl="0" eaLnBrk="1" fontAlgn="auto" latinLnBrk="0" hangingPunct="1">
+                        <a:lnSpc>
+                          <a:spcPct val="100000"/>
+                        </a:lnSpc>
+                        <a:spcBef>
+                          <a:spcPts val="0"/>
+                        </a:spcBef>
+                        <a:spcAft>
+                          <a:spcPts val="0"/>
+                        </a:spcAft>
+                        <a:buClrTx/>
+                        <a:buSzTx/>
+                        <a:buFontTx/>
+                        <a:buNone/>
+                        <a:tabLst/>
+                        <a:defRPr/>
+                      </a:pPr>
+                      <a:r>
+                        <a:rPr lang="en-US" sz="1800" dirty="0" smtClean="0"/>
+                        <a:t>Terms</a:t>
+                      </a:r>
+                      <a:endParaRPr lang="en-US" sz="1600" dirty="0" smtClean="0"/>
+                    </a:p>
+                  </a:txBody>
+                  <a:tcPr/>
+                </a:tc>
+                <a:tc>
+                  <a:txBody>
+                    <a:bodyPr/>
+                    <a:lstStyle/>
+                    <a:p>
+                      <a:pPr algn="l"/>
+                      <a:r>
+                        <a:rPr lang="en-US" sz="2000" b="0" dirty="0" smtClean="0"/>
+                        <a:t>"test" or "hello”          or         "hello dolly"</a:t>
+                      </a:r>
+                      <a:endParaRPr lang="en-US" sz="2000" b="0" dirty="0"/>
+                    </a:p>
+                  </a:txBody>
+                  <a:tcPr/>
+                </a:tc>
+              </a:tr>
+              <a:tr h="477205">
+                <a:tc>
+                  <a:txBody>
+                    <a:bodyPr/>
+                    <a:lstStyle/>
+                    <a:p>
+                      <a:pPr marL="0" marR="0" indent="0" algn="l" defTabSz="914400" rtl="0" eaLnBrk="1" fontAlgn="auto" latinLnBrk="0" hangingPunct="1">
+                        <a:lnSpc>
+                          <a:spcPct val="100000"/>
+                        </a:lnSpc>
+                        <a:spcBef>
+                          <a:spcPts val="0"/>
+                        </a:spcBef>
+                        <a:spcAft>
+                          <a:spcPts val="0"/>
+                        </a:spcAft>
+                        <a:buClrTx/>
+                        <a:buSzTx/>
+                        <a:buFontTx/>
+                        <a:buNone/>
+                        <a:tabLst/>
+                        <a:defRPr/>
+                      </a:pPr>
+                      <a:r>
+                        <a:rPr lang="en-US" sz="2000" dirty="0" smtClean="0"/>
+                        <a:t>Fields</a:t>
+                      </a:r>
+                      <a:endParaRPr lang="en-US" dirty="0"/>
+                    </a:p>
+                  </a:txBody>
+                  <a:tcPr/>
+                </a:tc>
+                <a:tc>
+                  <a:txBody>
+                    <a:bodyPr/>
+                    <a:lstStyle/>
+                    <a:p>
+                      <a:pPr marL="0" marR="0" indent="0" algn="l" defTabSz="914400" rtl="0" eaLnBrk="1" fontAlgn="auto" latinLnBrk="0" hangingPunct="1">
+                        <a:lnSpc>
+                          <a:spcPct val="100000"/>
+                        </a:lnSpc>
+                        <a:spcBef>
+                          <a:spcPts val="0"/>
+                        </a:spcBef>
+                        <a:spcAft>
+                          <a:spcPts val="0"/>
+                        </a:spcAft>
+                        <a:buClrTx/>
+                        <a:buSzTx/>
+                        <a:buFontTx/>
+                        <a:buNone/>
+                        <a:tabLst/>
+                        <a:defRPr/>
+                      </a:pPr>
+                      <a:r>
+                        <a:rPr lang="en-US" sz="2000" dirty="0" smtClean="0"/>
+                        <a:t>Title  :  "The Right Way"    AND    text : go</a:t>
+                      </a:r>
+                    </a:p>
+                  </a:txBody>
+                  <a:tcPr/>
+                </a:tc>
+              </a:tr>
+              <a:tr h="477205">
+                <a:tc>
+                  <a:txBody>
+                    <a:bodyPr/>
+                    <a:lstStyle/>
+                    <a:p>
+                      <a:pPr marL="0" marR="0" indent="0" algn="l" defTabSz="914400" rtl="0" eaLnBrk="1" fontAlgn="auto" latinLnBrk="0" hangingPunct="1">
+                        <a:lnSpc>
+                          <a:spcPct val="100000"/>
+                        </a:lnSpc>
+                        <a:spcBef>
+                          <a:spcPts val="0"/>
+                        </a:spcBef>
+                        <a:spcAft>
+                          <a:spcPts val="0"/>
+                        </a:spcAft>
+                        <a:buClrTx/>
+                        <a:buSzTx/>
+                        <a:buFontTx/>
+                        <a:buNone/>
+                        <a:tabLst/>
+                        <a:defRPr/>
+                      </a:pPr>
+                      <a:r>
+                        <a:rPr lang="en-US" sz="2000" dirty="0" smtClean="0"/>
+                        <a:t>Wildcard</a:t>
+                      </a:r>
+                      <a:endParaRPr lang="en-US" dirty="0"/>
+                    </a:p>
+                  </a:txBody>
+                  <a:tcPr/>
+                </a:tc>
+                <a:tc>
+                  <a:txBody>
+                    <a:bodyPr/>
+                    <a:lstStyle/>
+                    <a:p>
+                      <a:pPr marL="0" marR="0" indent="0" algn="l" defTabSz="914400" rtl="0" eaLnBrk="1" fontAlgn="auto" latinLnBrk="0" hangingPunct="1">
+                        <a:lnSpc>
+                          <a:spcPct val="100000"/>
+                        </a:lnSpc>
+                        <a:spcBef>
+                          <a:spcPts val="0"/>
+                        </a:spcBef>
+                        <a:spcAft>
+                          <a:spcPts val="0"/>
+                        </a:spcAft>
+                        <a:buClrTx/>
+                        <a:buSzTx/>
+                        <a:buFontTx/>
+                        <a:buNone/>
+                        <a:tabLst/>
+                        <a:defRPr/>
+                      </a:pPr>
+                      <a:r>
+                        <a:rPr lang="en-US" sz="2000" dirty="0" err="1" smtClean="0"/>
+                        <a:t>te?t</a:t>
+                      </a:r>
+                      <a:r>
+                        <a:rPr lang="en-US" sz="2000" dirty="0" smtClean="0"/>
+                        <a:t>         or        test*      or       </a:t>
+                      </a:r>
+                      <a:r>
+                        <a:rPr lang="en-US" sz="2000" dirty="0" err="1" smtClean="0"/>
+                        <a:t>te</a:t>
+                      </a:r>
+                      <a:r>
+                        <a:rPr lang="en-US" sz="2000" dirty="0" smtClean="0"/>
+                        <a:t>*t</a:t>
+                      </a:r>
+                    </a:p>
+                  </a:txBody>
+                  <a:tcPr/>
+                </a:tc>
+              </a:tr>
+              <a:tr h="492792">
+                <a:tc>
+                  <a:txBody>
+                    <a:bodyPr/>
+                    <a:lstStyle/>
+                    <a:p>
+                      <a:pPr marL="0" marR="0" indent="0" algn="l" defTabSz="914400" rtl="0" eaLnBrk="1" fontAlgn="auto" latinLnBrk="0" hangingPunct="1">
+                        <a:lnSpc>
+                          <a:spcPct val="100000"/>
+                        </a:lnSpc>
+                        <a:spcBef>
+                          <a:spcPts val="0"/>
+                        </a:spcBef>
+                        <a:spcAft>
+                          <a:spcPts val="0"/>
+                        </a:spcAft>
+                        <a:buClrTx/>
+                        <a:buSzTx/>
+                        <a:buFontTx/>
+                        <a:buNone/>
+                        <a:tabLst/>
+                        <a:defRPr/>
+                      </a:pPr>
+                      <a:r>
+                        <a:rPr lang="en-US" sz="2000" dirty="0" smtClean="0"/>
+                        <a:t>Fuzzy</a:t>
+                      </a:r>
+                      <a:endParaRPr lang="en-US" dirty="0"/>
+                    </a:p>
+                  </a:txBody>
+                  <a:tcPr/>
+                </a:tc>
+                <a:tc>
+                  <a:txBody>
+                    <a:bodyPr/>
+                    <a:lstStyle/>
+                    <a:p>
+                      <a:pPr marL="0" marR="0" indent="0" algn="l" defTabSz="914400" rtl="0" eaLnBrk="1" fontAlgn="auto" latinLnBrk="0" hangingPunct="1">
+                        <a:lnSpc>
+                          <a:spcPct val="100000"/>
+                        </a:lnSpc>
+                        <a:spcBef>
+                          <a:spcPts val="0"/>
+                        </a:spcBef>
+                        <a:spcAft>
+                          <a:spcPts val="0"/>
+                        </a:spcAft>
+                        <a:buClrTx/>
+                        <a:buSzTx/>
+                        <a:buFontTx/>
+                        <a:buNone/>
+                        <a:tabLst/>
+                        <a:defRPr/>
+                      </a:pPr>
+                      <a:r>
+                        <a:rPr lang="en-US" sz="2000" dirty="0" smtClean="0"/>
+                        <a:t>roam~    or   roam~0.8       </a:t>
+                      </a:r>
+                      <a:r>
+                        <a:rPr lang="en-US" sz="1800" dirty="0" smtClean="0"/>
+                        <a:t>foam and roams</a:t>
+                      </a:r>
+                    </a:p>
+                  </a:txBody>
+                  <a:tcPr/>
+                </a:tc>
+              </a:tr>
+              <a:tr h="570971">
+                <a:tc>
+                  <a:txBody>
+                    <a:bodyPr/>
+                    <a:lstStyle/>
+                    <a:p>
+                      <a:pPr algn="l"/>
+                      <a:r>
+                        <a:rPr lang="en-US" sz="1800" dirty="0" smtClean="0"/>
+                        <a:t>Boolean</a:t>
+                      </a:r>
+                      <a:endParaRPr lang="en-US" sz="1800" b="1" dirty="0" smtClean="0"/>
+                    </a:p>
+                  </a:txBody>
+                  <a:tcPr/>
+                </a:tc>
+                <a:tc>
+                  <a:txBody>
+                    <a:bodyPr/>
+                    <a:lstStyle/>
+                    <a:p>
+                      <a:pPr marL="0" marR="0" lvl="2" indent="0" algn="l" defTabSz="914400" rtl="0" eaLnBrk="1" fontAlgn="auto" latinLnBrk="0" hangingPunct="1">
+                        <a:lnSpc>
+                          <a:spcPct val="100000"/>
+                        </a:lnSpc>
+                        <a:spcBef>
+                          <a:spcPts val="0"/>
+                        </a:spcBef>
+                        <a:spcAft>
+                          <a:spcPts val="0"/>
+                        </a:spcAft>
+                        <a:buClrTx/>
+                        <a:buSzTx/>
+                        <a:buFontTx/>
+                        <a:buNone/>
+                        <a:tabLst/>
+                        <a:defRPr/>
+                      </a:pPr>
+                      <a:r>
+                        <a:rPr lang="en-US" sz="2000" dirty="0" smtClean="0"/>
+                        <a:t>"</a:t>
+                      </a:r>
+                      <a:r>
+                        <a:rPr lang="en-US" sz="2000" dirty="0" err="1" smtClean="0"/>
+                        <a:t>jakarta</a:t>
+                      </a:r>
+                      <a:r>
+                        <a:rPr lang="en-US" sz="2000" dirty="0" smtClean="0"/>
+                        <a:t> apache" OR Jakarta </a:t>
+                      </a:r>
+                    </a:p>
+                    <a:p>
+                      <a:pPr algn="l"/>
+                      <a:endParaRPr lang="en-US" dirty="0"/>
+                    </a:p>
+                  </a:txBody>
+                  <a:tcPr/>
+                </a:tc>
+              </a:tr>
+            </a:tbl>
+          </a:graphicData>
+        </a:graphic>
+      </p:graphicFrame>
+    </p:spTree>
+    <p:extLst>
+      <p:ext uri="{BB962C8B-B14F-4D97-AF65-F5344CB8AC3E}">
+        <p14:creationId xmlns:p14="http://schemas.microsoft.com/office/powerpoint/2010/main" val="2242981811"/>
+      </p:ext>
+    </p:extLst>
+  </p:cSld>
+  <p:clrMapOvr>
+    <a:masterClrMapping/>
+  </p:clrMapOvr>
+  <p:timing>
+    <p:tnLst>
+      <p:par>
+        <p:cTn id="1" dur="indefinite" restart="never" nodeType="tmRoot"/>
+      </p:par>
+    </p:tnLst>
+  </p:timing>
+</p:sld>
+</file>
+
+<file path=ppt/slides/slide9.xml><?xml version="1.0" encoding="utf-8"?>
+<p:sld xmlns:a="http://schemas.openxmlformats.org/drawingml/2006/main" xmlns:r="http://schemas.openxmlformats.org/officeDocument/2006/relationships" xmlns:p="http://schemas.openxmlformats.org/presentationml/2006/main">
+  <p:cSld>
+    <p:spTree>
+      <p:nvGrpSpPr>
+        <p:cNvPr id="1" name=""/>
+        <p:cNvGrpSpPr/>
+        <p:nvPr/>
+      </p:nvGrpSpPr>
+      <p:grpSpPr>
+        <a:xfrm>
+          <a:off x="0" y="0"/>
+          <a:ext cx="0" cy="0"/>
+          <a:chOff x="0" y="0"/>
+          <a:chExt cx="0" cy="0"/>
+        </a:xfrm>
+      </p:grpSpPr>
+      <p:sp>
+        <p:nvSpPr>
+          <p:cNvPr id="2" name="Title 1"/>
+          <p:cNvSpPr>
+            <a:spLocks noGrp="1"/>
+          </p:cNvSpPr>
+          <p:nvPr>
+            <p:ph type="title"/>
+          </p:nvPr>
+        </p:nvSpPr>
+        <p:spPr/>
+        <p:txBody>
+          <a:bodyPr>
+            <a:normAutofit/>
+          </a:bodyPr>
+          <a:lstStyle/>
+          <a:p>
+            <a:pPr lvl="1" rtl="1"/>
+            <a:r>
+              <a:rPr lang="fa-IR" sz="3600" dirty="0" smtClean="0"/>
+              <a:t>مراحل استفاده از کتابخانه </a:t>
+            </a:r>
+            <a:r>
+              <a:rPr lang="en-US" sz="3600" dirty="0" err="1" smtClean="0"/>
+              <a:t>lucene</a:t>
+            </a:r>
+            <a:endParaRPr lang="en-US" sz="3600" dirty="0"/>
           </a:p>
         </p:txBody>
       </p:sp>
@@ -6052,10 +7350,80 @@
         </p:nvSpPr>
         <p:spPr/>
         <p:txBody>
-          <a:bodyPr/>
-          <a:lstStyle/>
-          <a:p>
-            <a:endParaRPr lang="en-US"/>
+          <a:bodyPr>
+            <a:normAutofit/>
+          </a:bodyPr>
+          <a:lstStyle/>
+          <a:p>
+            <a:pPr lvl="2" algn="r" rtl="1"/>
+            <a:r>
+              <a:rPr lang="en-US" sz="3200" dirty="0" smtClean="0"/>
+              <a:t>index</a:t>
+            </a:r>
+            <a:endParaRPr lang="fa-IR" sz="3200" dirty="0" smtClean="0"/>
+          </a:p>
+          <a:p>
+            <a:pPr lvl="3" algn="r" rtl="1"/>
+            <a:r>
+              <a:rPr lang="en-US" sz="2400" dirty="0" smtClean="0"/>
+              <a:t>Directories</a:t>
+            </a:r>
+            <a:endParaRPr lang="fa-IR" sz="2400" dirty="0" smtClean="0"/>
+          </a:p>
+          <a:p>
+            <a:pPr lvl="3" algn="r" rtl="1"/>
+            <a:r>
+              <a:rPr lang="en-US" sz="2400" dirty="0" smtClean="0"/>
+              <a:t>Documents</a:t>
+            </a:r>
+            <a:endParaRPr lang="en-US" sz="2400" dirty="0"/>
+          </a:p>
+          <a:p>
+            <a:pPr lvl="3" algn="r" rtl="1"/>
+            <a:r>
+              <a:rPr lang="en-US" sz="2400" dirty="0" smtClean="0"/>
+              <a:t>Fields</a:t>
+            </a:r>
+          </a:p>
+          <a:p>
+            <a:pPr lvl="3" algn="r" rtl="1"/>
+            <a:r>
+              <a:rPr lang="en-US" sz="2400" dirty="0" smtClean="0"/>
+              <a:t>Analyzer</a:t>
+            </a:r>
+            <a:endParaRPr lang="en-US" sz="2400" dirty="0"/>
+          </a:p>
+          <a:p>
+            <a:pPr lvl="2" algn="r" rtl="1"/>
+            <a:r>
+              <a:rPr lang="en-US" sz="3200" smtClean="0"/>
+              <a:t>search</a:t>
+            </a:r>
+            <a:endParaRPr lang="fa-IR" sz="3200" dirty="0" smtClean="0"/>
+          </a:p>
+          <a:p>
+            <a:pPr lvl="3" algn="r" rtl="1"/>
+            <a:r>
+              <a:rPr lang="en-US" sz="2400" dirty="0" err="1" smtClean="0"/>
+              <a:t>QueryBuilder</a:t>
+            </a:r>
+            <a:endParaRPr lang="en-US" sz="2400" dirty="0"/>
+          </a:p>
+          <a:p>
+            <a:pPr lvl="3" algn="r" rtl="1"/>
+            <a:r>
+              <a:rPr lang="en-US" sz="2400" dirty="0" err="1" smtClean="0"/>
+              <a:t>IndexReader</a:t>
+            </a:r>
+            <a:endParaRPr lang="fa-IR" sz="2400" dirty="0" smtClean="0"/>
+          </a:p>
+          <a:p>
+            <a:pPr lvl="3" algn="r" rtl="1"/>
+            <a:r>
+              <a:rPr lang="en-US" sz="2400" dirty="0" err="1" smtClean="0"/>
+              <a:t>IndexSearcher</a:t>
+            </a:r>
+            <a:endParaRPr lang="en-US" sz="2400" dirty="0"/>
           </a:p>
         </p:txBody>
       </p:sp>
@@ -6093,7 +7461,7 @@
     </p:spTree>
     <p:extLst>
       <p:ext uri="{BB962C8B-B14F-4D97-AF65-F5344CB8AC3E}">
-        <p14:creationId xmlns:p14="http://schemas.microsoft.com/office/powerpoint/2010/main" val="2242981811"/>
+        <p14:creationId xmlns:p14="http://schemas.microsoft.com/office/powerpoint/2010/main" val="1243213958"/>
       </p:ext>
     </p:extLst>
   </p:cSld>

--- a/Siavash Hasanpour-921042006.pptx
+++ b/Siavash Hasanpour-921042006.pptx
@@ -21,6 +21,15 @@
     <p:sldId id="269" r:id="rId15"/>
     <p:sldId id="270" r:id="rId16"/>
     <p:sldId id="271" r:id="rId17"/>
+    <p:sldId id="272" r:id="rId18"/>
+    <p:sldId id="273" r:id="rId19"/>
+    <p:sldId id="274" r:id="rId20"/>
+    <p:sldId id="275" r:id="rId21"/>
+    <p:sldId id="276" r:id="rId22"/>
+    <p:sldId id="277" r:id="rId23"/>
+    <p:sldId id="278" r:id="rId24"/>
+    <p:sldId id="279" r:id="rId25"/>
+    <p:sldId id="280" r:id="rId26"/>
   </p:sldIdLst>
   <p:sldSz cx="12192000" cy="6858000"/>
   <p:notesSz cx="6858000" cy="9144000"/>
@@ -3105,31 +3114,19 @@
               <a:rPr lang="fa-IR" sz="2400" b="1" dirty="0" smtClean="0">
                 <a:cs typeface="B Nazanin" panose="00000400000000000000" pitchFamily="2" charset="-78"/>
               </a:rPr>
-              <a:t>استاد </a:t>
-            </a:r>
-            <a:r>
-              <a:rPr lang="fa-IR" sz="2400" b="1" dirty="0">
-                <a:cs typeface="B Nazanin" panose="00000400000000000000" pitchFamily="2" charset="-78"/>
-              </a:rPr>
-              <a:t>راهنما</a:t>
-            </a:r>
-            <a:endParaRPr lang="en-US" sz="2400" dirty="0">
+              <a:t>استاد راهنما</a:t>
+            </a:r>
+            <a:endParaRPr lang="fa-IR" dirty="0" smtClean="0">
               <a:cs typeface="B Nazanin" panose="00000400000000000000" pitchFamily="2" charset="-78"/>
             </a:endParaRPr>
           </a:p>
           <a:p>
             <a:pPr algn="ctr" rtl="1"/>
             <a:r>
-              <a:rPr lang="fa-IR" sz="2400" b="1" dirty="0">
-                <a:cs typeface="B Nazanin" panose="00000400000000000000" pitchFamily="2" charset="-78"/>
-              </a:rPr>
-              <a:t>دکتر </a:t>
-            </a:r>
-            <a:r>
               <a:rPr lang="fa-IR" sz="2400" b="1" dirty="0" smtClean="0">
                 <a:cs typeface="B Nazanin" panose="00000400000000000000" pitchFamily="2" charset="-78"/>
               </a:rPr>
-              <a:t>اصغریان</a:t>
+              <a:t>دکتر اصغریان</a:t>
             </a:r>
             <a:endParaRPr lang="fa-IR" sz="2400" b="1" dirty="0">
               <a:cs typeface="B Nazanin" panose="00000400000000000000" pitchFamily="2" charset="-78"/>
@@ -3314,7 +3311,7 @@
           <a:p>
             <a:pPr algn="r" rtl="1"/>
             <a:r>
-              <a:rPr lang="en-US" dirty="0" smtClean="0"/>
+              <a:rPr lang="en-US" sz="4800" dirty="0" smtClean="0"/>
               <a:t>index</a:t>
             </a:r>
             <a:endParaRPr lang="en-US" dirty="0"/>
@@ -3333,12 +3330,16 @@
         </p:nvSpPr>
         <p:spPr/>
         <p:txBody>
-          <a:bodyPr/>
+          <a:bodyPr>
+            <a:noAutofit/>
+          </a:bodyPr>
           <a:lstStyle/>
           <a:p>
             <a:pPr algn="just" rtl="1"/>
             <a:r>
-              <a:rPr lang="en-US" sz="3200" dirty="0" smtClean="0"/>
+              <a:rPr lang="en-US" sz="3200" b="1" dirty="0" smtClean="0">
+                <a:cs typeface="B Nazanin" panose="00000400000000000000" pitchFamily="2" charset="-78"/>
+              </a:rPr>
               <a:t>Directories</a:t>
             </a:r>
           </a:p>
@@ -3347,57 +3348,83 @@
               <a:buNone/>
             </a:pPr>
             <a:r>
-              <a:rPr lang="ar-SA" sz="2400" dirty="0"/>
+              <a:rPr lang="ar-SA" sz="3200" dirty="0">
+                <a:cs typeface="B Nazanin" panose="00000400000000000000" pitchFamily="2" charset="-78"/>
+              </a:rPr>
               <a:t>ایندکس‌های تولید شده توسط </a:t>
             </a:r>
             <a:r>
-              <a:rPr lang="en-US" sz="2400" dirty="0" err="1"/>
+              <a:rPr lang="en-US" sz="3200" dirty="0" err="1">
+                <a:cs typeface="B Nazanin" panose="00000400000000000000" pitchFamily="2" charset="-78"/>
+              </a:rPr>
               <a:t>Lucene</a:t>
             </a:r>
             <a:r>
-              <a:rPr lang="ar-SA" sz="2400" dirty="0"/>
+              <a:rPr lang="ar-SA" sz="3200" dirty="0">
+                <a:cs typeface="B Nazanin" panose="00000400000000000000" pitchFamily="2" charset="-78"/>
+              </a:rPr>
               <a:t> می‌توانند در مکانی </a:t>
             </a:r>
             <a:r>
-              <a:rPr lang="ar-SA" sz="2400" dirty="0" smtClean="0"/>
+              <a:rPr lang="ar-SA" sz="3200" dirty="0" smtClean="0">
+                <a:cs typeface="B Nazanin" panose="00000400000000000000" pitchFamily="2" charset="-78"/>
+              </a:rPr>
               <a:t>در </a:t>
             </a:r>
             <a:r>
-              <a:rPr lang="ar-SA" sz="2400" dirty="0"/>
+              <a:rPr lang="ar-SA" sz="3200" dirty="0">
+                <a:cs typeface="B Nazanin" panose="00000400000000000000" pitchFamily="2" charset="-78"/>
+              </a:rPr>
               <a:t>حافظه اصلی یا روی یک پایگاه داده ذخیره شوند. برای پیاده‌سازی هر کدام از این گزینه‌ها کلاس‌هایی وجود دارد که همه آن‌ها از </a:t>
             </a:r>
             <a:r>
-              <a:rPr lang="ar-SA" sz="2400" dirty="0" smtClean="0"/>
+              <a:rPr lang="ar-SA" sz="3200" dirty="0" smtClean="0">
+                <a:cs typeface="B Nazanin" panose="00000400000000000000" pitchFamily="2" charset="-78"/>
+              </a:rPr>
               <a:t>کلاس </a:t>
             </a:r>
             <a:r>
-              <a:rPr lang="en-US" sz="2400" dirty="0" smtClean="0"/>
+              <a:rPr lang="en-US" sz="3200" dirty="0" smtClean="0">
+                <a:cs typeface="B Nazanin" panose="00000400000000000000" pitchFamily="2" charset="-78"/>
+              </a:rPr>
               <a:t>Directory</a:t>
             </a:r>
             <a:r>
-              <a:rPr lang="ar-SA" sz="2400" dirty="0" smtClean="0"/>
+              <a:rPr lang="ar-SA" sz="3200" dirty="0" smtClean="0">
+                <a:cs typeface="B Nazanin" panose="00000400000000000000" pitchFamily="2" charset="-78"/>
+              </a:rPr>
               <a:t> </a:t>
             </a:r>
             <a:r>
-              <a:rPr lang="ar-SA" sz="2400" dirty="0"/>
+              <a:rPr lang="ar-SA" sz="3200" dirty="0">
+                <a:cs typeface="B Nazanin" panose="00000400000000000000" pitchFamily="2" charset="-78"/>
+              </a:rPr>
               <a:t>ارث‌بری می‌کنند</a:t>
             </a:r>
             <a:r>
-              <a:rPr lang="ar-SA" sz="2400" dirty="0" smtClean="0"/>
+              <a:rPr lang="ar-SA" sz="3200" dirty="0" smtClean="0">
+                <a:cs typeface="B Nazanin" panose="00000400000000000000" pitchFamily="2" charset="-78"/>
+              </a:rPr>
               <a:t>.</a:t>
             </a:r>
-            <a:endParaRPr lang="fa-IR" sz="2400" dirty="0" smtClean="0"/>
+            <a:endParaRPr lang="fa-IR" sz="3200" dirty="0" smtClean="0">
+              <a:cs typeface="B Nazanin" panose="00000400000000000000" pitchFamily="2" charset="-78"/>
+            </a:endParaRPr>
           </a:p>
           <a:p>
             <a:pPr marL="0" indent="0" algn="just" rtl="1">
               <a:buNone/>
             </a:pPr>
-            <a:endParaRPr lang="fa-IR" sz="2400" dirty="0"/>
+            <a:endParaRPr lang="fa-IR" sz="3200" dirty="0">
+              <a:cs typeface="B Nazanin" panose="00000400000000000000" pitchFamily="2" charset="-78"/>
+            </a:endParaRPr>
           </a:p>
           <a:p>
             <a:pPr algn="just" rtl="1"/>
             <a:r>
-              <a:rPr lang="en-US" sz="2400" dirty="0" smtClean="0"/>
+              <a:rPr lang="en-US" sz="3200" b="1" dirty="0" smtClean="0">
+                <a:cs typeface="B Nazanin" panose="00000400000000000000" pitchFamily="2" charset="-78"/>
+              </a:rPr>
               <a:t>Documents</a:t>
             </a:r>
           </a:p>
@@ -3406,82 +3433,122 @@
               <a:buNone/>
             </a:pPr>
             <a:r>
-              <a:rPr lang="ar-SA" sz="2400" dirty="0"/>
+              <a:rPr lang="ar-SA" sz="3200" dirty="0">
+                <a:cs typeface="B Nazanin" panose="00000400000000000000" pitchFamily="2" charset="-78"/>
+              </a:rPr>
               <a:t>اسنادی که </a:t>
             </a:r>
             <a:r>
-              <a:rPr lang="ar-SA" sz="2400" dirty="0" smtClean="0"/>
+              <a:rPr lang="ar-SA" sz="3200" dirty="0" smtClean="0">
+                <a:cs typeface="B Nazanin" panose="00000400000000000000" pitchFamily="2" charset="-78"/>
+              </a:rPr>
               <a:t>می‌خواهی</a:t>
             </a:r>
             <a:r>
-              <a:rPr lang="fa-IR" sz="2400" dirty="0"/>
+              <a:rPr lang="fa-IR" sz="3200" dirty="0">
+                <a:cs typeface="B Nazanin" panose="00000400000000000000" pitchFamily="2" charset="-78"/>
+              </a:rPr>
               <a:t>م</a:t>
             </a:r>
             <a:r>
-              <a:rPr lang="ar-SA" sz="2400" dirty="0" smtClean="0"/>
+              <a:rPr lang="ar-SA" sz="3200" dirty="0" smtClean="0">
+                <a:cs typeface="B Nazanin" panose="00000400000000000000" pitchFamily="2" charset="-78"/>
+              </a:rPr>
               <a:t> </a:t>
             </a:r>
             <a:r>
-              <a:rPr lang="ar-SA" sz="2400" dirty="0"/>
+              <a:rPr lang="ar-SA" sz="3200" dirty="0">
+                <a:cs typeface="B Nazanin" panose="00000400000000000000" pitchFamily="2" charset="-78"/>
+              </a:rPr>
               <a:t>آن‌ها را قابل </a:t>
             </a:r>
             <a:r>
-              <a:rPr lang="ar-SA" sz="2400" dirty="0" smtClean="0"/>
+              <a:rPr lang="ar-SA" sz="3200" dirty="0" smtClean="0">
+                <a:cs typeface="B Nazanin" panose="00000400000000000000" pitchFamily="2" charset="-78"/>
+              </a:rPr>
               <a:t>جست</a:t>
             </a:r>
             <a:r>
-              <a:rPr lang="fa-IR" sz="2400" dirty="0" smtClean="0"/>
+              <a:rPr lang="fa-IR" sz="3200" dirty="0" smtClean="0">
+                <a:cs typeface="B Nazanin" panose="00000400000000000000" pitchFamily="2" charset="-78"/>
+              </a:rPr>
               <a:t> و </a:t>
             </a:r>
             <a:r>
-              <a:rPr lang="ar-SA" sz="2400" dirty="0" smtClean="0"/>
+              <a:rPr lang="ar-SA" sz="3200" dirty="0" smtClean="0">
+                <a:cs typeface="B Nazanin" panose="00000400000000000000" pitchFamily="2" charset="-78"/>
+              </a:rPr>
               <a:t>جو کنی</a:t>
             </a:r>
             <a:r>
-              <a:rPr lang="fa-IR" sz="2400" dirty="0" smtClean="0"/>
+              <a:rPr lang="fa-IR" sz="3200" dirty="0" smtClean="0">
+                <a:cs typeface="B Nazanin" panose="00000400000000000000" pitchFamily="2" charset="-78"/>
+              </a:rPr>
               <a:t>م</a:t>
             </a:r>
             <a:r>
-              <a:rPr lang="ar-SA" sz="2400" dirty="0" smtClean="0"/>
+              <a:rPr lang="ar-SA" sz="3200" dirty="0" smtClean="0">
+                <a:cs typeface="B Nazanin" panose="00000400000000000000" pitchFamily="2" charset="-78"/>
+              </a:rPr>
               <a:t> </a:t>
             </a:r>
             <a:r>
-              <a:rPr lang="ar-SA" sz="2400" dirty="0"/>
+              <a:rPr lang="ar-SA" sz="3200" dirty="0">
+                <a:cs typeface="B Nazanin" panose="00000400000000000000" pitchFamily="2" charset="-78"/>
+              </a:rPr>
               <a:t>می‌توانند هر نوع فایل متنی مانند </a:t>
             </a:r>
             <a:r>
-              <a:rPr lang="en-US" sz="2400" dirty="0" smtClean="0"/>
+              <a:rPr lang="en-US" sz="3200" dirty="0" smtClean="0">
+                <a:cs typeface="B Nazanin" panose="00000400000000000000" pitchFamily="2" charset="-78"/>
+              </a:rPr>
               <a:t>Word</a:t>
             </a:r>
             <a:r>
-              <a:rPr lang="ar-SA" sz="2400" dirty="0"/>
+              <a:rPr lang="ar-SA" sz="3200" dirty="0">
+                <a:cs typeface="B Nazanin" panose="00000400000000000000" pitchFamily="2" charset="-78"/>
+              </a:rPr>
               <a:t>، </a:t>
             </a:r>
             <a:r>
-              <a:rPr lang="en-US" sz="2400" dirty="0" smtClean="0"/>
+              <a:rPr lang="en-US" sz="3200" dirty="0" smtClean="0">
+                <a:cs typeface="B Nazanin" panose="00000400000000000000" pitchFamily="2" charset="-78"/>
+              </a:rPr>
               <a:t>PDF</a:t>
             </a:r>
             <a:r>
-              <a:rPr lang="fa-IR" sz="2400" dirty="0" smtClean="0"/>
+              <a:rPr lang="fa-IR" sz="3200" dirty="0" smtClean="0">
+                <a:cs typeface="B Nazanin" panose="00000400000000000000" pitchFamily="2" charset="-78"/>
+              </a:rPr>
               <a:t> </a:t>
             </a:r>
             <a:r>
-              <a:rPr lang="ar-SA" sz="2400" dirty="0" smtClean="0"/>
+              <a:rPr lang="ar-SA" sz="3200" dirty="0" smtClean="0">
+                <a:cs typeface="B Nazanin" panose="00000400000000000000" pitchFamily="2" charset="-78"/>
+              </a:rPr>
               <a:t>یا </a:t>
             </a:r>
             <a:r>
-              <a:rPr lang="ar-SA" sz="2400" dirty="0"/>
+              <a:rPr lang="ar-SA" sz="3200" dirty="0">
+                <a:cs typeface="B Nazanin" panose="00000400000000000000" pitchFamily="2" charset="-78"/>
+              </a:rPr>
               <a:t>هر نوع سند متنی دیگر باشند. برای هر سندی که می‌خواهید آن را ایندکس کنید باید یک شی از کلاس </a:t>
             </a:r>
             <a:r>
-              <a:rPr lang="en-US" sz="2400" dirty="0"/>
+              <a:rPr lang="en-US" sz="3200" dirty="0">
+                <a:cs typeface="B Nazanin" panose="00000400000000000000" pitchFamily="2" charset="-78"/>
+              </a:rPr>
               <a:t>Document</a:t>
             </a:r>
             <a:r>
-              <a:rPr lang="ar-SA" sz="2400" dirty="0"/>
+              <a:rPr lang="ar-SA" sz="3200" dirty="0">
+                <a:cs typeface="B Nazanin" panose="00000400000000000000" pitchFamily="2" charset="-78"/>
+              </a:rPr>
               <a:t> ایجاد کنید.</a:t>
             </a:r>
-            <a:endParaRPr lang="en-US" sz="2400" dirty="0"/>
+            <a:endParaRPr lang="en-US" sz="3200" dirty="0">
+              <a:cs typeface="B Nazanin" panose="00000400000000000000" pitchFamily="2" charset="-78"/>
+            </a:endParaRPr>
           </a:p>
         </p:txBody>
       </p:sp>
@@ -3565,19 +3632,27 @@
         </p:nvSpPr>
         <p:spPr/>
         <p:txBody>
-          <a:bodyPr/>
+          <a:bodyPr>
+            <a:normAutofit/>
+          </a:bodyPr>
           <a:lstStyle/>
           <a:p>
             <a:pPr algn="r" rtl="1"/>
             <a:r>
-              <a:rPr lang="en-US" dirty="0" smtClean="0"/>
+              <a:rPr lang="en-US" sz="4800" dirty="0" smtClean="0">
+                <a:cs typeface="B Nazanin" panose="00000400000000000000" pitchFamily="2" charset="-78"/>
+              </a:rPr>
               <a:t>index</a:t>
             </a:r>
             <a:r>
-              <a:rPr lang="fa-IR" dirty="0" smtClean="0"/>
+              <a:rPr lang="fa-IR" sz="4800" dirty="0" smtClean="0">
+                <a:cs typeface="B Nazanin" panose="00000400000000000000" pitchFamily="2" charset="-78"/>
+              </a:rPr>
               <a:t> (ادامه)</a:t>
             </a:r>
-            <a:endParaRPr lang="en-US" dirty="0"/>
+            <a:endParaRPr lang="en-US" sz="4800" dirty="0">
+              <a:cs typeface="B Nazanin" panose="00000400000000000000" pitchFamily="2" charset="-78"/>
+            </a:endParaRPr>
           </a:p>
         </p:txBody>
       </p:sp>
@@ -3593,76 +3668,78 @@
         </p:nvSpPr>
         <p:spPr/>
         <p:txBody>
-          <a:bodyPr/>
+          <a:bodyPr>
+            <a:normAutofit/>
+          </a:bodyPr>
           <a:lstStyle/>
           <a:p>
-            <a:pPr algn="r" rtl="1"/>
-            <a:r>
-              <a:rPr lang="en-US" dirty="0" smtClean="0"/>
+            <a:pPr algn="justLow" rtl="1"/>
+            <a:r>
+              <a:rPr lang="en-US" sz="3200" b="1" dirty="0" smtClean="0"/>
               <a:t>Fields</a:t>
             </a:r>
-            <a:endParaRPr lang="fa-IR" dirty="0" smtClean="0"/>
-          </a:p>
-          <a:p>
-            <a:pPr marL="0" indent="0" algn="r" rtl="1">
+            <a:endParaRPr lang="fa-IR" sz="3200" b="1" dirty="0" smtClean="0"/>
+          </a:p>
+          <a:p>
+            <a:pPr marL="0" indent="0" algn="justLow" rtl="1">
               <a:buNone/>
             </a:pPr>
             <a:r>
-              <a:rPr lang="fa-IR" dirty="0" smtClean="0"/>
+              <a:rPr lang="fa-IR" sz="3200" dirty="0" smtClean="0"/>
               <a:t>به </a:t>
             </a:r>
             <a:r>
-              <a:rPr lang="fa-IR" dirty="0"/>
+              <a:rPr lang="fa-IR" sz="3200" dirty="0"/>
               <a:t>هر سند </a:t>
             </a:r>
             <a:r>
-              <a:rPr lang="fa-IR" dirty="0" smtClean="0"/>
+              <a:rPr lang="fa-IR" sz="3200" dirty="0" smtClean="0"/>
               <a:t>مجموعه‌ای </a:t>
             </a:r>
             <a:r>
-              <a:rPr lang="fa-IR" dirty="0"/>
+              <a:rPr lang="fa-IR" sz="3200" dirty="0"/>
               <a:t>از فیلدها اضافه </a:t>
             </a:r>
             <a:r>
-              <a:rPr lang="fa-IR" dirty="0" smtClean="0"/>
+              <a:rPr lang="fa-IR" sz="3200" dirty="0" smtClean="0"/>
               <a:t>می‌کنیم که </a:t>
             </a:r>
             <a:r>
-              <a:rPr lang="fa-IR" dirty="0"/>
+              <a:rPr lang="fa-IR" sz="3200" dirty="0"/>
               <a:t>هر کدام می‌توانند اطلاعاتی را درباره سند ارائه دهند. برای مثال یک فیلد می‌تواند عنوان، شناسه سند، توصیفی درباره‌ی سند یا محتوای آن </a:t>
             </a:r>
             <a:r>
-              <a:rPr lang="fa-IR" dirty="0" smtClean="0"/>
+              <a:rPr lang="fa-IR" sz="3200" dirty="0" smtClean="0"/>
               <a:t>باشد.</a:t>
             </a:r>
           </a:p>
           <a:p>
-            <a:pPr marL="0" indent="0" algn="r" rtl="1">
+            <a:pPr marL="0" indent="0" algn="justLow" rtl="1">
               <a:buNone/>
             </a:pPr>
-            <a:endParaRPr lang="fa-IR" dirty="0"/>
-          </a:p>
-          <a:p>
-            <a:pPr algn="r" rtl="1"/>
-            <a:r>
-              <a:rPr lang="en-US" dirty="0" smtClean="0"/>
+            <a:endParaRPr lang="fa-IR" sz="3200" dirty="0"/>
+          </a:p>
+          <a:p>
+            <a:pPr algn="justLow" rtl="1"/>
+            <a:r>
+              <a:rPr lang="en-US" sz="3200" b="1" dirty="0" smtClean="0"/>
               <a:t>Analyzer</a:t>
             </a:r>
-            <a:endParaRPr lang="fa-IR" dirty="0" smtClean="0"/>
-          </a:p>
-          <a:p>
-            <a:pPr marL="0" indent="0" algn="r" rtl="1">
+            <a:endParaRPr lang="fa-IR" sz="3200" b="1" dirty="0" smtClean="0"/>
+          </a:p>
+          <a:p>
+            <a:pPr marL="0" indent="0" algn="justLow" rtl="1">
               <a:buNone/>
             </a:pPr>
             <a:r>
-              <a:rPr lang="fa-IR" dirty="0"/>
+              <a:rPr lang="fa-IR" sz="3200" dirty="0"/>
               <a:t>آنالیزور یکی از مهمترین اجزای فرایند ایندکس‌گذاری و جستجو است. آنالیزور مسئول گرفتن متن‌ خام ورودی و تبدیل آن به واژه‌های قابل جستجو است.</a:t>
             </a:r>
-            <a:endParaRPr lang="en-US" dirty="0"/>
-          </a:p>
-          <a:p>
-            <a:pPr algn="r" rtl="1"/>
-            <a:endParaRPr lang="en-US" dirty="0"/>
+            <a:endParaRPr lang="en-US" sz="3200" dirty="0"/>
+          </a:p>
+          <a:p>
+            <a:pPr algn="justLow" rtl="1"/>
+            <a:endParaRPr lang="en-US" sz="3200" dirty="0"/>
           </a:p>
         </p:txBody>
       </p:sp>
@@ -3837,15 +3914,17 @@
         </p:nvSpPr>
         <p:spPr/>
         <p:txBody>
-          <a:bodyPr/>
+          <a:bodyPr>
+            <a:normAutofit/>
+          </a:bodyPr>
           <a:lstStyle/>
           <a:p>
             <a:pPr algn="r" rtl="1"/>
             <a:r>
-              <a:rPr lang="en-US" dirty="0" smtClean="0"/>
+              <a:rPr lang="en-US" sz="4800" dirty="0" smtClean="0"/>
               <a:t>Search</a:t>
             </a:r>
-            <a:endParaRPr lang="en-US" dirty="0"/>
+            <a:endParaRPr lang="en-US" sz="4800" dirty="0"/>
           </a:p>
         </p:txBody>
       </p:sp>
@@ -3859,15 +3938,277 @@
             <p:ph idx="1"/>
           </p:nvPr>
         </p:nvSpPr>
-        <p:spPr/>
-        <p:txBody>
-          <a:bodyPr/>
+        <p:spPr>
+          <a:xfrm>
+            <a:off x="838200" y="1825624"/>
+            <a:ext cx="10515600" cy="4439373"/>
+          </a:xfrm>
+        </p:spPr>
+        <p:txBody>
+          <a:bodyPr>
+            <a:normAutofit fontScale="92500" lnSpcReduction="20000"/>
+          </a:bodyPr>
           <a:lstStyle/>
           <a:p>
-            <a:endParaRPr lang="en-US" dirty="0"/>
-          </a:p>
-        </p:txBody>
-      </p:sp>
+            <a:pPr lvl="0" algn="r" rtl="1">
+              <a:lnSpc>
+                <a:spcPct val="120000"/>
+              </a:lnSpc>
+            </a:pPr>
+            <a:r>
+              <a:rPr lang="en-US" sz="3200" b="1" dirty="0" err="1">
+                <a:cs typeface="B Nazanin" panose="00000400000000000000" pitchFamily="2" charset="-78"/>
+              </a:rPr>
+              <a:t>QueryBuilder</a:t>
+            </a:r>
+            <a:r>
+              <a:rPr lang="ar-SA" sz="3200" b="1" dirty="0">
+                <a:cs typeface="B Nazanin" panose="00000400000000000000" pitchFamily="2" charset="-78"/>
+              </a:rPr>
+              <a:t> و </a:t>
+            </a:r>
+            <a:r>
+              <a:rPr lang="en-US" sz="3200" b="1" dirty="0" smtClean="0">
+                <a:cs typeface="B Nazanin" panose="00000400000000000000" pitchFamily="2" charset="-78"/>
+              </a:rPr>
+              <a:t>Query</a:t>
+            </a:r>
+          </a:p>
+          <a:p>
+            <a:pPr marL="0" lvl="0" indent="0" algn="r" rtl="1">
+              <a:lnSpc>
+                <a:spcPct val="120000"/>
+              </a:lnSpc>
+              <a:buNone/>
+            </a:pPr>
+            <a:r>
+              <a:rPr lang="fa-IR" sz="3200" dirty="0" smtClean="0">
+                <a:cs typeface="B Nazanin" panose="00000400000000000000" pitchFamily="2" charset="-78"/>
+              </a:rPr>
+              <a:t>کلاس‌های </a:t>
+            </a:r>
+            <a:r>
+              <a:rPr lang="en-US" sz="3200" dirty="0" err="1" smtClean="0">
+                <a:cs typeface="B Nazanin" panose="00000400000000000000" pitchFamily="2" charset="-78"/>
+              </a:rPr>
+              <a:t>QueryBuilder</a:t>
+            </a:r>
+            <a:r>
+              <a:rPr lang="fa-IR" sz="3200" dirty="0" smtClean="0">
+                <a:cs typeface="B Nazanin" panose="00000400000000000000" pitchFamily="2" charset="-78"/>
+              </a:rPr>
+              <a:t> و </a:t>
+            </a:r>
+            <a:r>
+              <a:rPr lang="en-US" sz="3200" dirty="0" smtClean="0">
+                <a:cs typeface="B Nazanin" panose="00000400000000000000" pitchFamily="2" charset="-78"/>
+              </a:rPr>
+              <a:t>Query</a:t>
+            </a:r>
+            <a:r>
+              <a:rPr lang="fa-IR" sz="3200" dirty="0" smtClean="0">
+                <a:cs typeface="B Nazanin" panose="00000400000000000000" pitchFamily="2" charset="-78"/>
+              </a:rPr>
+              <a:t> متنی که میخواهیم جست و جو کنیم را آماده می‌سازد. </a:t>
+            </a:r>
+            <a:r>
+              <a:rPr lang="ar-SA" sz="3200" dirty="0" smtClean="0">
+                <a:cs typeface="B Nazanin" panose="00000400000000000000" pitchFamily="2" charset="-78"/>
+              </a:rPr>
+              <a:t>از </a:t>
+            </a:r>
+            <a:r>
+              <a:rPr lang="ar-SA" sz="3200" dirty="0">
+                <a:cs typeface="B Nazanin" panose="00000400000000000000" pitchFamily="2" charset="-78"/>
+              </a:rPr>
+              <a:t>زیرکلاس‌های</a:t>
+            </a:r>
+            <a:r>
+              <a:rPr lang="en-US" sz="3200" dirty="0">
+                <a:cs typeface="B Nazanin" panose="00000400000000000000" pitchFamily="2" charset="-78"/>
+              </a:rPr>
+              <a:t>Query</a:t>
+            </a:r>
+            <a:r>
+              <a:rPr lang="ar-SA" sz="3200" dirty="0">
+                <a:cs typeface="B Nazanin" panose="00000400000000000000" pitchFamily="2" charset="-78"/>
+              </a:rPr>
+              <a:t>، </a:t>
+            </a:r>
+            <a:r>
+              <a:rPr lang="ar-SA" sz="3200" dirty="0" smtClean="0">
+                <a:cs typeface="B Nazanin" panose="00000400000000000000" pitchFamily="2" charset="-78"/>
+              </a:rPr>
+              <a:t>کلاس</a:t>
+            </a:r>
+            <a:r>
+              <a:rPr lang="fa-IR" sz="3200" dirty="0" smtClean="0">
+                <a:cs typeface="B Nazanin" panose="00000400000000000000" pitchFamily="2" charset="-78"/>
+              </a:rPr>
+              <a:t>‌های</a:t>
+            </a:r>
+            <a:r>
+              <a:rPr lang="ar-SA" sz="3200" dirty="0" smtClean="0">
+                <a:cs typeface="B Nazanin" panose="00000400000000000000" pitchFamily="2" charset="-78"/>
+              </a:rPr>
+              <a:t> </a:t>
+            </a:r>
+            <a:r>
+              <a:rPr lang="en-US" sz="3200" dirty="0" err="1">
+                <a:cs typeface="B Nazanin" panose="00000400000000000000" pitchFamily="2" charset="-78"/>
+              </a:rPr>
+              <a:t>BooleanQuery</a:t>
+            </a:r>
+            <a:r>
+              <a:rPr lang="ar-SA" sz="3200" dirty="0">
+                <a:cs typeface="B Nazanin" panose="00000400000000000000" pitchFamily="2" charset="-78"/>
+              </a:rPr>
+              <a:t> </a:t>
+            </a:r>
+            <a:r>
+              <a:rPr lang="fa-IR" sz="3200" dirty="0" smtClean="0">
+                <a:cs typeface="B Nazanin" panose="00000400000000000000" pitchFamily="2" charset="-78"/>
+              </a:rPr>
+              <a:t>و </a:t>
+            </a:r>
+            <a:r>
+              <a:rPr lang="en-US" sz="3200" dirty="0" err="1" smtClean="0">
+                <a:cs typeface="B Nazanin" panose="00000400000000000000" pitchFamily="2" charset="-78"/>
+              </a:rPr>
+              <a:t>WildcardQuery</a:t>
+            </a:r>
+            <a:r>
+              <a:rPr lang="ar-SA" sz="3200" dirty="0" smtClean="0">
+                <a:cs typeface="B Nazanin" panose="00000400000000000000" pitchFamily="2" charset="-78"/>
+              </a:rPr>
+              <a:t> </a:t>
+            </a:r>
+            <a:r>
+              <a:rPr lang="ar-SA" sz="3200" dirty="0">
+                <a:cs typeface="B Nazanin" panose="00000400000000000000" pitchFamily="2" charset="-78"/>
+              </a:rPr>
+              <a:t>و </a:t>
+            </a:r>
+            <a:r>
+              <a:rPr lang="en-US" sz="3200" dirty="0" err="1">
+                <a:cs typeface="B Nazanin" panose="00000400000000000000" pitchFamily="2" charset="-78"/>
+              </a:rPr>
+              <a:t>PhraseQuery</a:t>
+            </a:r>
+            <a:r>
+              <a:rPr lang="en-US" sz="3200" dirty="0">
+                <a:cs typeface="B Nazanin" panose="00000400000000000000" pitchFamily="2" charset="-78"/>
+              </a:rPr>
+              <a:t> </a:t>
+            </a:r>
+            <a:r>
+              <a:rPr lang="fa-IR" sz="3200" dirty="0" smtClean="0">
+                <a:cs typeface="B Nazanin" panose="00000400000000000000" pitchFamily="2" charset="-78"/>
+              </a:rPr>
+              <a:t> و ....</a:t>
+            </a:r>
+          </a:p>
+          <a:p>
+            <a:pPr marL="0" lvl="0" indent="0" algn="r" rtl="1">
+              <a:lnSpc>
+                <a:spcPct val="120000"/>
+              </a:lnSpc>
+              <a:buNone/>
+            </a:pPr>
+            <a:endParaRPr lang="fa-IR" sz="3200" dirty="0" smtClean="0">
+              <a:cs typeface="B Nazanin" panose="00000400000000000000" pitchFamily="2" charset="-78"/>
+            </a:endParaRPr>
+          </a:p>
+          <a:p>
+            <a:pPr algn="r" rtl="1">
+              <a:lnSpc>
+                <a:spcPct val="120000"/>
+              </a:lnSpc>
+            </a:pPr>
+            <a:r>
+              <a:rPr lang="en-US" sz="3200" b="1" dirty="0" err="1" smtClean="0">
+                <a:cs typeface="B Nazanin" panose="00000400000000000000" pitchFamily="2" charset="-78"/>
+              </a:rPr>
+              <a:t>IndexReader</a:t>
+            </a:r>
+            <a:endParaRPr lang="fa-IR" sz="3200" b="1" dirty="0" smtClean="0">
+              <a:cs typeface="B Nazanin" panose="00000400000000000000" pitchFamily="2" charset="-78"/>
+            </a:endParaRPr>
+          </a:p>
+          <a:p>
+            <a:pPr marL="0" indent="0" algn="r" rtl="1">
+              <a:lnSpc>
+                <a:spcPct val="120000"/>
+              </a:lnSpc>
+              <a:buNone/>
+            </a:pPr>
+            <a:r>
+              <a:rPr lang="ar-SA" sz="3200" dirty="0">
+                <a:cs typeface="B Nazanin" panose="00000400000000000000" pitchFamily="2" charset="-78"/>
+              </a:rPr>
+              <a:t>برای اینکه بخواهیم جستجویی روی ایندکس‌ها انجام دهیم ابتدا باید بتوانیم به آن‌ها دسترسی داشته باشیم. کلاس </a:t>
+            </a:r>
+            <a:r>
+              <a:rPr lang="en-US" sz="3200" dirty="0" err="1" smtClean="0">
+                <a:cs typeface="B Nazanin" panose="00000400000000000000" pitchFamily="2" charset="-78"/>
+              </a:rPr>
+              <a:t>IndexReader</a:t>
+            </a:r>
+            <a:r>
+              <a:rPr lang="ar-SA" sz="3200" dirty="0" smtClean="0">
+                <a:cs typeface="B Nazanin" panose="00000400000000000000" pitchFamily="2" charset="-78"/>
+              </a:rPr>
+              <a:t> </a:t>
+            </a:r>
+            <a:r>
+              <a:rPr lang="ar-SA" sz="3200" dirty="0">
+                <a:cs typeface="B Nazanin" panose="00000400000000000000" pitchFamily="2" charset="-78"/>
+              </a:rPr>
+              <a:t>این کار را انجام می‌دهد</a:t>
+            </a:r>
+            <a:r>
+              <a:rPr lang="ar-SA" sz="3200" dirty="0" smtClean="0">
+                <a:cs typeface="B Nazanin" panose="00000400000000000000" pitchFamily="2" charset="-78"/>
+              </a:rPr>
+              <a:t>.</a:t>
+            </a:r>
+            <a:endParaRPr lang="fa-IR" sz="3200" dirty="0">
+              <a:cs typeface="B Nazanin" panose="00000400000000000000" pitchFamily="2" charset="-78"/>
+            </a:endParaRPr>
+          </a:p>
+        </p:txBody>
+      </p:sp>
+      <p:cxnSp>
+        <p:nvCxnSpPr>
+          <p:cNvPr id="4" name="Straight Connector 3"/>
+          <p:cNvCxnSpPr/>
+          <p:nvPr/>
+        </p:nvCxnSpPr>
+        <p:spPr>
+          <a:xfrm>
+            <a:off x="2831969" y="1606928"/>
+            <a:ext cx="8521831" cy="0"/>
+          </a:xfrm>
+          <a:prstGeom prst="line">
+            <a:avLst/>
+          </a:prstGeom>
+          <a:ln w="28575"/>
+        </p:spPr>
+        <p:style>
+          <a:lnRef idx="3">
+            <a:schemeClr val="dk1"/>
+          </a:lnRef>
+          <a:fillRef idx="0">
+            <a:schemeClr val="dk1"/>
+          </a:fillRef>
+          <a:effectRef idx="2">
+            <a:schemeClr val="dk1"/>
+          </a:effectRef>
+          <a:fontRef idx="minor">
+            <a:schemeClr val="tx1"/>
+          </a:fontRef>
+        </p:style>
+      </p:cxnSp>
     </p:spTree>
     <p:extLst>
       <p:ext uri="{BB962C8B-B14F-4D97-AF65-F5344CB8AC3E}">
@@ -3917,10 +4258,27 @@
         </p:nvSpPr>
         <p:spPr/>
         <p:txBody>
-          <a:bodyPr/>
+          <a:bodyPr>
+            <a:normAutofit/>
+          </a:bodyPr>
           <a:lstStyle/>
           <a:p>
-            <a:endParaRPr lang="en-US"/>
+            <a:pPr algn="r" rtl="1"/>
+            <a:r>
+              <a:rPr lang="en-US" sz="4800" dirty="0" smtClean="0">
+                <a:cs typeface="B Nazanin" panose="00000400000000000000" pitchFamily="2" charset="-78"/>
+              </a:rPr>
+              <a:t>Search</a:t>
+            </a:r>
+            <a:r>
+              <a:rPr lang="fa-IR" sz="4800" dirty="0" smtClean="0">
+                <a:cs typeface="B Nazanin" panose="00000400000000000000" pitchFamily="2" charset="-78"/>
+              </a:rPr>
+              <a:t> (ادامه)</a:t>
+            </a:r>
+            <a:endParaRPr lang="en-US" sz="4800" dirty="0">
+              <a:cs typeface="B Nazanin" panose="00000400000000000000" pitchFamily="2" charset="-78"/>
+            </a:endParaRPr>
           </a:p>
         </p:txBody>
       </p:sp>
@@ -3936,13 +4294,129 @@
         </p:nvSpPr>
         <p:spPr/>
         <p:txBody>
-          <a:bodyPr/>
+          <a:bodyPr>
+            <a:normAutofit/>
+          </a:bodyPr>
           <a:lstStyle/>
           <a:p>
-            <a:endParaRPr lang="en-US"/>
-          </a:p>
-        </p:txBody>
-      </p:sp>
+            <a:pPr algn="just" rtl="1"/>
+            <a:r>
+              <a:rPr lang="en-US" sz="3200" b="1" dirty="0" err="1">
+                <a:cs typeface="B Nazanin" panose="00000400000000000000" pitchFamily="2" charset="-78"/>
+              </a:rPr>
+              <a:t>IndexSearcher</a:t>
+            </a:r>
+            <a:r>
+              <a:rPr lang="en-US" sz="3200" b="1" dirty="0">
+                <a:cs typeface="B Nazanin" panose="00000400000000000000" pitchFamily="2" charset="-78"/>
+              </a:rPr>
+              <a:t> </a:t>
+            </a:r>
+            <a:endParaRPr lang="fa-IR" sz="3200" b="1" dirty="0" smtClean="0">
+              <a:cs typeface="B Nazanin" panose="00000400000000000000" pitchFamily="2" charset="-78"/>
+            </a:endParaRPr>
+          </a:p>
+          <a:p>
+            <a:pPr marL="0" indent="0" algn="just" rtl="1">
+              <a:buNone/>
+            </a:pPr>
+            <a:r>
+              <a:rPr lang="ar-SA" sz="3200" dirty="0" smtClean="0">
+                <a:cs typeface="B Nazanin" panose="00000400000000000000" pitchFamily="2" charset="-78"/>
+              </a:rPr>
+              <a:t>با </a:t>
+            </a:r>
+            <a:r>
+              <a:rPr lang="ar-SA" sz="3200" dirty="0">
+                <a:cs typeface="B Nazanin" panose="00000400000000000000" pitchFamily="2" charset="-78"/>
+              </a:rPr>
+              <a:t>استفاده از کلاس</a:t>
+            </a:r>
+            <a:r>
+              <a:rPr lang="en-US" sz="3200" dirty="0" err="1">
+                <a:cs typeface="B Nazanin" panose="00000400000000000000" pitchFamily="2" charset="-78"/>
+              </a:rPr>
+              <a:t>IndexSearcher</a:t>
+            </a:r>
+            <a:r>
+              <a:rPr lang="ar-SA" sz="3200" dirty="0">
+                <a:cs typeface="B Nazanin" panose="00000400000000000000" pitchFamily="2" charset="-78"/>
+              </a:rPr>
+              <a:t> که نمونه‌ای از کلاس </a:t>
+            </a:r>
+            <a:r>
+              <a:rPr lang="en-US" sz="3200" dirty="0" err="1">
+                <a:cs typeface="B Nazanin" panose="00000400000000000000" pitchFamily="2" charset="-78"/>
+              </a:rPr>
+              <a:t>IndexReader</a:t>
+            </a:r>
+            <a:r>
+              <a:rPr lang="ar-SA" sz="3200" dirty="0">
+                <a:cs typeface="B Nazanin" panose="00000400000000000000" pitchFamily="2" charset="-78"/>
+              </a:rPr>
+              <a:t> را به‌عنوان ورودی سازنده‌اش می‌پذیرد می‌توان جستجو را با استفاده از </a:t>
+            </a:r>
+            <a:r>
+              <a:rPr lang="en-US" sz="3200" dirty="0" smtClean="0">
+                <a:cs typeface="B Nazanin" panose="00000400000000000000" pitchFamily="2" charset="-78"/>
+              </a:rPr>
+              <a:t>Query</a:t>
+            </a:r>
+            <a:r>
+              <a:rPr lang="fa-IR" sz="3200" dirty="0" smtClean="0">
+                <a:cs typeface="B Nazanin" panose="00000400000000000000" pitchFamily="2" charset="-78"/>
+              </a:rPr>
+              <a:t> </a:t>
+            </a:r>
+            <a:r>
+              <a:rPr lang="ar-SA" sz="3200" dirty="0" smtClean="0">
+                <a:cs typeface="B Nazanin" panose="00000400000000000000" pitchFamily="2" charset="-78"/>
+              </a:rPr>
+              <a:t>که </a:t>
+            </a:r>
+            <a:r>
+              <a:rPr lang="ar-SA" sz="3200" dirty="0">
+                <a:cs typeface="B Nazanin" panose="00000400000000000000" pitchFamily="2" charset="-78"/>
+              </a:rPr>
+              <a:t>قبلاً ساختیم انجام داد.</a:t>
+            </a:r>
+            <a:endParaRPr lang="en-US" sz="3200" dirty="0">
+              <a:cs typeface="B Nazanin" panose="00000400000000000000" pitchFamily="2" charset="-78"/>
+            </a:endParaRPr>
+          </a:p>
+        </p:txBody>
+      </p:sp>
+      <p:cxnSp>
+        <p:nvCxnSpPr>
+          <p:cNvPr id="4" name="Straight Connector 3"/>
+          <p:cNvCxnSpPr/>
+          <p:nvPr/>
+        </p:nvCxnSpPr>
+        <p:spPr>
+          <a:xfrm>
+            <a:off x="2831969" y="1606928"/>
+            <a:ext cx="8521831" cy="0"/>
+          </a:xfrm>
+          <a:prstGeom prst="line">
+            <a:avLst/>
+          </a:prstGeom>
+          <a:ln w="28575"/>
+        </p:spPr>
+        <p:style>
+          <a:lnRef idx="3">
+            <a:schemeClr val="dk1"/>
+          </a:lnRef>
+          <a:fillRef idx="0">
+            <a:schemeClr val="dk1"/>
+          </a:fillRef>
+          <a:effectRef idx="2">
+            <a:schemeClr val="dk1"/>
+          </a:effectRef>
+          <a:fontRef idx="minor">
+            <a:schemeClr val="tx1"/>
+          </a:fontRef>
+        </p:style>
+      </p:cxnSp>
     </p:spTree>
     <p:extLst>
       <p:ext uri="{BB962C8B-B14F-4D97-AF65-F5344CB8AC3E}">
@@ -3980,44 +4454,58 @@
           <a:chExt cx="0" cy="0"/>
         </a:xfrm>
       </p:grpSpPr>
-      <p:sp>
-        <p:nvSpPr>
-          <p:cNvPr id="2" name="Title 1"/>
-          <p:cNvSpPr>
-            <a:spLocks noGrp="1"/>
-          </p:cNvSpPr>
-          <p:nvPr>
-            <p:ph type="title"/>
-          </p:nvPr>
-        </p:nvSpPr>
-        <p:spPr/>
-        <p:txBody>
-          <a:bodyPr/>
-          <a:lstStyle/>
-          <a:p>
-            <a:endParaRPr lang="en-US"/>
-          </a:p>
-        </p:txBody>
-      </p:sp>
-      <p:sp>
-        <p:nvSpPr>
-          <p:cNvPr id="3" name="Content Placeholder 2"/>
-          <p:cNvSpPr>
-            <a:spLocks noGrp="1"/>
-          </p:cNvSpPr>
-          <p:nvPr>
-            <p:ph idx="1"/>
-          </p:nvPr>
-        </p:nvSpPr>
-        <p:spPr/>
-        <p:txBody>
-          <a:bodyPr/>
-          <a:lstStyle/>
-          <a:p>
-            <a:endParaRPr lang="en-US"/>
-          </a:p>
-        </p:txBody>
-      </p:sp>
+      <p:pic>
+        <p:nvPicPr>
+          <p:cNvPr id="5122" name="Picture 2" descr="lucenediagram"/>
+          <p:cNvPicPr>
+            <a:picLocks noChangeAspect="1" noChangeArrowheads="1"/>
+          </p:cNvPicPr>
+          <p:nvPr/>
+        </p:nvPicPr>
+        <p:blipFill rotWithShape="1">
+          <a:blip r:embed="rId2">
+            <a:extLst>
+              <a:ext uri="{28A0092B-C50C-407E-A947-70E740481C1C}">
+                <a14:useLocalDpi xmlns:a14="http://schemas.microsoft.com/office/drawing/2010/main" val="0"/>
+              </a:ext>
+            </a:extLst>
+          </a:blip>
+          <a:srcRect l="-766" t="3036" r="1289" b="3977"/>
+          <a:stretch/>
+        </p:blipFill>
+        <p:spPr bwMode="auto">
+          <a:xfrm>
+            <a:off x="2357120" y="82595"/>
+            <a:ext cx="7244882" cy="6775405"/>
+          </a:xfrm>
+          <a:prstGeom prst="rect">
+            <a:avLst/>
+          </a:prstGeom>
+          <a:noFill/>
+          <a:ln>
+            <a:noFill/>
+          </a:ln>
+          <a:extLst>
+            <a:ext uri="{909E8E84-426E-40DD-AFC4-6F175D3DCCD1}">
+              <a14:hiddenFill xmlns:a14="http://schemas.microsoft.com/office/drawing/2010/main">
+                <a:solidFill>
+                  <a:srgbClr val="FFFFFF"/>
+                </a:solidFill>
+              </a14:hiddenFill>
+            </a:ext>
+            <a:ext uri="{91240B29-F687-4F45-9708-019B960494DF}">
+              <a14:hiddenLine xmlns:a14="http://schemas.microsoft.com/office/drawing/2010/main" w="9525">
+                <a:solidFill>
+                  <a:srgbClr val="000000"/>
+                </a:solidFill>
+                <a:miter lim="800000"/>
+                <a:headEnd/>
+                <a:tailEnd/>
+              </a14:hiddenLine>
+            </a:ext>
+          </a:extLst>
+        </p:spPr>
+      </p:pic>
     </p:spTree>
     <p:extLst>
       <p:ext uri="{BB962C8B-B14F-4D97-AF65-F5344CB8AC3E}">
@@ -4067,10 +4555,21 @@
         </p:nvSpPr>
         <p:spPr/>
         <p:txBody>
-          <a:bodyPr/>
+          <a:bodyPr>
+            <a:normAutofit/>
+          </a:bodyPr>
           <a:lstStyle/>
           <a:p>
-            <a:endParaRPr lang="en-US"/>
+            <a:pPr algn="r" rtl="1"/>
+            <a:r>
+              <a:rPr lang="fa-IR" sz="4800" dirty="0" smtClean="0">
+                <a:cs typeface="B Nazanin" panose="00000400000000000000" pitchFamily="2" charset="-78"/>
+              </a:rPr>
+              <a:t>بخش‌های اصلی پروژه</a:t>
+            </a:r>
+            <a:endParaRPr lang="en-US" sz="4800" dirty="0">
+              <a:cs typeface="B Nazanin" panose="00000400000000000000" pitchFamily="2" charset="-78"/>
+            </a:endParaRPr>
           </a:p>
         </p:txBody>
       </p:sp>
@@ -4089,14 +4588,633 @@
           <a:bodyPr/>
           <a:lstStyle/>
           <a:p>
-            <a:endParaRPr lang="en-US"/>
-          </a:p>
-        </p:txBody>
-      </p:sp>
+            <a:pPr algn="r" rtl="1"/>
+            <a:r>
+              <a:rPr lang="fa-IR" dirty="0" smtClean="0">
+                <a:cs typeface="B Nazanin" panose="00000400000000000000" pitchFamily="2" charset="-78"/>
+              </a:rPr>
+              <a:t>این پروژه رابطه کاربری ساده‌ای دارد که به شرح زیر است:</a:t>
+            </a:r>
+          </a:p>
+          <a:p>
+            <a:pPr lvl="1" algn="r" rtl="1"/>
+            <a:endParaRPr lang="en-US" dirty="0"/>
+          </a:p>
+        </p:txBody>
+      </p:sp>
+      <p:cxnSp>
+        <p:nvCxnSpPr>
+          <p:cNvPr id="4" name="Straight Connector 3"/>
+          <p:cNvCxnSpPr/>
+          <p:nvPr/>
+        </p:nvCxnSpPr>
+        <p:spPr>
+          <a:xfrm>
+            <a:off x="2831969" y="1606928"/>
+            <a:ext cx="8521831" cy="0"/>
+          </a:xfrm>
+          <a:prstGeom prst="line">
+            <a:avLst/>
+          </a:prstGeom>
+          <a:ln w="28575"/>
+        </p:spPr>
+        <p:style>
+          <a:lnRef idx="3">
+            <a:schemeClr val="dk1"/>
+          </a:lnRef>
+          <a:fillRef idx="0">
+            <a:schemeClr val="dk1"/>
+          </a:fillRef>
+          <a:effectRef idx="2">
+            <a:schemeClr val="dk1"/>
+          </a:effectRef>
+          <a:fontRef idx="minor">
+            <a:schemeClr val="tx1"/>
+          </a:fontRef>
+        </p:style>
+      </p:cxnSp>
+      <p:graphicFrame>
+        <p:nvGraphicFramePr>
+          <p:cNvPr id="6" name="Table 5"/>
+          <p:cNvGraphicFramePr>
+            <a:graphicFrameLocks noGrp="1"/>
+          </p:cNvGraphicFramePr>
+          <p:nvPr>
+            <p:extLst>
+              <p:ext uri="{D42A27DB-BD31-4B8C-83A1-F6EECF244321}">
+                <p14:modId xmlns:p14="http://schemas.microsoft.com/office/powerpoint/2010/main" val="2533713845"/>
+              </p:ext>
+            </p:extLst>
+          </p:nvPr>
+        </p:nvGraphicFramePr>
+        <p:xfrm>
+          <a:off x="1249680" y="2753360"/>
+          <a:ext cx="9601200" cy="3342639"/>
+        </p:xfrm>
+        <a:graphic>
+          <a:graphicData uri="http://schemas.openxmlformats.org/drawingml/2006/table">
+            <a:tbl>
+              <a:tblPr rtl="1" firstRow="1" firstCol="1" bandRow="1">
+                <a:tableStyleId>{9D7B26C5-4107-4FEC-AEDC-1716B250A1EF}</a:tableStyleId>
+              </a:tblPr>
+              <a:tblGrid>
+                <a:gridCol w="5020448"/>
+                <a:gridCol w="4580752"/>
+              </a:tblGrid>
+              <a:tr h="842502">
+                <a:tc>
+                  <a:txBody>
+                    <a:bodyPr/>
+                    <a:lstStyle/>
+                    <a:p>
+                      <a:pPr marL="0" marR="0" algn="ctr" rtl="1">
+                        <a:lnSpc>
+                          <a:spcPct val="120000"/>
+                        </a:lnSpc>
+                        <a:spcBef>
+                          <a:spcPts val="600"/>
+                        </a:spcBef>
+                        <a:spcAft>
+                          <a:spcPts val="0"/>
+                        </a:spcAft>
+                      </a:pPr>
+                      <a:r>
+                        <a:rPr lang="fa-IR" sz="2400" dirty="0">
+                          <a:effectLst/>
+                          <a:cs typeface="B Nazanin" panose="00000400000000000000" pitchFamily="2" charset="-78"/>
+                        </a:rPr>
+                        <a:t>عملکرد </a:t>
+                      </a:r>
+                      <a:r>
+                        <a:rPr lang="en-US" sz="2400" dirty="0">
+                          <a:effectLst/>
+                          <a:cs typeface="B Nazanin" panose="00000400000000000000" pitchFamily="2" charset="-78"/>
+                        </a:rPr>
+                        <a:t>view</a:t>
+                      </a:r>
+                      <a:endParaRPr lang="en-US" sz="2400" dirty="0">
+                        <a:effectLst/>
+                        <a:latin typeface="Times New Roman" panose="02020603050405020304" pitchFamily="18" charset="0"/>
+                        <a:ea typeface="Times New Roman" panose="02020603050405020304" pitchFamily="18" charset="0"/>
+                        <a:cs typeface="B Nazanin" panose="00000400000000000000" pitchFamily="2" charset="-78"/>
+                      </a:endParaRPr>
+                    </a:p>
+                  </a:txBody>
+                  <a:tcPr marL="68580" marR="68580" marT="0" marB="0"/>
+                </a:tc>
+                <a:tc>
+                  <a:txBody>
+                    <a:bodyPr/>
+                    <a:lstStyle/>
+                    <a:p>
+                      <a:pPr marL="0" marR="0" algn="ctr" rtl="1">
+                        <a:lnSpc>
+                          <a:spcPct val="120000"/>
+                        </a:lnSpc>
+                        <a:spcBef>
+                          <a:spcPts val="600"/>
+                        </a:spcBef>
+                        <a:spcAft>
+                          <a:spcPts val="0"/>
+                        </a:spcAft>
+                      </a:pPr>
+                      <a:r>
+                        <a:rPr lang="fa-IR" sz="2400">
+                          <a:effectLst/>
+                          <a:cs typeface="B Nazanin" panose="00000400000000000000" pitchFamily="2" charset="-78"/>
+                        </a:rPr>
+                        <a:t>نام </a:t>
+                      </a:r>
+                      <a:r>
+                        <a:rPr lang="en-US" sz="2400">
+                          <a:effectLst/>
+                          <a:cs typeface="B Nazanin" panose="00000400000000000000" pitchFamily="2" charset="-78"/>
+                        </a:rPr>
+                        <a:t>view</a:t>
+                      </a:r>
+                      <a:endParaRPr lang="en-US" sz="2400">
+                        <a:effectLst/>
+                        <a:latin typeface="Times New Roman" panose="02020603050405020304" pitchFamily="18" charset="0"/>
+                        <a:ea typeface="Times New Roman" panose="02020603050405020304" pitchFamily="18" charset="0"/>
+                        <a:cs typeface="B Nazanin" panose="00000400000000000000" pitchFamily="2" charset="-78"/>
+                      </a:endParaRPr>
+                    </a:p>
+                  </a:txBody>
+                  <a:tcPr marL="68580" marR="68580" marT="0" marB="0"/>
+                </a:tc>
+              </a:tr>
+              <a:tr h="833379">
+                <a:tc>
+                  <a:txBody>
+                    <a:bodyPr/>
+                    <a:lstStyle/>
+                    <a:p>
+                      <a:pPr marL="0" marR="0" algn="just" rtl="1">
+                        <a:lnSpc>
+                          <a:spcPct val="120000"/>
+                        </a:lnSpc>
+                        <a:spcBef>
+                          <a:spcPts val="600"/>
+                        </a:spcBef>
+                        <a:spcAft>
+                          <a:spcPts val="0"/>
+                        </a:spcAft>
+                      </a:pPr>
+                      <a:r>
+                        <a:rPr lang="fa-IR" sz="2400">
+                          <a:effectLst/>
+                          <a:cs typeface="B Nazanin" panose="00000400000000000000" pitchFamily="2" charset="-78"/>
+                        </a:rPr>
+                        <a:t>برای نمایش انتخاب گزینه های ‌‌</a:t>
+                      </a:r>
+                      <a:r>
+                        <a:rPr lang="en-US" sz="2400">
+                          <a:effectLst/>
+                          <a:cs typeface="B Nazanin" panose="00000400000000000000" pitchFamily="2" charset="-78"/>
+                        </a:rPr>
+                        <a:t>index</a:t>
+                      </a:r>
+                      <a:r>
+                        <a:rPr lang="fa-IR" sz="2400">
+                          <a:effectLst/>
+                          <a:cs typeface="B Nazanin" panose="00000400000000000000" pitchFamily="2" charset="-78"/>
+                        </a:rPr>
+                        <a:t> و </a:t>
+                      </a:r>
+                      <a:r>
+                        <a:rPr lang="en-US" sz="2400">
+                          <a:effectLst/>
+                          <a:cs typeface="B Nazanin" panose="00000400000000000000" pitchFamily="2" charset="-78"/>
+                        </a:rPr>
+                        <a:t>search</a:t>
+                      </a:r>
+                      <a:endParaRPr lang="en-US" sz="2400">
+                        <a:effectLst/>
+                        <a:latin typeface="Times New Roman" panose="02020603050405020304" pitchFamily="18" charset="0"/>
+                        <a:ea typeface="Times New Roman" panose="02020603050405020304" pitchFamily="18" charset="0"/>
+                        <a:cs typeface="B Nazanin" panose="00000400000000000000" pitchFamily="2" charset="-78"/>
+                      </a:endParaRPr>
+                    </a:p>
+                  </a:txBody>
+                  <a:tcPr marL="68580" marR="68580" marT="0" marB="0"/>
+                </a:tc>
+                <a:tc>
+                  <a:txBody>
+                    <a:bodyPr/>
+                    <a:lstStyle/>
+                    <a:p>
+                      <a:pPr marL="0" marR="0" algn="l" rtl="0">
+                        <a:lnSpc>
+                          <a:spcPct val="120000"/>
+                        </a:lnSpc>
+                        <a:spcBef>
+                          <a:spcPts val="600"/>
+                        </a:spcBef>
+                        <a:spcAft>
+                          <a:spcPts val="0"/>
+                        </a:spcAft>
+                      </a:pPr>
+                      <a:r>
+                        <a:rPr lang="en-US" sz="2400" dirty="0" smtClean="0">
+                          <a:effectLst/>
+                          <a:latin typeface="+mn-lt"/>
+                          <a:ea typeface="+mn-ea"/>
+                          <a:cs typeface="B Nazanin" panose="00000400000000000000" pitchFamily="2" charset="-78"/>
+                        </a:rPr>
+                        <a:t>L.I.S</a:t>
+                      </a:r>
+                      <a:endParaRPr lang="en-US" sz="2400" dirty="0">
+                        <a:effectLst/>
+                        <a:latin typeface="Times New Roman" panose="02020603050405020304" pitchFamily="18" charset="0"/>
+                        <a:ea typeface="Times New Roman" panose="02020603050405020304" pitchFamily="18" charset="0"/>
+                        <a:cs typeface="B Nazanin" panose="00000400000000000000" pitchFamily="2" charset="-78"/>
+                      </a:endParaRPr>
+                    </a:p>
+                  </a:txBody>
+                  <a:tcPr marL="68580" marR="68580" marT="0" marB="0"/>
+                </a:tc>
+              </a:tr>
+              <a:tr h="833379">
+                <a:tc>
+                  <a:txBody>
+                    <a:bodyPr/>
+                    <a:lstStyle/>
+                    <a:p>
+                      <a:pPr marL="0" marR="0" algn="just" rtl="1">
+                        <a:lnSpc>
+                          <a:spcPct val="120000"/>
+                        </a:lnSpc>
+                        <a:spcBef>
+                          <a:spcPts val="600"/>
+                        </a:spcBef>
+                        <a:spcAft>
+                          <a:spcPts val="0"/>
+                        </a:spcAft>
+                      </a:pPr>
+                      <a:r>
+                        <a:rPr lang="fa-IR" sz="2400" dirty="0">
+                          <a:effectLst/>
+                          <a:cs typeface="B Nazanin" panose="00000400000000000000" pitchFamily="2" charset="-78"/>
+                        </a:rPr>
+                        <a:t>برای وارد کردن مسیر برای </a:t>
+                      </a:r>
+                      <a:r>
+                        <a:rPr lang="en-US" sz="2400" dirty="0">
+                          <a:effectLst/>
+                          <a:cs typeface="B Nazanin" panose="00000400000000000000" pitchFamily="2" charset="-78"/>
+                        </a:rPr>
+                        <a:t>index</a:t>
+                      </a:r>
+                      <a:r>
+                        <a:rPr lang="fa-IR" sz="2400" dirty="0">
+                          <a:effectLst/>
+                          <a:cs typeface="B Nazanin" panose="00000400000000000000" pitchFamily="2" charset="-78"/>
+                        </a:rPr>
+                        <a:t> شدن</a:t>
+                      </a:r>
+                      <a:endParaRPr lang="en-US" sz="2400" dirty="0">
+                        <a:effectLst/>
+                        <a:latin typeface="Times New Roman" panose="02020603050405020304" pitchFamily="18" charset="0"/>
+                        <a:ea typeface="Times New Roman" panose="02020603050405020304" pitchFamily="18" charset="0"/>
+                        <a:cs typeface="B Nazanin" panose="00000400000000000000" pitchFamily="2" charset="-78"/>
+                      </a:endParaRPr>
+                    </a:p>
+                  </a:txBody>
+                  <a:tcPr marL="68580" marR="68580" marT="0" marB="0"/>
+                </a:tc>
+                <a:tc>
+                  <a:txBody>
+                    <a:bodyPr/>
+                    <a:lstStyle/>
+                    <a:p>
+                      <a:pPr marL="0" marR="0" algn="l" rtl="0">
+                        <a:lnSpc>
+                          <a:spcPct val="120000"/>
+                        </a:lnSpc>
+                        <a:spcBef>
+                          <a:spcPts val="600"/>
+                        </a:spcBef>
+                        <a:spcAft>
+                          <a:spcPts val="0"/>
+                        </a:spcAft>
+                      </a:pPr>
+                      <a:r>
+                        <a:rPr lang="en-US" sz="2400">
+                          <a:effectLst/>
+                          <a:cs typeface="B Nazanin" panose="00000400000000000000" pitchFamily="2" charset="-78"/>
+                        </a:rPr>
+                        <a:t>index</a:t>
+                      </a:r>
+                      <a:endParaRPr lang="en-US" sz="2400">
+                        <a:effectLst/>
+                        <a:latin typeface="Times New Roman" panose="02020603050405020304" pitchFamily="18" charset="0"/>
+                        <a:ea typeface="Times New Roman" panose="02020603050405020304" pitchFamily="18" charset="0"/>
+                        <a:cs typeface="B Nazanin" panose="00000400000000000000" pitchFamily="2" charset="-78"/>
+                      </a:endParaRPr>
+                    </a:p>
+                  </a:txBody>
+                  <a:tcPr marL="68580" marR="68580" marT="0" marB="0"/>
+                </a:tc>
+              </a:tr>
+              <a:tr h="833379">
+                <a:tc>
+                  <a:txBody>
+                    <a:bodyPr/>
+                    <a:lstStyle/>
+                    <a:p>
+                      <a:pPr marL="0" marR="0" algn="just" rtl="1">
+                        <a:lnSpc>
+                          <a:spcPct val="120000"/>
+                        </a:lnSpc>
+                        <a:spcBef>
+                          <a:spcPts val="600"/>
+                        </a:spcBef>
+                        <a:spcAft>
+                          <a:spcPts val="0"/>
+                        </a:spcAft>
+                      </a:pPr>
+                      <a:r>
+                        <a:rPr lang="fa-IR" sz="2400" dirty="0">
+                          <a:effectLst/>
+                          <a:cs typeface="B Nazanin" panose="00000400000000000000" pitchFamily="2" charset="-78"/>
+                        </a:rPr>
+                        <a:t>برای وارد کردن ‌</a:t>
+                      </a:r>
+                      <a:r>
+                        <a:rPr lang="en-US" sz="2400" dirty="0">
+                          <a:effectLst/>
+                          <a:cs typeface="B Nazanin" panose="00000400000000000000" pitchFamily="2" charset="-78"/>
+                        </a:rPr>
+                        <a:t>query</a:t>
+                      </a:r>
+                      <a:r>
+                        <a:rPr lang="fa-IR" sz="2400" dirty="0">
+                          <a:effectLst/>
+                          <a:cs typeface="B Nazanin" panose="00000400000000000000" pitchFamily="2" charset="-78"/>
+                        </a:rPr>
+                        <a:t> و نمایش حاصل جست و جو</a:t>
+                      </a:r>
+                      <a:endParaRPr lang="en-US" sz="2400" dirty="0">
+                        <a:effectLst/>
+                        <a:latin typeface="Times New Roman" panose="02020603050405020304" pitchFamily="18" charset="0"/>
+                        <a:ea typeface="Times New Roman" panose="02020603050405020304" pitchFamily="18" charset="0"/>
+                        <a:cs typeface="B Nazanin" panose="00000400000000000000" pitchFamily="2" charset="-78"/>
+                      </a:endParaRPr>
+                    </a:p>
+                  </a:txBody>
+                  <a:tcPr marL="68580" marR="68580" marT="0" marB="0"/>
+                </a:tc>
+                <a:tc>
+                  <a:txBody>
+                    <a:bodyPr/>
+                    <a:lstStyle/>
+                    <a:p>
+                      <a:pPr marL="0" marR="0" algn="l" rtl="1">
+                        <a:lnSpc>
+                          <a:spcPct val="120000"/>
+                        </a:lnSpc>
+                        <a:spcBef>
+                          <a:spcPts val="600"/>
+                        </a:spcBef>
+                        <a:spcAft>
+                          <a:spcPts val="0"/>
+                        </a:spcAft>
+                      </a:pPr>
+                      <a:r>
+                        <a:rPr lang="en-US" sz="2400" dirty="0">
+                          <a:effectLst/>
+                          <a:cs typeface="B Nazanin" panose="00000400000000000000" pitchFamily="2" charset="-78"/>
+                        </a:rPr>
+                        <a:t>Search</a:t>
+                      </a:r>
+                      <a:endParaRPr lang="en-US" sz="2400" dirty="0">
+                        <a:effectLst/>
+                        <a:latin typeface="Times New Roman" panose="02020603050405020304" pitchFamily="18" charset="0"/>
+                        <a:ea typeface="Times New Roman" panose="02020603050405020304" pitchFamily="18" charset="0"/>
+                        <a:cs typeface="B Nazanin" panose="00000400000000000000" pitchFamily="2" charset="-78"/>
+                      </a:endParaRPr>
+                    </a:p>
+                  </a:txBody>
+                  <a:tcPr marL="68580" marR="68580" marT="0" marB="0"/>
+                </a:tc>
+              </a:tr>
+            </a:tbl>
+          </a:graphicData>
+        </a:graphic>
+      </p:graphicFrame>
     </p:spTree>
     <p:extLst>
       <p:ext uri="{BB962C8B-B14F-4D97-AF65-F5344CB8AC3E}">
         <p14:creationId xmlns:p14="http://schemas.microsoft.com/office/powerpoint/2010/main" val="3107431139"/>
+      </p:ext>
+    </p:extLst>
+  </p:cSld>
+  <p:clrMapOvr>
+    <a:masterClrMapping/>
+  </p:clrMapOvr>
+  <p:timing>
+    <p:tnLst>
+      <p:par>
+        <p:cTn id="1" dur="indefinite" restart="never" nodeType="tmRoot"/>
+      </p:par>
+    </p:tnLst>
+  </p:timing>
+</p:sld>
+</file>
+
+<file path=ppt/slides/slide17.xml><?xml version="1.0" encoding="utf-8"?>
+<p:sld xmlns:a="http://schemas.openxmlformats.org/drawingml/2006/main" xmlns:r="http://schemas.openxmlformats.org/officeDocument/2006/relationships" xmlns:p="http://schemas.openxmlformats.org/presentationml/2006/main">
+  <p:cSld>
+    <p:spTree>
+      <p:nvGrpSpPr>
+        <p:cNvPr id="1" name=""/>
+        <p:cNvGrpSpPr/>
+        <p:nvPr/>
+      </p:nvGrpSpPr>
+      <p:grpSpPr>
+        <a:xfrm>
+          <a:off x="0" y="0"/>
+          <a:ext cx="0" cy="0"/>
+          <a:chOff x="0" y="0"/>
+          <a:chExt cx="0" cy="0"/>
+        </a:xfrm>
+      </p:grpSpPr>
+      <p:pic>
+        <p:nvPicPr>
+          <p:cNvPr id="12290" name="Picture 1"/>
+          <p:cNvPicPr>
+            <a:picLocks noChangeAspect="1" noChangeArrowheads="1"/>
+          </p:cNvPicPr>
+          <p:nvPr/>
+        </p:nvPicPr>
+        <p:blipFill rotWithShape="1">
+          <a:blip r:embed="rId2">
+            <a:extLst>
+              <a:ext uri="{28A0092B-C50C-407E-A947-70E740481C1C}">
+                <a14:useLocalDpi xmlns:a14="http://schemas.microsoft.com/office/drawing/2010/main" val="0"/>
+              </a:ext>
+            </a:extLst>
+          </a:blip>
+          <a:srcRect l="20376" t="15526" r="31404" b="23937"/>
+          <a:stretch/>
+        </p:blipFill>
+        <p:spPr bwMode="auto">
+          <a:xfrm>
+            <a:off x="1394460" y="86499"/>
+            <a:ext cx="9403080" cy="6685002"/>
+          </a:xfrm>
+          <a:prstGeom prst="rect">
+            <a:avLst/>
+          </a:prstGeom>
+          <a:noFill/>
+          <a:ln>
+            <a:noFill/>
+          </a:ln>
+          <a:extLst>
+            <a:ext uri="{909E8E84-426E-40DD-AFC4-6F175D3DCCD1}">
+              <a14:hiddenFill xmlns:a14="http://schemas.microsoft.com/office/drawing/2010/main">
+                <a:solidFill>
+                  <a:srgbClr val="FFFFFF"/>
+                </a:solidFill>
+              </a14:hiddenFill>
+            </a:ext>
+            <a:ext uri="{91240B29-F687-4F45-9708-019B960494DF}">
+              <a14:hiddenLine xmlns:a14="http://schemas.microsoft.com/office/drawing/2010/main" w="9525">
+                <a:solidFill>
+                  <a:srgbClr val="000000"/>
+                </a:solidFill>
+                <a:miter lim="800000"/>
+                <a:headEnd/>
+                <a:tailEnd/>
+              </a14:hiddenLine>
+            </a:ext>
+          </a:extLst>
+        </p:spPr>
+      </p:pic>
+    </p:spTree>
+    <p:extLst>
+      <p:ext uri="{BB962C8B-B14F-4D97-AF65-F5344CB8AC3E}">
+        <p14:creationId xmlns:p14="http://schemas.microsoft.com/office/powerpoint/2010/main" val="1684034972"/>
+      </p:ext>
+    </p:extLst>
+  </p:cSld>
+  <p:clrMapOvr>
+    <a:masterClrMapping/>
+  </p:clrMapOvr>
+  <p:timing>
+    <p:tnLst>
+      <p:par>
+        <p:cTn id="1" dur="indefinite" restart="never" nodeType="tmRoot"/>
+      </p:par>
+    </p:tnLst>
+  </p:timing>
+</p:sld>
+</file>
+
+<file path=ppt/slides/slide18.xml><?xml version="1.0" encoding="utf-8"?>
+<p:sld xmlns:a="http://schemas.openxmlformats.org/drawingml/2006/main" xmlns:r="http://schemas.openxmlformats.org/officeDocument/2006/relationships" xmlns:p="http://schemas.openxmlformats.org/presentationml/2006/main">
+  <p:cSld>
+    <p:spTree>
+      <p:nvGrpSpPr>
+        <p:cNvPr id="1" name=""/>
+        <p:cNvGrpSpPr/>
+        <p:nvPr/>
+      </p:nvGrpSpPr>
+      <p:grpSpPr>
+        <a:xfrm>
+          <a:off x="0" y="0"/>
+          <a:ext cx="0" cy="0"/>
+          <a:chOff x="0" y="0"/>
+          <a:chExt cx="0" cy="0"/>
+        </a:xfrm>
+      </p:grpSpPr>
+      <p:pic>
+        <p:nvPicPr>
+          <p:cNvPr id="4" name="Picture 3"/>
+          <p:cNvPicPr>
+            <a:picLocks noChangeAspect="1"/>
+          </p:cNvPicPr>
+          <p:nvPr/>
+        </p:nvPicPr>
+        <p:blipFill rotWithShape="1">
+          <a:blip r:embed="rId2"/>
+          <a:srcRect l="5292" t="8667" r="45208" b="30222"/>
+          <a:stretch/>
+        </p:blipFill>
+        <p:spPr>
+          <a:xfrm>
+            <a:off x="1291735" y="46258"/>
+            <a:ext cx="9727943" cy="6755516"/>
+          </a:xfrm>
+          <a:prstGeom prst="rect">
+            <a:avLst/>
+          </a:prstGeom>
+        </p:spPr>
+      </p:pic>
+    </p:spTree>
+    <p:extLst>
+      <p:ext uri="{BB962C8B-B14F-4D97-AF65-F5344CB8AC3E}">
+        <p14:creationId xmlns:p14="http://schemas.microsoft.com/office/powerpoint/2010/main" val="990548517"/>
+      </p:ext>
+    </p:extLst>
+  </p:cSld>
+  <p:clrMapOvr>
+    <a:masterClrMapping/>
+  </p:clrMapOvr>
+  <p:timing>
+    <p:tnLst>
+      <p:par>
+        <p:cTn id="1" dur="indefinite" restart="never" nodeType="tmRoot"/>
+      </p:par>
+    </p:tnLst>
+  </p:timing>
+</p:sld>
+</file>
+
+<file path=ppt/slides/slide19.xml><?xml version="1.0" encoding="utf-8"?>
+<p:sld xmlns:a="http://schemas.openxmlformats.org/drawingml/2006/main" xmlns:r="http://schemas.openxmlformats.org/officeDocument/2006/relationships" xmlns:p="http://schemas.openxmlformats.org/presentationml/2006/main">
+  <p:cSld>
+    <p:spTree>
+      <p:nvGrpSpPr>
+        <p:cNvPr id="1" name=""/>
+        <p:cNvGrpSpPr/>
+        <p:nvPr/>
+      </p:nvGrpSpPr>
+      <p:grpSpPr>
+        <a:xfrm>
+          <a:off x="0" y="0"/>
+          <a:ext cx="0" cy="0"/>
+          <a:chOff x="0" y="0"/>
+          <a:chExt cx="0" cy="0"/>
+        </a:xfrm>
+      </p:grpSpPr>
+      <p:pic>
+        <p:nvPicPr>
+          <p:cNvPr id="4" name="Picture 3"/>
+          <p:cNvPicPr>
+            <a:picLocks noChangeAspect="1"/>
+          </p:cNvPicPr>
+          <p:nvPr/>
+        </p:nvPicPr>
+        <p:blipFill rotWithShape="1">
+          <a:blip r:embed="rId2"/>
+          <a:srcRect l="14667" t="17852" r="36333" b="16222"/>
+          <a:stretch/>
+        </p:blipFill>
+        <p:spPr>
+          <a:xfrm>
+            <a:off x="1615440" y="60960"/>
+            <a:ext cx="8869680" cy="6712598"/>
+          </a:xfrm>
+          <a:prstGeom prst="rect">
+            <a:avLst/>
+          </a:prstGeom>
+        </p:spPr>
+      </p:pic>
+    </p:spTree>
+    <p:extLst>
+      <p:ext uri="{BB962C8B-B14F-4D97-AF65-F5344CB8AC3E}">
+        <p14:creationId xmlns:p14="http://schemas.microsoft.com/office/powerpoint/2010/main" val="961086674"/>
       </p:ext>
     </p:extLst>
   </p:cSld>
@@ -4142,15 +5260,21 @@
         </p:nvSpPr>
         <p:spPr/>
         <p:txBody>
-          <a:bodyPr/>
+          <a:bodyPr>
+            <a:normAutofit/>
+          </a:bodyPr>
           <a:lstStyle/>
           <a:p>
             <a:pPr algn="r" rtl="1"/>
             <a:r>
-              <a:rPr lang="fa-IR" dirty="0" smtClean="0"/>
+              <a:rPr lang="fa-IR" sz="6600" dirty="0" smtClean="0">
+                <a:cs typeface="B Nazanin" panose="00000400000000000000" pitchFamily="2" charset="-78"/>
+              </a:rPr>
               <a:t>فهرست</a:t>
             </a:r>
-            <a:endParaRPr lang="en-US" dirty="0"/>
+            <a:endParaRPr lang="en-US" sz="6000" dirty="0">
+              <a:cs typeface="B Nazanin" panose="00000400000000000000" pitchFamily="2" charset="-78"/>
+            </a:endParaRPr>
           </a:p>
         </p:txBody>
       </p:sp>
@@ -4164,132 +5288,187 @@
             <p:ph idx="1"/>
           </p:nvPr>
         </p:nvSpPr>
-        <p:spPr/>
+        <p:spPr>
+          <a:xfrm>
+            <a:off x="838200" y="1690688"/>
+            <a:ext cx="10515600" cy="4351338"/>
+          </a:xfrm>
+        </p:spPr>
         <p:txBody>
           <a:bodyPr>
-            <a:normAutofit fontScale="92500" lnSpcReduction="20000"/>
+            <a:noAutofit/>
           </a:bodyPr>
           <a:lstStyle/>
           <a:p>
             <a:pPr algn="r" rtl="1"/>
             <a:r>
-              <a:rPr lang="fa-IR" dirty="0" smtClean="0"/>
+              <a:rPr lang="fa-IR" sz="2400" dirty="0" smtClean="0">
+                <a:cs typeface="B Nazanin" panose="00000400000000000000" pitchFamily="2" charset="-78"/>
+              </a:rPr>
               <a:t>چکیده</a:t>
             </a:r>
           </a:p>
           <a:p>
             <a:pPr algn="r" rtl="1"/>
             <a:r>
-              <a:rPr lang="fa-IR" dirty="0" smtClean="0"/>
+              <a:rPr lang="fa-IR" sz="2400" dirty="0" smtClean="0">
+                <a:cs typeface="B Nazanin" panose="00000400000000000000" pitchFamily="2" charset="-78"/>
+              </a:rPr>
               <a:t>هدف از طراحی این نرم افزار و کاربرد آن</a:t>
             </a:r>
           </a:p>
           <a:p>
             <a:pPr algn="r" rtl="1"/>
             <a:r>
-              <a:rPr lang="fa-IR" dirty="0" smtClean="0"/>
+              <a:rPr lang="fa-IR" sz="2400" dirty="0" smtClean="0">
+                <a:cs typeface="B Nazanin" panose="00000400000000000000" pitchFamily="2" charset="-78"/>
+              </a:rPr>
               <a:t>نرم افزار های مشابه </a:t>
             </a:r>
           </a:p>
           <a:p>
             <a:pPr algn="r" rtl="1"/>
             <a:r>
-              <a:rPr lang="fa-IR" dirty="0" smtClean="0"/>
+              <a:rPr lang="fa-IR" sz="2400" dirty="0" smtClean="0">
+                <a:cs typeface="B Nazanin" panose="00000400000000000000" pitchFamily="2" charset="-78"/>
+              </a:rPr>
               <a:t>معرفی </a:t>
             </a:r>
             <a:r>
-              <a:rPr lang="en-US" dirty="0" smtClean="0"/>
+              <a:rPr lang="en-US" sz="2400" dirty="0" smtClean="0">
+                <a:cs typeface="B Nazanin" panose="00000400000000000000" pitchFamily="2" charset="-78"/>
+              </a:rPr>
               <a:t>apache </a:t>
             </a:r>
             <a:r>
-              <a:rPr lang="en-US" dirty="0" err="1" smtClean="0"/>
+              <a:rPr lang="en-US" sz="2400" dirty="0" err="1" smtClean="0">
+                <a:cs typeface="B Nazanin" panose="00000400000000000000" pitchFamily="2" charset="-78"/>
+              </a:rPr>
               <a:t>lucene</a:t>
             </a:r>
-            <a:endParaRPr lang="fa-IR" dirty="0" smtClean="0"/>
+            <a:endParaRPr lang="fa-IR" sz="2400" dirty="0" smtClean="0">
+              <a:cs typeface="B Nazanin" panose="00000400000000000000" pitchFamily="2" charset="-78"/>
+            </a:endParaRPr>
           </a:p>
           <a:p>
             <a:pPr lvl="1" algn="r" rtl="1"/>
             <a:r>
-              <a:rPr lang="en-US" dirty="0" err="1" smtClean="0"/>
+              <a:rPr lang="en-US" dirty="0" err="1" smtClean="0">
+                <a:cs typeface="B Nazanin" panose="00000400000000000000" pitchFamily="2" charset="-78"/>
+              </a:rPr>
               <a:t>Lucene</a:t>
             </a:r>
             <a:r>
-              <a:rPr lang="fa-IR" dirty="0" smtClean="0"/>
+              <a:rPr lang="fa-IR" dirty="0" smtClean="0">
+                <a:cs typeface="B Nazanin" panose="00000400000000000000" pitchFamily="2" charset="-78"/>
+              </a:rPr>
               <a:t> چگونه ایندکس می‌کند ؟</a:t>
             </a:r>
-            <a:endParaRPr lang="en-US" dirty="0" smtClean="0"/>
+            <a:endParaRPr lang="en-US" dirty="0" smtClean="0">
+              <a:cs typeface="B Nazanin" panose="00000400000000000000" pitchFamily="2" charset="-78"/>
+            </a:endParaRPr>
           </a:p>
           <a:p>
             <a:pPr lvl="1" algn="r" rtl="1"/>
             <a:r>
-              <a:rPr lang="en-US" dirty="0" err="1" smtClean="0"/>
+              <a:rPr lang="en-US" dirty="0" err="1" smtClean="0">
+                <a:cs typeface="B Nazanin" panose="00000400000000000000" pitchFamily="2" charset="-78"/>
+              </a:rPr>
               <a:t>Lucene</a:t>
             </a:r>
             <a:r>
-              <a:rPr lang="fa-IR" dirty="0"/>
+              <a:rPr lang="fa-IR" dirty="0">
+                <a:cs typeface="B Nazanin" panose="00000400000000000000" pitchFamily="2" charset="-78"/>
+              </a:rPr>
               <a:t> </a:t>
             </a:r>
             <a:r>
-              <a:rPr lang="fa-IR" dirty="0" smtClean="0"/>
+              <a:rPr lang="fa-IR" dirty="0" smtClean="0">
+                <a:cs typeface="B Nazanin" panose="00000400000000000000" pitchFamily="2" charset="-78"/>
+              </a:rPr>
               <a:t>چه نوع جست و جوهایی را پشتیبانی می‌کند ؟</a:t>
             </a:r>
           </a:p>
           <a:p>
             <a:pPr lvl="1" algn="r" rtl="1"/>
             <a:r>
-              <a:rPr lang="fa-IR" dirty="0" smtClean="0"/>
+              <a:rPr lang="fa-IR" dirty="0" smtClean="0">
+                <a:cs typeface="B Nazanin" panose="00000400000000000000" pitchFamily="2" charset="-78"/>
+              </a:rPr>
               <a:t>مراحل استفاده از کتابخانه </a:t>
             </a:r>
             <a:r>
-              <a:rPr lang="en-US" dirty="0" err="1" smtClean="0"/>
+              <a:rPr lang="en-US" dirty="0" err="1" smtClean="0">
+                <a:cs typeface="B Nazanin" panose="00000400000000000000" pitchFamily="2" charset="-78"/>
+              </a:rPr>
               <a:t>lucene</a:t>
             </a:r>
-            <a:endParaRPr lang="en-US" dirty="0" smtClean="0"/>
+            <a:endParaRPr lang="en-US" dirty="0" smtClean="0">
+              <a:cs typeface="B Nazanin" panose="00000400000000000000" pitchFamily="2" charset="-78"/>
+            </a:endParaRPr>
           </a:p>
           <a:p>
             <a:pPr lvl="2" algn="r" rtl="1"/>
             <a:r>
-              <a:rPr lang="fa-IR" dirty="0" smtClean="0"/>
+              <a:rPr lang="fa-IR" sz="2400" dirty="0" smtClean="0">
+                <a:cs typeface="B Nazanin" panose="00000400000000000000" pitchFamily="2" charset="-78"/>
+              </a:rPr>
               <a:t>مرحله </a:t>
             </a:r>
             <a:r>
-              <a:rPr lang="en-US" dirty="0" smtClean="0"/>
+              <a:rPr lang="en-US" sz="2400" dirty="0" smtClean="0">
+                <a:cs typeface="B Nazanin" panose="00000400000000000000" pitchFamily="2" charset="-78"/>
+              </a:rPr>
               <a:t>index</a:t>
             </a:r>
-            <a:endParaRPr lang="fa-IR" dirty="0" smtClean="0"/>
+            <a:endParaRPr lang="fa-IR" sz="2400" dirty="0" smtClean="0">
+              <a:cs typeface="B Nazanin" panose="00000400000000000000" pitchFamily="2" charset="-78"/>
+            </a:endParaRPr>
           </a:p>
           <a:p>
             <a:pPr lvl="2" algn="r" rtl="1"/>
             <a:r>
-              <a:rPr lang="fa-IR" dirty="0" smtClean="0"/>
+              <a:rPr lang="fa-IR" sz="2400" dirty="0" smtClean="0">
+                <a:cs typeface="B Nazanin" panose="00000400000000000000" pitchFamily="2" charset="-78"/>
+              </a:rPr>
               <a:t>مرحله </a:t>
             </a:r>
             <a:r>
-              <a:rPr lang="en-US" dirty="0" smtClean="0"/>
+              <a:rPr lang="en-US" sz="2400" dirty="0" smtClean="0">
+                <a:cs typeface="B Nazanin" panose="00000400000000000000" pitchFamily="2" charset="-78"/>
+              </a:rPr>
               <a:t>search</a:t>
             </a:r>
           </a:p>
           <a:p>
             <a:pPr algn="r" rtl="1"/>
             <a:r>
-              <a:rPr lang="fa-IR" dirty="0" smtClean="0"/>
-              <a:t>روال های اصلی پروژه</a:t>
+              <a:rPr lang="fa-IR" sz="2400" dirty="0" smtClean="0">
+                <a:cs typeface="B Nazanin" panose="00000400000000000000" pitchFamily="2" charset="-78"/>
+              </a:rPr>
+              <a:t>بخش‌های اصلی پروژه</a:t>
             </a:r>
           </a:p>
           <a:p>
             <a:pPr algn="r" rtl="1"/>
             <a:r>
-              <a:rPr lang="fa-IR" dirty="0" smtClean="0"/>
+              <a:rPr lang="fa-IR" sz="2400" dirty="0" smtClean="0">
+                <a:cs typeface="B Nazanin" panose="00000400000000000000" pitchFamily="2" charset="-78"/>
+              </a:rPr>
               <a:t>نتیجه گیری </a:t>
             </a:r>
           </a:p>
           <a:p>
             <a:pPr algn="r" rtl="1"/>
             <a:r>
-              <a:rPr lang="fa-IR" dirty="0" smtClean="0"/>
+              <a:rPr lang="fa-IR" sz="2400" dirty="0" smtClean="0">
+                <a:cs typeface="B Nazanin" panose="00000400000000000000" pitchFamily="2" charset="-78"/>
+              </a:rPr>
               <a:t>منابع</a:t>
             </a:r>
-            <a:endParaRPr lang="en-US" dirty="0" smtClean="0"/>
+            <a:endParaRPr lang="en-US" sz="2400" dirty="0" smtClean="0">
+              <a:cs typeface="B Nazanin" panose="00000400000000000000" pitchFamily="2" charset="-78"/>
+            </a:endParaRPr>
           </a:p>
         </p:txBody>
       </p:sp>
@@ -4344,6 +5523,581 @@
 </p:sld>
 </file>
 
+<file path=ppt/slides/slide20.xml><?xml version="1.0" encoding="utf-8"?>
+<p:sld xmlns:a="http://schemas.openxmlformats.org/drawingml/2006/main" xmlns:r="http://schemas.openxmlformats.org/officeDocument/2006/relationships" xmlns:p="http://schemas.openxmlformats.org/presentationml/2006/main">
+  <p:cSld>
+    <p:spTree>
+      <p:nvGrpSpPr>
+        <p:cNvPr id="1" name=""/>
+        <p:cNvGrpSpPr/>
+        <p:nvPr/>
+      </p:nvGrpSpPr>
+      <p:grpSpPr>
+        <a:xfrm>
+          <a:off x="0" y="0"/>
+          <a:ext cx="0" cy="0"/>
+          <a:chOff x="0" y="0"/>
+          <a:chExt cx="0" cy="0"/>
+        </a:xfrm>
+      </p:grpSpPr>
+      <p:pic>
+        <p:nvPicPr>
+          <p:cNvPr id="6" name="Picture 5"/>
+          <p:cNvPicPr>
+            <a:picLocks noChangeAspect="1"/>
+          </p:cNvPicPr>
+          <p:nvPr/>
+        </p:nvPicPr>
+        <p:blipFill rotWithShape="1">
+          <a:blip r:embed="rId2"/>
+          <a:srcRect l="14667" t="5778" r="26208" b="15111"/>
+          <a:stretch/>
+        </p:blipFill>
+        <p:spPr>
+          <a:xfrm>
+            <a:off x="1777585" y="58586"/>
+            <a:ext cx="8929000" cy="6720346"/>
+          </a:xfrm>
+          <a:prstGeom prst="rect">
+            <a:avLst/>
+          </a:prstGeom>
+        </p:spPr>
+      </p:pic>
+    </p:spTree>
+    <p:extLst>
+      <p:ext uri="{BB962C8B-B14F-4D97-AF65-F5344CB8AC3E}">
+        <p14:creationId xmlns:p14="http://schemas.microsoft.com/office/powerpoint/2010/main" val="3838279279"/>
+      </p:ext>
+    </p:extLst>
+  </p:cSld>
+  <p:clrMapOvr>
+    <a:masterClrMapping/>
+  </p:clrMapOvr>
+  <p:timing>
+    <p:tnLst>
+      <p:par>
+        <p:cTn id="1" dur="indefinite" restart="never" nodeType="tmRoot"/>
+      </p:par>
+    </p:tnLst>
+  </p:timing>
+</p:sld>
+</file>
+
+<file path=ppt/slides/slide21.xml><?xml version="1.0" encoding="utf-8"?>
+<p:sld xmlns:a="http://schemas.openxmlformats.org/drawingml/2006/main" xmlns:r="http://schemas.openxmlformats.org/officeDocument/2006/relationships" xmlns:p="http://schemas.openxmlformats.org/presentationml/2006/main">
+  <p:cSld>
+    <p:spTree>
+      <p:nvGrpSpPr>
+        <p:cNvPr id="1" name=""/>
+        <p:cNvGrpSpPr/>
+        <p:nvPr/>
+      </p:nvGrpSpPr>
+      <p:grpSpPr>
+        <a:xfrm>
+          <a:off x="0" y="0"/>
+          <a:ext cx="0" cy="0"/>
+          <a:chOff x="0" y="0"/>
+          <a:chExt cx="0" cy="0"/>
+        </a:xfrm>
+      </p:grpSpPr>
+      <p:pic>
+        <p:nvPicPr>
+          <p:cNvPr id="5" name="Picture 4"/>
+          <p:cNvPicPr>
+            <a:picLocks noChangeAspect="1"/>
+          </p:cNvPicPr>
+          <p:nvPr/>
+        </p:nvPicPr>
+        <p:blipFill rotWithShape="1">
+          <a:blip r:embed="rId2"/>
+          <a:srcRect l="12167" t="6666" r="32708" b="24001"/>
+          <a:stretch/>
+        </p:blipFill>
+        <p:spPr>
+          <a:xfrm>
+            <a:off x="1362919" y="115747"/>
+            <a:ext cx="9362517" cy="6623821"/>
+          </a:xfrm>
+          <a:prstGeom prst="rect">
+            <a:avLst/>
+          </a:prstGeom>
+        </p:spPr>
+      </p:pic>
+    </p:spTree>
+    <p:extLst>
+      <p:ext uri="{BB962C8B-B14F-4D97-AF65-F5344CB8AC3E}">
+        <p14:creationId xmlns:p14="http://schemas.microsoft.com/office/powerpoint/2010/main" val="2480149849"/>
+      </p:ext>
+    </p:extLst>
+  </p:cSld>
+  <p:clrMapOvr>
+    <a:masterClrMapping/>
+  </p:clrMapOvr>
+  <p:timing>
+    <p:tnLst>
+      <p:par>
+        <p:cTn id="1" dur="indefinite" restart="never" nodeType="tmRoot"/>
+      </p:par>
+    </p:tnLst>
+  </p:timing>
+</p:sld>
+</file>
+
+<file path=ppt/slides/slide22.xml><?xml version="1.0" encoding="utf-8"?>
+<p:sld xmlns:a="http://schemas.openxmlformats.org/drawingml/2006/main" xmlns:r="http://schemas.openxmlformats.org/officeDocument/2006/relationships" xmlns:p="http://schemas.openxmlformats.org/presentationml/2006/main">
+  <p:cSld>
+    <p:spTree>
+      <p:nvGrpSpPr>
+        <p:cNvPr id="1" name=""/>
+        <p:cNvGrpSpPr/>
+        <p:nvPr/>
+      </p:nvGrpSpPr>
+      <p:grpSpPr>
+        <a:xfrm>
+          <a:off x="0" y="0"/>
+          <a:ext cx="0" cy="0"/>
+          <a:chOff x="0" y="0"/>
+          <a:chExt cx="0" cy="0"/>
+        </a:xfrm>
+      </p:grpSpPr>
+      <p:sp>
+        <p:nvSpPr>
+          <p:cNvPr id="2" name="Title 1"/>
+          <p:cNvSpPr>
+            <a:spLocks noGrp="1"/>
+          </p:cNvSpPr>
+          <p:nvPr>
+            <p:ph type="title"/>
+          </p:nvPr>
+        </p:nvSpPr>
+        <p:spPr/>
+        <p:txBody>
+          <a:bodyPr>
+            <a:normAutofit/>
+          </a:bodyPr>
+          <a:lstStyle/>
+          <a:p>
+            <a:pPr algn="r" rtl="1"/>
+            <a:r>
+              <a:rPr lang="fa-IR" sz="4800" dirty="0" smtClean="0">
+                <a:cs typeface="B Nazanin" panose="00000400000000000000" pitchFamily="2" charset="-78"/>
+              </a:rPr>
+              <a:t>نتیجه گیری </a:t>
+            </a:r>
+            <a:endParaRPr lang="en-US" sz="4800" dirty="0">
+              <a:cs typeface="B Nazanin" panose="00000400000000000000" pitchFamily="2" charset="-78"/>
+            </a:endParaRPr>
+          </a:p>
+        </p:txBody>
+      </p:sp>
+      <p:sp>
+        <p:nvSpPr>
+          <p:cNvPr id="3" name="Content Placeholder 2"/>
+          <p:cNvSpPr>
+            <a:spLocks noGrp="1"/>
+          </p:cNvSpPr>
+          <p:nvPr>
+            <p:ph idx="1"/>
+          </p:nvPr>
+        </p:nvSpPr>
+        <p:spPr/>
+        <p:txBody>
+          <a:bodyPr>
+            <a:normAutofit/>
+          </a:bodyPr>
+          <a:lstStyle/>
+          <a:p>
+            <a:pPr algn="r" rtl="1"/>
+            <a:r>
+              <a:rPr lang="fa-IR" sz="3200" dirty="0" smtClean="0">
+                <a:cs typeface="B Nazanin" panose="00000400000000000000" pitchFamily="2" charset="-78"/>
+              </a:rPr>
+              <a:t>در این پروژه سعی شده است یک نرم افزار متور جست و جو برای کامپیوترهای شخصی و حتی سرورها طراحی شود .</a:t>
+            </a:r>
+          </a:p>
+          <a:p>
+            <a:pPr algn="r" rtl="1"/>
+            <a:r>
+              <a:rPr lang="fa-IR" sz="3200" dirty="0" smtClean="0">
+                <a:cs typeface="B Nazanin" panose="00000400000000000000" pitchFamily="2" charset="-78"/>
+              </a:rPr>
+              <a:t>جای پیشرفت این برنامه وجود دارد به عنوان مثال می‌توان به عنوان سرویس برای ویندوز طراحی شود .</a:t>
+            </a:r>
+          </a:p>
+          <a:p>
+            <a:pPr algn="r" rtl="1"/>
+            <a:endParaRPr lang="en-US" sz="3200" dirty="0">
+              <a:cs typeface="B Nazanin" panose="00000400000000000000" pitchFamily="2" charset="-78"/>
+            </a:endParaRPr>
+          </a:p>
+        </p:txBody>
+      </p:sp>
+      <p:cxnSp>
+        <p:nvCxnSpPr>
+          <p:cNvPr id="4" name="Straight Connector 3"/>
+          <p:cNvCxnSpPr/>
+          <p:nvPr/>
+        </p:nvCxnSpPr>
+        <p:spPr>
+          <a:xfrm>
+            <a:off x="2831969" y="1606928"/>
+            <a:ext cx="8521831" cy="0"/>
+          </a:xfrm>
+          <a:prstGeom prst="line">
+            <a:avLst/>
+          </a:prstGeom>
+          <a:ln w="28575"/>
+        </p:spPr>
+        <p:style>
+          <a:lnRef idx="3">
+            <a:schemeClr val="dk1"/>
+          </a:lnRef>
+          <a:fillRef idx="0">
+            <a:schemeClr val="dk1"/>
+          </a:fillRef>
+          <a:effectRef idx="2">
+            <a:schemeClr val="dk1"/>
+          </a:effectRef>
+          <a:fontRef idx="minor">
+            <a:schemeClr val="tx1"/>
+          </a:fontRef>
+        </p:style>
+      </p:cxnSp>
+    </p:spTree>
+    <p:extLst>
+      <p:ext uri="{BB962C8B-B14F-4D97-AF65-F5344CB8AC3E}">
+        <p14:creationId xmlns:p14="http://schemas.microsoft.com/office/powerpoint/2010/main" val="1278983682"/>
+      </p:ext>
+    </p:extLst>
+  </p:cSld>
+  <p:clrMapOvr>
+    <a:masterClrMapping/>
+  </p:clrMapOvr>
+  <p:timing>
+    <p:tnLst>
+      <p:par>
+        <p:cTn id="1" dur="indefinite" restart="never" nodeType="tmRoot"/>
+      </p:par>
+    </p:tnLst>
+  </p:timing>
+</p:sld>
+</file>
+
+<file path=ppt/slides/slide23.xml><?xml version="1.0" encoding="utf-8"?>
+<p:sld xmlns:a="http://schemas.openxmlformats.org/drawingml/2006/main" xmlns:r="http://schemas.openxmlformats.org/officeDocument/2006/relationships" xmlns:p="http://schemas.openxmlformats.org/presentationml/2006/main">
+  <p:cSld>
+    <p:spTree>
+      <p:nvGrpSpPr>
+        <p:cNvPr id="1" name=""/>
+        <p:cNvGrpSpPr/>
+        <p:nvPr/>
+      </p:nvGrpSpPr>
+      <p:grpSpPr>
+        <a:xfrm>
+          <a:off x="0" y="0"/>
+          <a:ext cx="0" cy="0"/>
+          <a:chOff x="0" y="0"/>
+          <a:chExt cx="0" cy="0"/>
+        </a:xfrm>
+      </p:grpSpPr>
+      <p:sp>
+        <p:nvSpPr>
+          <p:cNvPr id="4" name="Title 1"/>
+          <p:cNvSpPr>
+            <a:spLocks noGrp="1"/>
+          </p:cNvSpPr>
+          <p:nvPr>
+            <p:ph type="title"/>
+          </p:nvPr>
+        </p:nvSpPr>
+        <p:spPr>
+          <a:xfrm>
+            <a:off x="838200" y="365125"/>
+            <a:ext cx="10515600" cy="1325563"/>
+          </a:xfrm>
+        </p:spPr>
+        <p:txBody>
+          <a:bodyPr/>
+          <a:lstStyle/>
+          <a:p>
+            <a:pPr algn="r" rtl="1"/>
+            <a:r>
+              <a:rPr lang="fa-IR" dirty="0" smtClean="0">
+                <a:cs typeface="B Nazanin" panose="00000400000000000000" pitchFamily="2" charset="-78"/>
+              </a:rPr>
+              <a:t>منابع</a:t>
+            </a:r>
+            <a:endParaRPr lang="en-US" dirty="0">
+              <a:cs typeface="B Nazanin" panose="00000400000000000000" pitchFamily="2" charset="-78"/>
+            </a:endParaRPr>
+          </a:p>
+        </p:txBody>
+      </p:sp>
+      <p:sp>
+        <p:nvSpPr>
+          <p:cNvPr id="5" name="Content Placeholder 2"/>
+          <p:cNvSpPr>
+            <a:spLocks noGrp="1"/>
+          </p:cNvSpPr>
+          <p:nvPr>
+            <p:ph idx="1"/>
+          </p:nvPr>
+        </p:nvSpPr>
+        <p:spPr>
+          <a:xfrm>
+            <a:off x="838200" y="1825625"/>
+            <a:ext cx="10515600" cy="4351338"/>
+          </a:xfrm>
+        </p:spPr>
+        <p:txBody>
+          <a:bodyPr/>
+          <a:lstStyle/>
+          <a:p>
+            <a:pPr algn="r" rtl="1"/>
+            <a:r>
+              <a:rPr lang="en-US" dirty="0" smtClean="0">
+                <a:hlinkClick r:id="rId2"/>
+              </a:rPr>
+              <a:t>lucene.apache.org</a:t>
+            </a:r>
+            <a:endParaRPr lang="en-US" dirty="0" smtClean="0"/>
+          </a:p>
+          <a:p>
+            <a:pPr algn="r" rtl="1"/>
+            <a:r>
+              <a:rPr lang="en-US" dirty="0" smtClean="0">
+                <a:hlinkClick r:id="rId3"/>
+              </a:rPr>
+              <a:t>barzideh.blog.ir</a:t>
+            </a:r>
+            <a:endParaRPr lang="en-US" dirty="0"/>
+          </a:p>
+        </p:txBody>
+      </p:sp>
+      <p:cxnSp>
+        <p:nvCxnSpPr>
+          <p:cNvPr id="6" name="Straight Connector 5"/>
+          <p:cNvCxnSpPr/>
+          <p:nvPr/>
+        </p:nvCxnSpPr>
+        <p:spPr>
+          <a:xfrm>
+            <a:off x="2831969" y="1606928"/>
+            <a:ext cx="8521831" cy="0"/>
+          </a:xfrm>
+          <a:prstGeom prst="line">
+            <a:avLst/>
+          </a:prstGeom>
+          <a:ln w="28575"/>
+        </p:spPr>
+        <p:style>
+          <a:lnRef idx="3">
+            <a:schemeClr val="dk1"/>
+          </a:lnRef>
+          <a:fillRef idx="0">
+            <a:schemeClr val="dk1"/>
+          </a:fillRef>
+          <a:effectRef idx="2">
+            <a:schemeClr val="dk1"/>
+          </a:effectRef>
+          <a:fontRef idx="minor">
+            <a:schemeClr val="tx1"/>
+          </a:fontRef>
+        </p:style>
+      </p:cxnSp>
+    </p:spTree>
+    <p:extLst>
+      <p:ext uri="{BB962C8B-B14F-4D97-AF65-F5344CB8AC3E}">
+        <p14:creationId xmlns:p14="http://schemas.microsoft.com/office/powerpoint/2010/main" val="3662691594"/>
+      </p:ext>
+    </p:extLst>
+  </p:cSld>
+  <p:clrMapOvr>
+    <a:masterClrMapping/>
+  </p:clrMapOvr>
+  <p:timing>
+    <p:tnLst>
+      <p:par>
+        <p:cTn id="1" dur="indefinite" restart="never" nodeType="tmRoot"/>
+      </p:par>
+    </p:tnLst>
+  </p:timing>
+</p:sld>
+</file>
+
+<file path=ppt/slides/slide24.xml><?xml version="1.0" encoding="utf-8"?>
+<p:sld xmlns:a="http://schemas.openxmlformats.org/drawingml/2006/main" xmlns:r="http://schemas.openxmlformats.org/officeDocument/2006/relationships" xmlns:p="http://schemas.openxmlformats.org/presentationml/2006/main">
+  <p:cSld>
+    <p:spTree>
+      <p:nvGrpSpPr>
+        <p:cNvPr id="1" name=""/>
+        <p:cNvGrpSpPr/>
+        <p:nvPr/>
+      </p:nvGrpSpPr>
+      <p:grpSpPr>
+        <a:xfrm>
+          <a:off x="0" y="0"/>
+          <a:ext cx="0" cy="0"/>
+          <a:chOff x="0" y="0"/>
+          <a:chExt cx="0" cy="0"/>
+        </a:xfrm>
+      </p:grpSpPr>
+      <p:sp>
+        <p:nvSpPr>
+          <p:cNvPr id="3" name="Content Placeholder 2"/>
+          <p:cNvSpPr>
+            <a:spLocks noGrp="1"/>
+          </p:cNvSpPr>
+          <p:nvPr>
+            <p:ph idx="1"/>
+          </p:nvPr>
+        </p:nvSpPr>
+        <p:spPr/>
+        <p:txBody>
+          <a:bodyPr>
+            <a:normAutofit/>
+          </a:bodyPr>
+          <a:lstStyle/>
+          <a:p>
+            <a:pPr marL="0" indent="0" algn="r" rtl="1">
+              <a:buNone/>
+            </a:pPr>
+            <a:r>
+              <a:rPr lang="fa-IR" sz="3200" dirty="0" smtClean="0">
+                <a:cs typeface="B Nazanin" panose="00000400000000000000" pitchFamily="2" charset="-78"/>
+              </a:rPr>
+              <a:t>از اساتید گروه مخصوصا آقای دکتر اصغریان که در راه من را یاری نموده‌اند نهایت تقدیر و تشکر را دارم.</a:t>
+            </a:r>
+            <a:endParaRPr lang="en-US" sz="3200" dirty="0">
+              <a:cs typeface="B Nazanin" panose="00000400000000000000" pitchFamily="2" charset="-78"/>
+            </a:endParaRPr>
+          </a:p>
+        </p:txBody>
+      </p:sp>
+      <p:sp>
+        <p:nvSpPr>
+          <p:cNvPr id="4" name="Title 3"/>
+          <p:cNvSpPr>
+            <a:spLocks noGrp="1"/>
+          </p:cNvSpPr>
+          <p:nvPr>
+            <p:ph type="title"/>
+          </p:nvPr>
+        </p:nvSpPr>
+        <p:spPr/>
+        <p:txBody>
+          <a:bodyPr>
+            <a:normAutofit/>
+          </a:bodyPr>
+          <a:lstStyle/>
+          <a:p>
+            <a:pPr algn="r" rtl="1"/>
+            <a:r>
+              <a:rPr lang="fa-IR" sz="4800" dirty="0" smtClean="0">
+                <a:cs typeface="B Nazanin" panose="00000400000000000000" pitchFamily="2" charset="-78"/>
+              </a:rPr>
+              <a:t>تقدیر و تشکر</a:t>
+            </a:r>
+            <a:endParaRPr lang="en-US" sz="4800" dirty="0">
+              <a:cs typeface="B Nazanin" panose="00000400000000000000" pitchFamily="2" charset="-78"/>
+            </a:endParaRPr>
+          </a:p>
+        </p:txBody>
+      </p:sp>
+    </p:spTree>
+    <p:extLst>
+      <p:ext uri="{BB962C8B-B14F-4D97-AF65-F5344CB8AC3E}">
+        <p14:creationId xmlns:p14="http://schemas.microsoft.com/office/powerpoint/2010/main" val="1681099359"/>
+      </p:ext>
+    </p:extLst>
+  </p:cSld>
+  <p:clrMapOvr>
+    <a:masterClrMapping/>
+  </p:clrMapOvr>
+  <p:timing>
+    <p:tnLst>
+      <p:par>
+        <p:cTn id="1" dur="indefinite" restart="never" nodeType="tmRoot"/>
+      </p:par>
+    </p:tnLst>
+  </p:timing>
+</p:sld>
+</file>
+
+<file path=ppt/slides/slide25.xml><?xml version="1.0" encoding="utf-8"?>
+<p:sld xmlns:a="http://schemas.openxmlformats.org/drawingml/2006/main" xmlns:r="http://schemas.openxmlformats.org/officeDocument/2006/relationships" xmlns:p="http://schemas.openxmlformats.org/presentationml/2006/main">
+  <p:cSld>
+    <p:spTree>
+      <p:nvGrpSpPr>
+        <p:cNvPr id="1" name=""/>
+        <p:cNvGrpSpPr/>
+        <p:nvPr/>
+      </p:nvGrpSpPr>
+      <p:grpSpPr>
+        <a:xfrm>
+          <a:off x="0" y="0"/>
+          <a:ext cx="0" cy="0"/>
+          <a:chOff x="0" y="0"/>
+          <a:chExt cx="0" cy="0"/>
+        </a:xfrm>
+      </p:grpSpPr>
+      <p:sp>
+        <p:nvSpPr>
+          <p:cNvPr id="3" name="Content Placeholder 2"/>
+          <p:cNvSpPr>
+            <a:spLocks noGrp="1"/>
+          </p:cNvSpPr>
+          <p:nvPr>
+            <p:ph idx="1"/>
+          </p:nvPr>
+        </p:nvSpPr>
+        <p:spPr>
+          <a:xfrm>
+            <a:off x="777240" y="2377441"/>
+            <a:ext cx="10515600" cy="1813560"/>
+          </a:xfrm>
+        </p:spPr>
+        <p:txBody>
+          <a:bodyPr>
+            <a:normAutofit/>
+          </a:bodyPr>
+          <a:lstStyle/>
+          <a:p>
+            <a:pPr marL="0" indent="0" algn="ctr">
+              <a:buNone/>
+            </a:pPr>
+            <a:r>
+              <a:rPr lang="fa-IR" sz="11500" dirty="0" smtClean="0">
+                <a:cs typeface="B Nazanin" panose="00000400000000000000" pitchFamily="2" charset="-78"/>
+              </a:rPr>
+              <a:t>پایان</a:t>
+            </a:r>
+            <a:endParaRPr lang="en-US" sz="13800" dirty="0">
+              <a:cs typeface="B Nazanin" panose="00000400000000000000" pitchFamily="2" charset="-78"/>
+            </a:endParaRPr>
+          </a:p>
+        </p:txBody>
+      </p:sp>
+    </p:spTree>
+    <p:extLst>
+      <p:ext uri="{BB962C8B-B14F-4D97-AF65-F5344CB8AC3E}">
+        <p14:creationId xmlns:p14="http://schemas.microsoft.com/office/powerpoint/2010/main" val="2750874785"/>
+      </p:ext>
+    </p:extLst>
+  </p:cSld>
+  <p:clrMapOvr>
+    <a:masterClrMapping/>
+  </p:clrMapOvr>
+  <p:timing>
+    <p:tnLst>
+      <p:par>
+        <p:cTn id="1" dur="indefinite" restart="never" nodeType="tmRoot"/>
+      </p:par>
+    </p:tnLst>
+  </p:timing>
+</p:sld>
+</file>
+
 <file path=ppt/slides/slide3.xml><?xml version="1.0" encoding="utf-8"?>
 <p:sld xmlns:a="http://schemas.openxmlformats.org/drawingml/2006/main" xmlns:r="http://schemas.openxmlformats.org/officeDocument/2006/relationships" xmlns:p="http://schemas.openxmlformats.org/presentationml/2006/main">
   <p:cSld>
@@ -4380,10 +6134,14 @@
           <a:p>
             <a:pPr algn="r" rtl="1"/>
             <a:r>
-              <a:rPr lang="fa-IR" sz="5400" dirty="0" smtClean="0"/>
+              <a:rPr lang="fa-IR" sz="5400" dirty="0" smtClean="0">
+                <a:cs typeface="B Nazanin" panose="00000400000000000000" pitchFamily="2" charset="-78"/>
+              </a:rPr>
               <a:t>چکیده</a:t>
             </a:r>
-            <a:endParaRPr lang="en-US" sz="5400" dirty="0"/>
+            <a:endParaRPr lang="en-US" sz="4800" dirty="0">
+              <a:cs typeface="B Nazanin" panose="00000400000000000000" pitchFamily="2" charset="-78"/>
+            </a:endParaRPr>
           </a:p>
         </p:txBody>
       </p:sp>
@@ -4403,10 +6161,6 @@
             <a:normAutofit/>
           </a:bodyPr>
           <a:lstStyle/>
-          <a:p>
-            <a:pPr algn="r" rtl="1"/>
-            <a:endParaRPr lang="fa-IR" sz="2400" dirty="0" smtClean="0"/>
-          </a:p>
           <a:p>
             <a:pPr algn="just" rtl="1">
               <a:lnSpc>
@@ -4414,23 +6168,33 @@
               </a:lnSpc>
             </a:pPr>
             <a:r>
-              <a:rPr lang="fa-IR" sz="2400" dirty="0" smtClean="0"/>
+              <a:rPr lang="fa-IR" sz="3200" dirty="0" smtClean="0">
+                <a:cs typeface="B Nazanin" panose="00000400000000000000" pitchFamily="2" charset="-78"/>
+              </a:rPr>
               <a:t>این پروژه یک سیستم </a:t>
             </a:r>
             <a:r>
-              <a:rPr lang="fa-IR" sz="2400" dirty="0"/>
+              <a:rPr lang="fa-IR" sz="3200" dirty="0">
+                <a:cs typeface="B Nazanin" panose="00000400000000000000" pitchFamily="2" charset="-78"/>
+              </a:rPr>
               <a:t>ایندکسینگ و جست و </a:t>
             </a:r>
             <a:r>
-              <a:rPr lang="fa-IR" sz="2400" dirty="0" smtClean="0"/>
+              <a:rPr lang="fa-IR" sz="3200" dirty="0" smtClean="0">
+                <a:cs typeface="B Nazanin" panose="00000400000000000000" pitchFamily="2" charset="-78"/>
+              </a:rPr>
               <a:t>جو است که با استفاده از کتابخانه </a:t>
             </a:r>
             <a:r>
-              <a:rPr lang="en-US" sz="2400" dirty="0" err="1" smtClean="0"/>
+              <a:rPr lang="en-US" sz="3200" dirty="0" err="1" smtClean="0">
+                <a:cs typeface="B Nazanin" panose="00000400000000000000" pitchFamily="2" charset="-78"/>
+              </a:rPr>
               <a:t>lucene</a:t>
             </a:r>
             <a:r>
-              <a:rPr lang="fa-IR" sz="2400" dirty="0" smtClean="0"/>
+              <a:rPr lang="fa-IR" sz="3200" dirty="0" smtClean="0">
+                <a:cs typeface="B Nazanin" panose="00000400000000000000" pitchFamily="2" charset="-78"/>
+              </a:rPr>
               <a:t> طراحی شده است.</a:t>
             </a:r>
           </a:p>
@@ -4441,49 +6205,59 @@
               </a:lnSpc>
             </a:pPr>
             <a:r>
-              <a:rPr lang="fa-IR" sz="2400" dirty="0" smtClean="0"/>
+              <a:rPr lang="fa-IR" sz="3200" dirty="0" smtClean="0">
+                <a:cs typeface="B Nazanin" panose="00000400000000000000" pitchFamily="2" charset="-78"/>
+              </a:rPr>
               <a:t>در این سیستم ادرس </a:t>
             </a:r>
             <a:r>
-              <a:rPr lang="fa-IR" sz="2400" dirty="0"/>
+              <a:rPr lang="fa-IR" sz="3200" dirty="0">
+                <a:cs typeface="B Nazanin" panose="00000400000000000000" pitchFamily="2" charset="-78"/>
+              </a:rPr>
               <a:t>بخشی از </a:t>
             </a:r>
             <a:r>
-              <a:rPr lang="fa-IR" sz="2400" dirty="0" smtClean="0"/>
+              <a:rPr lang="fa-IR" sz="3200" dirty="0" smtClean="0">
+                <a:cs typeface="B Nazanin" panose="00000400000000000000" pitchFamily="2" charset="-78"/>
+              </a:rPr>
               <a:t>حافظه اصلی کامپیوتر خود را به اختیار به </a:t>
             </a:r>
             <a:r>
-              <a:rPr lang="fa-IR" sz="2400" dirty="0" smtClean="0"/>
+              <a:rPr lang="fa-IR" sz="3200" dirty="0" smtClean="0">
+                <a:cs typeface="B Nazanin" panose="00000400000000000000" pitchFamily="2" charset="-78"/>
+              </a:rPr>
               <a:t>نرم افزار میدهیم که </a:t>
             </a:r>
             <a:r>
-              <a:rPr lang="fa-IR" sz="2400" dirty="0" smtClean="0"/>
+              <a:rPr lang="fa-IR" sz="3200" dirty="0" smtClean="0">
+                <a:cs typeface="B Nazanin" panose="00000400000000000000" pitchFamily="2" charset="-78"/>
+              </a:rPr>
               <a:t>ایندکس کرده تا بتوانیم </a:t>
             </a:r>
             <a:r>
-              <a:rPr lang="fa-IR" sz="2400" dirty="0"/>
+              <a:rPr lang="fa-IR" sz="3200" dirty="0">
+                <a:cs typeface="B Nazanin" panose="00000400000000000000" pitchFamily="2" charset="-78"/>
+              </a:rPr>
               <a:t>جست و جو کنیم . در این سیستم علاوه بر جست و جو می‌توان فایل‌های پیدا شده را از همان محیط جست و جو باز </a:t>
             </a:r>
             <a:r>
-              <a:rPr lang="fa-IR" sz="2400" dirty="0" smtClean="0"/>
+              <a:rPr lang="fa-IR" sz="3200" dirty="0" smtClean="0">
+                <a:cs typeface="B Nazanin" panose="00000400000000000000" pitchFamily="2" charset="-78"/>
+              </a:rPr>
               <a:t>کرده و </a:t>
             </a:r>
             <a:r>
-              <a:rPr lang="fa-IR" sz="2400" dirty="0"/>
+              <a:rPr lang="fa-IR" sz="3200" dirty="0">
+                <a:cs typeface="B Nazanin" panose="00000400000000000000" pitchFamily="2" charset="-78"/>
+              </a:rPr>
               <a:t>مشاهده </a:t>
             </a:r>
             <a:r>
-              <a:rPr lang="fa-IR" sz="2400" dirty="0" smtClean="0"/>
+              <a:rPr lang="fa-IR" sz="3200" dirty="0" smtClean="0">
+                <a:cs typeface="B Nazanin" panose="00000400000000000000" pitchFamily="2" charset="-78"/>
+              </a:rPr>
               <a:t>کرد.</a:t>
             </a:r>
-          </a:p>
-          <a:p>
-            <a:pPr algn="just" rtl="1">
-              <a:lnSpc>
-                <a:spcPct val="120000"/>
-              </a:lnSpc>
-            </a:pPr>
-            <a:endParaRPr lang="en-US" sz="2400" dirty="0"/>
           </a:p>
         </p:txBody>
       </p:sp>
@@ -4567,15 +6341,21 @@
         </p:nvSpPr>
         <p:spPr/>
         <p:txBody>
-          <a:bodyPr/>
+          <a:bodyPr>
+            <a:noAutofit/>
+          </a:bodyPr>
           <a:lstStyle/>
           <a:p>
             <a:pPr algn="r" rtl="1"/>
             <a:r>
-              <a:rPr lang="fa-IR" dirty="0" smtClean="0"/>
+              <a:rPr lang="fa-IR" sz="4800" dirty="0" smtClean="0">
+                <a:cs typeface="B Nazanin" panose="00000400000000000000" pitchFamily="2" charset="-78"/>
+              </a:rPr>
               <a:t>هدف از طراحی این نرم افزار و کاربرد آن</a:t>
             </a:r>
-            <a:endParaRPr lang="fa-IR" dirty="0" smtClean="0"/>
+            <a:endParaRPr lang="fa-IR" sz="4800" dirty="0" smtClean="0">
+              <a:cs typeface="B Nazanin" panose="00000400000000000000" pitchFamily="2" charset="-78"/>
+            </a:endParaRPr>
           </a:p>
         </p:txBody>
       </p:sp>
@@ -4591,117 +6371,184 @@
         </p:nvSpPr>
         <p:spPr/>
         <p:txBody>
-          <a:bodyPr/>
+          <a:bodyPr>
+            <a:normAutofit fontScale="92500" lnSpcReduction="20000"/>
+          </a:bodyPr>
           <a:lstStyle/>
           <a:p>
-            <a:pPr algn="just" rtl="1"/>
-            <a:r>
-              <a:rPr lang="fa-IR" dirty="0"/>
+            <a:pPr algn="just" rtl="1">
+              <a:lnSpc>
+                <a:spcPct val="120000"/>
+              </a:lnSpc>
+            </a:pPr>
+            <a:r>
+              <a:rPr lang="fa-IR" sz="3600" dirty="0">
+                <a:cs typeface="B Nazanin" panose="00000400000000000000" pitchFamily="2" charset="-78"/>
+              </a:rPr>
               <a:t>سیستم جست و جو ویندوز </a:t>
             </a:r>
             <a:r>
-              <a:rPr lang="fa-IR" dirty="0" smtClean="0"/>
+              <a:rPr lang="fa-IR" sz="3600" dirty="0" smtClean="0">
+                <a:cs typeface="B Nazanin" panose="00000400000000000000" pitchFamily="2" charset="-78"/>
+              </a:rPr>
               <a:t>سیستم </a:t>
             </a:r>
             <a:r>
-              <a:rPr lang="fa-IR" dirty="0"/>
+              <a:rPr lang="fa-IR" sz="3600" dirty="0">
+                <a:cs typeface="B Nazanin" panose="00000400000000000000" pitchFamily="2" charset="-78"/>
+              </a:rPr>
               <a:t>نسبتا ضعیفی هست و فقط قادر است نام فایل ها و پوشه هایی که </a:t>
             </a:r>
             <a:r>
-              <a:rPr lang="fa-IR" dirty="0" smtClean="0"/>
+              <a:rPr lang="fa-IR" sz="3600" dirty="0" smtClean="0">
+                <a:cs typeface="B Nazanin" panose="00000400000000000000" pitchFamily="2" charset="-78"/>
+              </a:rPr>
               <a:t>با عبارت جست و جو هم خوانی دارد را جست و جو کند و </a:t>
             </a:r>
             <a:r>
-              <a:rPr lang="fa-IR" dirty="0"/>
+              <a:rPr lang="fa-IR" sz="3600" dirty="0">
+                <a:cs typeface="B Nazanin" panose="00000400000000000000" pitchFamily="2" charset="-78"/>
+              </a:rPr>
               <a:t>اگر </a:t>
             </a:r>
             <a:r>
-              <a:rPr lang="fa-IR" dirty="0" smtClean="0"/>
+              <a:rPr lang="fa-IR" sz="3600" dirty="0" smtClean="0">
+                <a:cs typeface="B Nazanin" panose="00000400000000000000" pitchFamily="2" charset="-78"/>
+              </a:rPr>
               <a:t>سرویس </a:t>
             </a:r>
             <a:r>
-              <a:rPr lang="en-US" dirty="0" smtClean="0"/>
+              <a:rPr lang="en-US" sz="3600" dirty="0" smtClean="0">
+                <a:cs typeface="B Nazanin" panose="00000400000000000000" pitchFamily="2" charset="-78"/>
+              </a:rPr>
               <a:t>Index</a:t>
             </a:r>
             <a:r>
-              <a:rPr lang="fa-IR" dirty="0" smtClean="0"/>
+              <a:rPr lang="fa-IR" sz="3600" dirty="0" smtClean="0">
+                <a:cs typeface="B Nazanin" panose="00000400000000000000" pitchFamily="2" charset="-78"/>
+              </a:rPr>
               <a:t> </a:t>
             </a:r>
             <a:r>
-              <a:rPr lang="fa-IR" dirty="0"/>
+              <a:rPr lang="fa-IR" sz="3600" dirty="0">
+                <a:cs typeface="B Nazanin" panose="00000400000000000000" pitchFamily="2" charset="-78"/>
+              </a:rPr>
               <a:t>ویندوز </a:t>
             </a:r>
             <a:r>
-              <a:rPr lang="fa-IR" dirty="0" smtClean="0"/>
+              <a:rPr lang="fa-IR" sz="3600" dirty="0" smtClean="0">
+                <a:cs typeface="B Nazanin" panose="00000400000000000000" pitchFamily="2" charset="-78"/>
+              </a:rPr>
               <a:t>فعال کنیم سرعت کامپیوتر بسیار </a:t>
             </a:r>
             <a:r>
-              <a:rPr lang="fa-IR" dirty="0"/>
+              <a:rPr lang="fa-IR" sz="3600" dirty="0">
+                <a:cs typeface="B Nazanin" panose="00000400000000000000" pitchFamily="2" charset="-78"/>
+              </a:rPr>
               <a:t>پایین می آید</a:t>
             </a:r>
             <a:r>
-              <a:rPr lang="fa-IR" dirty="0" smtClean="0"/>
+              <a:rPr lang="fa-IR" sz="3600" dirty="0" smtClean="0">
+                <a:cs typeface="B Nazanin" panose="00000400000000000000" pitchFamily="2" charset="-78"/>
+              </a:rPr>
               <a:t>.</a:t>
             </a:r>
           </a:p>
           <a:p>
-            <a:pPr algn="just" rtl="1"/>
-            <a:r>
-              <a:rPr lang="fa-IR" dirty="0" smtClean="0"/>
+            <a:pPr algn="just" rtl="1">
+              <a:lnSpc>
+                <a:spcPct val="120000"/>
+              </a:lnSpc>
+            </a:pPr>
+            <a:r>
+              <a:rPr lang="fa-IR" sz="3600" dirty="0" smtClean="0">
+                <a:cs typeface="B Nazanin" panose="00000400000000000000" pitchFamily="2" charset="-78"/>
+              </a:rPr>
               <a:t>این </a:t>
             </a:r>
             <a:r>
-              <a:rPr lang="fa-IR" dirty="0"/>
+              <a:rPr lang="fa-IR" sz="3600" dirty="0">
+                <a:cs typeface="B Nazanin" panose="00000400000000000000" pitchFamily="2" charset="-78"/>
+              </a:rPr>
               <a:t>ایده برای سرعت بخشیدن به این جست و </a:t>
             </a:r>
             <a:r>
-              <a:rPr lang="fa-IR" dirty="0" smtClean="0"/>
+              <a:rPr lang="fa-IR" sz="3600" dirty="0" smtClean="0">
+                <a:cs typeface="B Nazanin" panose="00000400000000000000" pitchFamily="2" charset="-78"/>
+              </a:rPr>
               <a:t>جو طراحی شده است. همچنین علاوه بر نام فایل ها درمحتویات فایل های </a:t>
             </a:r>
             <a:r>
-              <a:rPr lang="en-US" dirty="0" smtClean="0"/>
+              <a:rPr lang="en-US" sz="3600" dirty="0" smtClean="0">
+                <a:cs typeface="B Nazanin" panose="00000400000000000000" pitchFamily="2" charset="-78"/>
+              </a:rPr>
               <a:t>document base</a:t>
             </a:r>
             <a:r>
-              <a:rPr lang="fa-IR" dirty="0" smtClean="0"/>
+              <a:rPr lang="fa-IR" sz="3600" dirty="0" smtClean="0">
+                <a:cs typeface="B Nazanin" panose="00000400000000000000" pitchFamily="2" charset="-78"/>
+              </a:rPr>
               <a:t> مانند فایل ها با فرمت </a:t>
             </a:r>
             <a:r>
-              <a:rPr lang="en-US" dirty="0" smtClean="0"/>
+              <a:rPr lang="en-US" sz="3600" dirty="0" smtClean="0">
+                <a:cs typeface="B Nazanin" panose="00000400000000000000" pitchFamily="2" charset="-78"/>
+              </a:rPr>
               <a:t>txt</a:t>
             </a:r>
             <a:r>
-              <a:rPr lang="fa-IR" dirty="0" smtClean="0"/>
+              <a:rPr lang="fa-IR" sz="3600" dirty="0" smtClean="0">
+                <a:cs typeface="B Nazanin" panose="00000400000000000000" pitchFamily="2" charset="-78"/>
+              </a:rPr>
               <a:t>، </a:t>
             </a:r>
             <a:r>
-              <a:rPr lang="en-US" dirty="0" smtClean="0"/>
+              <a:rPr lang="en-US" sz="3600" dirty="0" smtClean="0">
+                <a:cs typeface="B Nazanin" panose="00000400000000000000" pitchFamily="2" charset="-78"/>
+              </a:rPr>
               <a:t>pdf</a:t>
             </a:r>
             <a:r>
-              <a:rPr lang="fa-IR" dirty="0" smtClean="0"/>
+              <a:rPr lang="fa-IR" sz="3600" dirty="0" smtClean="0">
+                <a:cs typeface="B Nazanin" panose="00000400000000000000" pitchFamily="2" charset="-78"/>
+              </a:rPr>
               <a:t>،</a:t>
             </a:r>
             <a:r>
-              <a:rPr lang="en-US" dirty="0" smtClean="0"/>
+              <a:rPr lang="en-US" sz="3600" dirty="0" smtClean="0">
+                <a:cs typeface="B Nazanin" panose="00000400000000000000" pitchFamily="2" charset="-78"/>
+              </a:rPr>
               <a:t> doc </a:t>
             </a:r>
             <a:r>
-              <a:rPr lang="fa-IR" dirty="0" smtClean="0"/>
+              <a:rPr lang="fa-IR" sz="3600" dirty="0" smtClean="0">
+                <a:cs typeface="B Nazanin" panose="00000400000000000000" pitchFamily="2" charset="-78"/>
+              </a:rPr>
               <a:t>، </a:t>
             </a:r>
             <a:r>
-              <a:rPr lang="en-US" dirty="0" err="1" smtClean="0"/>
+              <a:rPr lang="en-US" sz="3600" dirty="0" err="1" smtClean="0">
+                <a:cs typeface="B Nazanin" panose="00000400000000000000" pitchFamily="2" charset="-78"/>
+              </a:rPr>
               <a:t>docx</a:t>
             </a:r>
             <a:r>
-              <a:rPr lang="fa-IR" dirty="0" smtClean="0"/>
+              <a:rPr lang="fa-IR" sz="3600" dirty="0" smtClean="0">
+                <a:cs typeface="B Nazanin" panose="00000400000000000000" pitchFamily="2" charset="-78"/>
+              </a:rPr>
               <a:t>، سورد کد ها و هر فایلی متنی نیز جست و جو می‌کنند.</a:t>
             </a:r>
           </a:p>
           <a:p>
-            <a:pPr algn="just" rtl="1"/>
-            <a:endParaRPr lang="en-US" dirty="0"/>
+            <a:pPr marL="0" indent="0" algn="just" rtl="1">
+              <a:lnSpc>
+                <a:spcPct val="120000"/>
+              </a:lnSpc>
+              <a:buNone/>
+            </a:pPr>
+            <a:endParaRPr lang="en-US" sz="3600" dirty="0">
+              <a:cs typeface="B Nazanin" panose="00000400000000000000" pitchFamily="2" charset="-78"/>
+            </a:endParaRPr>
           </a:p>
         </p:txBody>
       </p:sp>
@@ -4785,15 +6632,21 @@
         </p:nvSpPr>
         <p:spPr/>
         <p:txBody>
-          <a:bodyPr/>
+          <a:bodyPr>
+            <a:normAutofit/>
+          </a:bodyPr>
           <a:lstStyle/>
           <a:p>
             <a:pPr algn="r" rtl="1"/>
             <a:r>
-              <a:rPr lang="fa-IR" dirty="0" smtClean="0"/>
+              <a:rPr lang="fa-IR" sz="4800" dirty="0" smtClean="0">
+                <a:cs typeface="B Nazanin" panose="00000400000000000000" pitchFamily="2" charset="-78"/>
+              </a:rPr>
               <a:t>نرم افزار های مشابه </a:t>
             </a:r>
-            <a:endParaRPr lang="en-US" dirty="0"/>
+            <a:endParaRPr lang="en-US" sz="4800" dirty="0">
+              <a:cs typeface="B Nazanin" panose="00000400000000000000" pitchFamily="2" charset="-78"/>
+            </a:endParaRPr>
           </a:p>
         </p:txBody>
       </p:sp>
@@ -4809,178 +6662,266 @@
         </p:nvSpPr>
         <p:spPr/>
         <p:txBody>
-          <a:bodyPr/>
+          <a:bodyPr>
+            <a:normAutofit/>
+          </a:bodyPr>
           <a:lstStyle/>
           <a:p>
+            <a:pPr algn="r" rtl="1">
+              <a:lnSpc>
+                <a:spcPct val="100000"/>
+              </a:lnSpc>
+            </a:pPr>
+            <a:r>
+              <a:rPr lang="fa-IR" sz="3200" dirty="0">
+                <a:cs typeface="B Nazanin" panose="00000400000000000000" pitchFamily="2" charset="-78"/>
+              </a:rPr>
+              <a:t>از وجود اپلیکیشن هایی </a:t>
+            </a:r>
+            <a:r>
+              <a:rPr lang="fa-IR" sz="3200" dirty="0" smtClean="0">
+                <a:cs typeface="B Nazanin" panose="00000400000000000000" pitchFamily="2" charset="-78"/>
+              </a:rPr>
+              <a:t>مشابه اطلاعی </a:t>
+            </a:r>
+            <a:r>
+              <a:rPr lang="fa-IR" sz="3200" dirty="0">
+                <a:cs typeface="B Nazanin" panose="00000400000000000000" pitchFamily="2" charset="-78"/>
+              </a:rPr>
+              <a:t>نداریم ولی </a:t>
+            </a:r>
+            <a:r>
+              <a:rPr lang="fa-IR" sz="3200" dirty="0" smtClean="0">
+                <a:cs typeface="B Nazanin" panose="00000400000000000000" pitchFamily="2" charset="-78"/>
+              </a:rPr>
+              <a:t>اپلیکیشن‌ها </a:t>
+            </a:r>
+            <a:r>
+              <a:rPr lang="fa-IR" sz="3200" dirty="0">
+                <a:cs typeface="B Nazanin" panose="00000400000000000000" pitchFamily="2" charset="-78"/>
+              </a:rPr>
+              <a:t>و وب سایت هایی هستند که </a:t>
+            </a:r>
+            <a:r>
+              <a:rPr lang="fa-IR" sz="3200" dirty="0" smtClean="0">
+                <a:cs typeface="B Nazanin" panose="00000400000000000000" pitchFamily="2" charset="-78"/>
+              </a:rPr>
+              <a:t>از </a:t>
+            </a:r>
+            <a:r>
+              <a:rPr lang="en-US" sz="3200" dirty="0" err="1">
+                <a:cs typeface="B Nazanin" panose="00000400000000000000" pitchFamily="2" charset="-78"/>
+              </a:rPr>
+              <a:t>lucene</a:t>
+            </a:r>
+            <a:r>
+              <a:rPr lang="fa-IR" sz="3200" dirty="0">
+                <a:cs typeface="B Nazanin" panose="00000400000000000000" pitchFamily="2" charset="-78"/>
+              </a:rPr>
+              <a:t> </a:t>
+            </a:r>
+            <a:r>
+              <a:rPr lang="fa-IR" sz="3200" dirty="0" smtClean="0">
+                <a:cs typeface="B Nazanin" panose="00000400000000000000" pitchFamily="2" charset="-78"/>
+              </a:rPr>
+              <a:t>در بخشی از سیستم خود استفاده کرده اند.</a:t>
+            </a:r>
+            <a:endParaRPr lang="en-US" sz="3200" dirty="0">
+              <a:cs typeface="B Nazanin" panose="00000400000000000000" pitchFamily="2" charset="-78"/>
+            </a:endParaRPr>
+          </a:p>
+          <a:p>
+            <a:pPr algn="r" rtl="1">
+              <a:lnSpc>
+                <a:spcPct val="100000"/>
+              </a:lnSpc>
+            </a:pPr>
+            <a:r>
+              <a:rPr lang="fa-IR" sz="3200" dirty="0">
+                <a:cs typeface="B Nazanin" panose="00000400000000000000" pitchFamily="2" charset="-78"/>
+              </a:rPr>
+              <a:t>برای مثال سایت هایی </a:t>
+            </a:r>
+            <a:r>
+              <a:rPr lang="fa-IR" sz="3200" dirty="0" smtClean="0">
+                <a:cs typeface="B Nazanin" panose="00000400000000000000" pitchFamily="2" charset="-78"/>
+              </a:rPr>
+              <a:t>مانند </a:t>
+            </a:r>
+            <a:r>
+              <a:rPr lang="en-US" sz="3200" dirty="0" smtClean="0">
+                <a:cs typeface="B Nazanin" panose="00000400000000000000" pitchFamily="2" charset="-78"/>
+              </a:rPr>
+              <a:t>twitter</a:t>
+            </a:r>
+            <a:r>
+              <a:rPr lang="fa-IR" sz="3200" dirty="0" smtClean="0">
+                <a:cs typeface="B Nazanin" panose="00000400000000000000" pitchFamily="2" charset="-78"/>
+              </a:rPr>
+              <a:t> ، </a:t>
+            </a:r>
+            <a:r>
+              <a:rPr lang="en-US" sz="3200" dirty="0" err="1" smtClean="0">
+                <a:cs typeface="B Nazanin" panose="00000400000000000000" pitchFamily="2" charset="-78"/>
+              </a:rPr>
+              <a:t>facebook</a:t>
+            </a:r>
+            <a:r>
+              <a:rPr lang="fa-IR" sz="3200" dirty="0">
+                <a:cs typeface="B Nazanin" panose="00000400000000000000" pitchFamily="2" charset="-78"/>
+              </a:rPr>
+              <a:t> </a:t>
+            </a:r>
+            <a:r>
+              <a:rPr lang="fa-IR" sz="3200" dirty="0" smtClean="0">
+                <a:cs typeface="B Nazanin" panose="00000400000000000000" pitchFamily="2" charset="-78"/>
+              </a:rPr>
+              <a:t>و </a:t>
+            </a:r>
+            <a:r>
+              <a:rPr lang="ar-SA" sz="3200" dirty="0" smtClean="0">
+                <a:cs typeface="B Nazanin" panose="00000400000000000000" pitchFamily="2" charset="-78"/>
+              </a:rPr>
+              <a:t>کمپانی های</a:t>
+            </a:r>
+            <a:r>
+              <a:rPr lang="fa-IR" sz="3200" dirty="0" smtClean="0">
+                <a:cs typeface="B Nazanin" panose="00000400000000000000" pitchFamily="2" charset="-78"/>
+              </a:rPr>
+              <a:t> بزرگی</a:t>
+            </a:r>
+            <a:r>
+              <a:rPr lang="ar-SA" sz="3200" dirty="0" smtClean="0">
+                <a:cs typeface="B Nazanin" panose="00000400000000000000" pitchFamily="2" charset="-78"/>
+              </a:rPr>
+              <a:t> </a:t>
+            </a:r>
+            <a:r>
+              <a:rPr lang="ar-SA" sz="3200" dirty="0">
+                <a:cs typeface="B Nazanin" panose="00000400000000000000" pitchFamily="2" charset="-78"/>
+              </a:rPr>
+              <a:t>مانند </a:t>
+            </a:r>
+            <a:r>
+              <a:rPr lang="en-US" sz="3200" dirty="0">
+                <a:cs typeface="B Nazanin" panose="00000400000000000000" pitchFamily="2" charset="-78"/>
+              </a:rPr>
+              <a:t>apple</a:t>
+            </a:r>
+            <a:r>
+              <a:rPr lang="fa-IR" sz="3200" dirty="0">
+                <a:cs typeface="B Nazanin" panose="00000400000000000000" pitchFamily="2" charset="-78"/>
+              </a:rPr>
+              <a:t> و </a:t>
+            </a:r>
+            <a:r>
+              <a:rPr lang="en-US" sz="3200" dirty="0" err="1">
+                <a:cs typeface="B Nazanin" panose="00000400000000000000" pitchFamily="2" charset="-78"/>
+              </a:rPr>
+              <a:t>ibm</a:t>
+            </a:r>
+            <a:r>
+              <a:rPr lang="fa-IR" sz="3200" dirty="0">
+                <a:cs typeface="B Nazanin" panose="00000400000000000000" pitchFamily="2" charset="-78"/>
+              </a:rPr>
+              <a:t> از این ابزار </a:t>
+            </a:r>
+            <a:r>
+              <a:rPr lang="fa-IR" sz="3200" dirty="0" smtClean="0">
+                <a:cs typeface="B Nazanin" panose="00000400000000000000" pitchFamily="2" charset="-78"/>
+              </a:rPr>
+              <a:t>در سیستم های خود استفاده </a:t>
+            </a:r>
+            <a:r>
+              <a:rPr lang="fa-IR" sz="3200" dirty="0">
+                <a:cs typeface="B Nazanin" panose="00000400000000000000" pitchFamily="2" charset="-78"/>
+              </a:rPr>
+              <a:t>می‌کنند</a:t>
+            </a:r>
+            <a:r>
+              <a:rPr lang="fa-IR" sz="3200" dirty="0" smtClean="0">
+                <a:cs typeface="B Nazanin" panose="00000400000000000000" pitchFamily="2" charset="-78"/>
+              </a:rPr>
+              <a:t>.</a:t>
+            </a:r>
+          </a:p>
+          <a:p>
+            <a:pPr algn="r" rtl="1">
+              <a:lnSpc>
+                <a:spcPct val="100000"/>
+              </a:lnSpc>
+            </a:pPr>
+            <a:r>
+              <a:rPr lang="fa-IR" sz="3200" dirty="0" smtClean="0">
+                <a:cs typeface="B Nazanin" panose="00000400000000000000" pitchFamily="2" charset="-78"/>
+              </a:rPr>
+              <a:t> </a:t>
+            </a:r>
+            <a:r>
+              <a:rPr lang="fa-IR" sz="3200" dirty="0">
+                <a:cs typeface="B Nazanin" panose="00000400000000000000" pitchFamily="2" charset="-78"/>
+              </a:rPr>
+              <a:t>به طور کلی اپلیکیشن ها و وب اپلیکیشن هایی را که از </a:t>
+            </a:r>
+            <a:r>
+              <a:rPr lang="en-US" sz="3200" dirty="0" err="1">
+                <a:cs typeface="B Nazanin" panose="00000400000000000000" pitchFamily="2" charset="-78"/>
+              </a:rPr>
+              <a:t>lucene</a:t>
+            </a:r>
+            <a:r>
+              <a:rPr lang="fa-IR" sz="3200" dirty="0">
+                <a:cs typeface="B Nazanin" panose="00000400000000000000" pitchFamily="2" charset="-78"/>
+              </a:rPr>
+              <a:t> استفاده میکنند را میتوان در </a:t>
+            </a:r>
+            <a:r>
+              <a:rPr lang="fa-IR" sz="3200" dirty="0" smtClean="0">
+                <a:cs typeface="B Nazanin" panose="00000400000000000000" pitchFamily="2" charset="-78"/>
+              </a:rPr>
+              <a:t>سایت</a:t>
+            </a:r>
+            <a:r>
+              <a:rPr lang="en-US" sz="3200" u="sng" dirty="0" smtClean="0">
+                <a:cs typeface="B Nazanin" panose="00000400000000000000" pitchFamily="2" charset="-78"/>
+                <a:hlinkClick r:id="rId2"/>
+              </a:rPr>
+              <a:t>https</a:t>
+            </a:r>
+            <a:r>
+              <a:rPr lang="en-US" sz="3200" u="sng" dirty="0">
+                <a:cs typeface="B Nazanin" panose="00000400000000000000" pitchFamily="2" charset="-78"/>
+                <a:hlinkClick r:id="rId2"/>
+              </a:rPr>
+              <a:t>://wiki.apache.org</a:t>
+            </a:r>
+            <a:r>
+              <a:rPr lang="en-US" sz="3200" dirty="0">
+                <a:cs typeface="B Nazanin" panose="00000400000000000000" pitchFamily="2" charset="-78"/>
+              </a:rPr>
+              <a:t> </a:t>
+            </a:r>
+            <a:r>
+              <a:rPr lang="fa-IR" sz="3200" dirty="0" smtClean="0">
+                <a:cs typeface="B Nazanin" panose="00000400000000000000" pitchFamily="2" charset="-78"/>
+              </a:rPr>
+              <a:t> مشاهده </a:t>
+            </a:r>
+            <a:r>
+              <a:rPr lang="fa-IR" sz="3200" dirty="0">
+                <a:cs typeface="B Nazanin" panose="00000400000000000000" pitchFamily="2" charset="-78"/>
+              </a:rPr>
+              <a:t>کرد.</a:t>
+            </a:r>
+            <a:endParaRPr lang="en-US" sz="3200" dirty="0">
+              <a:cs typeface="B Nazanin" panose="00000400000000000000" pitchFamily="2" charset="-78"/>
+            </a:endParaRPr>
+          </a:p>
+          <a:p>
             <a:pPr algn="r" rtl="1"/>
-            <a:r>
-              <a:rPr lang="fa-IR" dirty="0"/>
-              <a:t>از وجود اپلیکیشن هایی </a:t>
-            </a:r>
-            <a:r>
-              <a:rPr lang="fa-IR" dirty="0" smtClean="0"/>
-              <a:t>مشابه اطلاعی </a:t>
-            </a:r>
-            <a:r>
-              <a:rPr lang="fa-IR" dirty="0"/>
-              <a:t>نداریم ولی </a:t>
-            </a:r>
-            <a:r>
-              <a:rPr lang="fa-IR" dirty="0" smtClean="0"/>
-              <a:t>اپلیکیشن‌ها </a:t>
-            </a:r>
-            <a:r>
-              <a:rPr lang="fa-IR" dirty="0"/>
-              <a:t>و وب سایت هایی هستند که </a:t>
-            </a:r>
-            <a:r>
-              <a:rPr lang="fa-IR" dirty="0" smtClean="0"/>
-              <a:t>از </a:t>
-            </a:r>
-            <a:r>
-              <a:rPr lang="en-US" dirty="0" err="1"/>
-              <a:t>lucene</a:t>
-            </a:r>
-            <a:r>
-              <a:rPr lang="fa-IR" dirty="0"/>
-              <a:t> </a:t>
-            </a:r>
-            <a:r>
-              <a:rPr lang="fa-IR" dirty="0" smtClean="0"/>
-              <a:t>در بخشی از سیستم خود استفاده کرده اند.</a:t>
-            </a:r>
-            <a:endParaRPr lang="en-US" dirty="0"/>
-          </a:p>
-          <a:p>
-            <a:pPr algn="r" rtl="1"/>
-            <a:r>
-              <a:rPr lang="fa-IR" dirty="0"/>
-              <a:t>برای مثال سایت هایی </a:t>
-            </a:r>
-            <a:r>
-              <a:rPr lang="fa-IR" dirty="0" smtClean="0"/>
-              <a:t>مانند </a:t>
-            </a:r>
-            <a:r>
-              <a:rPr lang="en-US" dirty="0" smtClean="0"/>
-              <a:t>twitter</a:t>
-            </a:r>
-            <a:r>
-              <a:rPr lang="fa-IR" dirty="0" smtClean="0"/>
-              <a:t> ، </a:t>
-            </a:r>
-            <a:r>
-              <a:rPr lang="en-US" dirty="0" err="1" smtClean="0"/>
-              <a:t>facebook</a:t>
-            </a:r>
-            <a:r>
-              <a:rPr lang="fa-IR" dirty="0"/>
-              <a:t> </a:t>
-            </a:r>
-            <a:r>
-              <a:rPr lang="fa-IR" dirty="0" smtClean="0"/>
-              <a:t>و </a:t>
-            </a:r>
-            <a:r>
-              <a:rPr lang="ar-SA" dirty="0" smtClean="0"/>
-              <a:t>کمپانی های</a:t>
-            </a:r>
-            <a:r>
-              <a:rPr lang="fa-IR" dirty="0" smtClean="0"/>
-              <a:t> بزرگی</a:t>
-            </a:r>
-            <a:r>
-              <a:rPr lang="ar-SA" dirty="0" smtClean="0"/>
-              <a:t> </a:t>
-            </a:r>
-            <a:r>
-              <a:rPr lang="ar-SA" dirty="0"/>
-              <a:t>مانند </a:t>
-            </a:r>
-            <a:r>
-              <a:rPr lang="en-US" dirty="0"/>
-              <a:t>apple</a:t>
-            </a:r>
-            <a:r>
-              <a:rPr lang="fa-IR" dirty="0"/>
-              <a:t> و </a:t>
-            </a:r>
-            <a:r>
-              <a:rPr lang="en-US" dirty="0" err="1"/>
-              <a:t>ibm</a:t>
-            </a:r>
-            <a:r>
-              <a:rPr lang="fa-IR" dirty="0"/>
-              <a:t> از این ابزار </a:t>
-            </a:r>
-            <a:r>
-              <a:rPr lang="fa-IR" dirty="0" smtClean="0"/>
-              <a:t>در سیستم های خود استفاده </a:t>
-            </a:r>
-            <a:r>
-              <a:rPr lang="fa-IR" dirty="0"/>
-              <a:t>می‌کنند</a:t>
-            </a:r>
-            <a:r>
-              <a:rPr lang="fa-IR" dirty="0" smtClean="0"/>
-              <a:t>.</a:t>
-            </a:r>
-          </a:p>
-          <a:p>
-            <a:pPr algn="r" rtl="1"/>
-            <a:r>
-              <a:rPr lang="fa-IR" dirty="0" smtClean="0"/>
-              <a:t> </a:t>
-            </a:r>
-            <a:r>
-              <a:rPr lang="fa-IR" dirty="0"/>
-              <a:t>به طور کلی اپلیکیشن ها و وب اپلیکیشن هایی را که از </a:t>
-            </a:r>
-            <a:r>
-              <a:rPr lang="en-US" dirty="0" err="1"/>
-              <a:t>lucene</a:t>
-            </a:r>
-            <a:r>
-              <a:rPr lang="fa-IR" dirty="0"/>
-              <a:t> استفاده میکنند را میتوان در </a:t>
-            </a:r>
-            <a:r>
-              <a:rPr lang="fa-IR" dirty="0" smtClean="0"/>
-              <a:t>سایت</a:t>
-            </a:r>
-            <a:r>
-              <a:rPr lang="en-US" sz="2400" u="sng" dirty="0" smtClean="0">
-                <a:hlinkClick r:id="rId2"/>
-              </a:rPr>
-              <a:t>https</a:t>
-            </a:r>
-            <a:r>
-              <a:rPr lang="en-US" sz="2400" u="sng" dirty="0">
-                <a:hlinkClick r:id="rId2"/>
-              </a:rPr>
-              <a:t>://wiki.apache.org</a:t>
-            </a:r>
-            <a:r>
-              <a:rPr lang="en-US" sz="2400" dirty="0"/>
-              <a:t> </a:t>
-            </a:r>
-            <a:r>
-              <a:rPr lang="fa-IR" sz="2400" dirty="0" smtClean="0"/>
-              <a:t> </a:t>
-            </a:r>
-            <a:r>
-              <a:rPr lang="fa-IR" dirty="0" smtClean="0"/>
-              <a:t>مشاهده </a:t>
-            </a:r>
-            <a:r>
-              <a:rPr lang="fa-IR" dirty="0"/>
-              <a:t>کرد.</a:t>
-            </a:r>
-            <a:endParaRPr lang="en-US" dirty="0"/>
-          </a:p>
-          <a:p>
-            <a:pPr algn="r" rtl="1"/>
-            <a:endParaRPr lang="en-US" dirty="0"/>
+            <a:endParaRPr lang="en-US" sz="3200" dirty="0">
+              <a:cs typeface="B Nazanin" panose="00000400000000000000" pitchFamily="2" charset="-78"/>
+            </a:endParaRPr>
           </a:p>
         </p:txBody>
       </p:sp>
@@ -5064,23 +7005,33 @@
         </p:nvSpPr>
         <p:spPr/>
         <p:txBody>
-          <a:bodyPr/>
+          <a:bodyPr>
+            <a:normAutofit/>
+          </a:bodyPr>
           <a:lstStyle/>
           <a:p>
             <a:pPr algn="r" rtl="1"/>
             <a:r>
-              <a:rPr lang="fa-IR" dirty="0" smtClean="0"/>
+              <a:rPr lang="fa-IR" sz="4800" dirty="0" smtClean="0">
+                <a:cs typeface="B Nazanin" panose="00000400000000000000" pitchFamily="2" charset="-78"/>
+              </a:rPr>
               <a:t>معرفی </a:t>
             </a:r>
             <a:r>
-              <a:rPr lang="en-US" dirty="0" smtClean="0"/>
+              <a:rPr lang="en-US" sz="4800" dirty="0" smtClean="0">
+                <a:cs typeface="B Nazanin" panose="00000400000000000000" pitchFamily="2" charset="-78"/>
+              </a:rPr>
               <a:t>apache </a:t>
             </a:r>
             <a:r>
-              <a:rPr lang="en-US" dirty="0" err="1" smtClean="0"/>
+              <a:rPr lang="en-US" sz="4800" dirty="0" err="1" smtClean="0">
+                <a:cs typeface="B Nazanin" panose="00000400000000000000" pitchFamily="2" charset="-78"/>
+              </a:rPr>
               <a:t>lucene</a:t>
             </a:r>
-            <a:endParaRPr lang="en-US" dirty="0"/>
+            <a:endParaRPr lang="en-US" sz="4800" dirty="0">
+              <a:cs typeface="B Nazanin" panose="00000400000000000000" pitchFamily="2" charset="-78"/>
+            </a:endParaRPr>
           </a:p>
         </p:txBody>
       </p:sp>
@@ -5099,100 +7050,152 @@
           <a:bodyPr/>
           <a:lstStyle/>
           <a:p>
-            <a:pPr algn="just" rtl="1"/>
-            <a:r>
-              <a:rPr lang="en-US" dirty="0"/>
+            <a:pPr algn="just" rtl="1">
+              <a:lnSpc>
+                <a:spcPct val="120000"/>
+              </a:lnSpc>
+            </a:pPr>
+            <a:r>
+              <a:rPr lang="en-US" sz="3200" dirty="0">
+                <a:cs typeface="B Nazanin" panose="00000400000000000000" pitchFamily="2" charset="-78"/>
+              </a:rPr>
               <a:t>Apache </a:t>
             </a:r>
             <a:r>
-              <a:rPr lang="en-US" dirty="0" err="1"/>
+              <a:rPr lang="en-US" sz="3200" dirty="0" err="1">
+                <a:cs typeface="B Nazanin" panose="00000400000000000000" pitchFamily="2" charset="-78"/>
+              </a:rPr>
               <a:t>Lucene</a:t>
             </a:r>
             <a:r>
-              <a:rPr lang="en-US" dirty="0"/>
+              <a:rPr lang="en-US" sz="3200" dirty="0">
+                <a:cs typeface="B Nazanin" panose="00000400000000000000" pitchFamily="2" charset="-78"/>
+              </a:rPr>
               <a:t> </a:t>
             </a:r>
             <a:r>
-              <a:rPr lang="fa-IR" dirty="0" smtClean="0"/>
+              <a:rPr lang="fa-IR" sz="3200" dirty="0" smtClean="0">
+                <a:cs typeface="B Nazanin" panose="00000400000000000000" pitchFamily="2" charset="-78"/>
+              </a:rPr>
               <a:t> </a:t>
             </a:r>
             <a:r>
-              <a:rPr lang="ar-SA" dirty="0" smtClean="0"/>
+              <a:rPr lang="ar-SA" sz="3200" dirty="0" smtClean="0">
+                <a:cs typeface="B Nazanin" panose="00000400000000000000" pitchFamily="2" charset="-78"/>
+              </a:rPr>
               <a:t>یک </a:t>
             </a:r>
             <a:r>
-              <a:rPr lang="ar-SA" dirty="0"/>
+              <a:rPr lang="ar-SA" sz="3200" dirty="0">
+                <a:cs typeface="B Nazanin" panose="00000400000000000000" pitchFamily="2" charset="-78"/>
+              </a:rPr>
               <a:t>پروژه </a:t>
             </a:r>
             <a:r>
-              <a:rPr lang="ar-SA" dirty="0" smtClean="0"/>
+              <a:rPr lang="ar-SA" sz="3200" dirty="0" smtClean="0">
+                <a:cs typeface="B Nazanin" panose="00000400000000000000" pitchFamily="2" charset="-78"/>
+              </a:rPr>
               <a:t>متن</a:t>
             </a:r>
             <a:r>
-              <a:rPr lang="fa-IR" dirty="0" smtClean="0"/>
+              <a:rPr lang="fa-IR" sz="3200" dirty="0" smtClean="0">
+                <a:cs typeface="B Nazanin" panose="00000400000000000000" pitchFamily="2" charset="-78"/>
+              </a:rPr>
               <a:t> </a:t>
             </a:r>
             <a:r>
-              <a:rPr lang="ar-SA" dirty="0" smtClean="0"/>
+              <a:rPr lang="ar-SA" sz="3200" dirty="0" smtClean="0">
+                <a:cs typeface="B Nazanin" panose="00000400000000000000" pitchFamily="2" charset="-78"/>
+              </a:rPr>
               <a:t>‌باز </a:t>
             </a:r>
             <a:r>
-              <a:rPr lang="ar-SA" dirty="0"/>
+              <a:rPr lang="ar-SA" sz="3200" dirty="0">
+                <a:cs typeface="B Nazanin" panose="00000400000000000000" pitchFamily="2" charset="-78"/>
+              </a:rPr>
               <a:t>به زبان جاوا است که امکان افزودن قابلیت جستجو به برنامه های کاربردی را با مکانیزمی کارا و آسان فراهم </a:t>
             </a:r>
             <a:r>
-              <a:rPr lang="ar-SA" dirty="0" smtClean="0"/>
+              <a:rPr lang="ar-SA" sz="3200" dirty="0" smtClean="0">
+                <a:cs typeface="B Nazanin" panose="00000400000000000000" pitchFamily="2" charset="-78"/>
+              </a:rPr>
               <a:t>می‌آورد. </a:t>
             </a:r>
             <a:r>
-              <a:rPr lang="fa-IR" dirty="0" smtClean="0"/>
+              <a:rPr lang="fa-IR" sz="3200" dirty="0" smtClean="0">
+                <a:cs typeface="B Nazanin" panose="00000400000000000000" pitchFamily="2" charset="-78"/>
+              </a:rPr>
               <a:t>یعنی</a:t>
             </a:r>
             <a:r>
-              <a:rPr lang="ar-SA" dirty="0" smtClean="0"/>
+              <a:rPr lang="ar-SA" sz="3200" dirty="0" smtClean="0">
+                <a:cs typeface="B Nazanin" panose="00000400000000000000" pitchFamily="2" charset="-78"/>
+              </a:rPr>
               <a:t> </a:t>
             </a:r>
             <a:r>
-              <a:rPr lang="en-US" dirty="0" err="1"/>
+              <a:rPr lang="en-US" sz="3200" dirty="0" err="1">
+                <a:cs typeface="B Nazanin" panose="00000400000000000000" pitchFamily="2" charset="-78"/>
+              </a:rPr>
               <a:t>Lucene</a:t>
             </a:r>
             <a:r>
-              <a:rPr lang="ar-SA" dirty="0"/>
+              <a:rPr lang="ar-SA" sz="3200" dirty="0">
+                <a:cs typeface="B Nazanin" panose="00000400000000000000" pitchFamily="2" charset="-78"/>
+              </a:rPr>
               <a:t> مجموعه‌ای از کتابخانه‌های کاربردی و مفید است که می‌توان از آن‌ در توسعه هر نوع برنامه‌ای که می‌خواهید قابلیت جستجو داشته باشد، استفاده کرد. این کتابخانه به زبان جاوا (</a:t>
             </a:r>
             <a:r>
-              <a:rPr lang="en-US" dirty="0"/>
+              <a:rPr lang="en-US" sz="3200" dirty="0">
+                <a:cs typeface="B Nazanin" panose="00000400000000000000" pitchFamily="2" charset="-78"/>
+              </a:rPr>
               <a:t>Java</a:t>
             </a:r>
             <a:r>
-              <a:rPr lang="ar-SA" dirty="0"/>
+              <a:rPr lang="ar-SA" sz="3200" dirty="0">
+                <a:cs typeface="B Nazanin" panose="00000400000000000000" pitchFamily="2" charset="-78"/>
+              </a:rPr>
               <a:t>) نوشته شده و سپس به زبان های </a:t>
             </a:r>
             <a:r>
-              <a:rPr lang="en-US" dirty="0"/>
+              <a:rPr lang="en-US" sz="3200" dirty="0">
+                <a:cs typeface="B Nazanin" panose="00000400000000000000" pitchFamily="2" charset="-78"/>
+              </a:rPr>
               <a:t>Delphi, Perl, C#, C++, Python, Ruby</a:t>
             </a:r>
             <a:r>
-              <a:rPr lang="ar-SA" dirty="0"/>
+              <a:rPr lang="ar-SA" sz="3200" dirty="0">
+                <a:cs typeface="B Nazanin" panose="00000400000000000000" pitchFamily="2" charset="-78"/>
+              </a:rPr>
               <a:t>, و </a:t>
             </a:r>
             <a:r>
-              <a:rPr lang="en-US" dirty="0"/>
+              <a:rPr lang="en-US" sz="3200" dirty="0">
+                <a:cs typeface="B Nazanin" panose="00000400000000000000" pitchFamily="2" charset="-78"/>
+              </a:rPr>
               <a:t>PHP</a:t>
             </a:r>
             <a:r>
-              <a:rPr lang="ar-SA" dirty="0"/>
+              <a:rPr lang="ar-SA" sz="3200" dirty="0">
+                <a:cs typeface="B Nazanin" panose="00000400000000000000" pitchFamily="2" charset="-78"/>
+              </a:rPr>
               <a:t> پیاده سازی </a:t>
             </a:r>
             <a:r>
-              <a:rPr lang="ar-SA" dirty="0" smtClean="0"/>
+              <a:rPr lang="ar-SA" sz="3200" dirty="0" smtClean="0">
+                <a:cs typeface="B Nazanin" panose="00000400000000000000" pitchFamily="2" charset="-78"/>
+              </a:rPr>
               <a:t>شده </a:t>
             </a:r>
             <a:r>
-              <a:rPr lang="ar-SA" dirty="0"/>
+              <a:rPr lang="ar-SA" sz="3200" dirty="0">
+                <a:cs typeface="B Nazanin" panose="00000400000000000000" pitchFamily="2" charset="-78"/>
+              </a:rPr>
               <a:t>است.</a:t>
             </a:r>
-            <a:endParaRPr lang="en-US" dirty="0"/>
+            <a:endParaRPr lang="en-US" sz="3200" dirty="0">
+              <a:cs typeface="B Nazanin" panose="00000400000000000000" pitchFamily="2" charset="-78"/>
+            </a:endParaRPr>
           </a:p>
           <a:p>
             <a:pPr algn="just" rtl="1"/>
@@ -5280,19 +7283,27 @@
         </p:nvSpPr>
         <p:spPr/>
         <p:txBody>
-          <a:bodyPr/>
+          <a:bodyPr>
+            <a:normAutofit/>
+          </a:bodyPr>
           <a:lstStyle/>
           <a:p>
             <a:pPr algn="r" rtl="1"/>
             <a:r>
-              <a:rPr lang="en-US" dirty="0" err="1" smtClean="0"/>
+              <a:rPr lang="en-US" sz="4800" dirty="0" err="1" smtClean="0">
+                <a:cs typeface="B Nazanin" panose="00000400000000000000" pitchFamily="2" charset="-78"/>
+              </a:rPr>
               <a:t>Lucene</a:t>
             </a:r>
             <a:r>
-              <a:rPr lang="fa-IR" dirty="0" smtClean="0"/>
+              <a:rPr lang="fa-IR" sz="4800" dirty="0" smtClean="0">
+                <a:cs typeface="B Nazanin" panose="00000400000000000000" pitchFamily="2" charset="-78"/>
+              </a:rPr>
               <a:t> چگونه ایندکس می‌کند</a:t>
             </a:r>
-            <a:endParaRPr lang="en-US" dirty="0"/>
+            <a:endParaRPr lang="en-US" sz="4800" dirty="0">
+              <a:cs typeface="B Nazanin" panose="00000400000000000000" pitchFamily="2" charset="-78"/>
+            </a:endParaRPr>
           </a:p>
         </p:txBody>
       </p:sp>
@@ -5311,26 +7322,34 @@
           <a:bodyPr/>
           <a:lstStyle/>
           <a:p>
-            <a:pPr algn="r" rtl="1"/>
-            <a:r>
-              <a:rPr lang="en-US" dirty="0" err="1"/>
+            <a:pPr algn="just" rtl="1"/>
+            <a:r>
+              <a:rPr lang="en-US" sz="3200" dirty="0" err="1">
+                <a:cs typeface="B Nazanin" panose="00000400000000000000" pitchFamily="2" charset="-78"/>
+              </a:rPr>
               <a:t>Lucene</a:t>
             </a:r>
             <a:r>
-              <a:rPr lang="ar-SA" dirty="0"/>
+              <a:rPr lang="ar-SA" sz="3200" dirty="0">
+                <a:cs typeface="B Nazanin" panose="00000400000000000000" pitchFamily="2" charset="-78"/>
+              </a:rPr>
               <a:t> جستجوی سریع خود را با استفاده از ایندکس‌ها به نتیجه می‌رساند و به جای استفاده از ایندکس‌های کلاسیک که در آن هر سند شامل لیست کاملی از واژه‌هایی است که در آن وجود دارند از ایندکس‌های وارونه استفاده می‌کند. بدین گونه که برای هر واژه لیستی از سندها را فراهم می‌آورد که آن واژه در آن‌ها وجود دارد. همچنین مکان یا مکان‌هایی که هر واژه در سند تکرار شده است را نیز در لیست اعمال </a:t>
             </a:r>
             <a:r>
-              <a:rPr lang="ar-SA" dirty="0" smtClean="0"/>
+              <a:rPr lang="ar-SA" sz="3200" dirty="0" smtClean="0">
+                <a:cs typeface="B Nazanin" panose="00000400000000000000" pitchFamily="2" charset="-78"/>
+              </a:rPr>
               <a:t>می‌کند</a:t>
             </a:r>
             <a:r>
-              <a:rPr lang="en-US" dirty="0" smtClean="0"/>
+              <a:rPr lang="en-US" sz="3200" dirty="0" smtClean="0">
+                <a:cs typeface="B Nazanin" panose="00000400000000000000" pitchFamily="2" charset="-78"/>
+              </a:rPr>
               <a:t>.</a:t>
             </a:r>
           </a:p>
           <a:p>
-            <a:pPr algn="r" rtl="1"/>
+            <a:pPr algn="just" rtl="1"/>
             <a:endParaRPr lang="en-US" dirty="0"/>
           </a:p>
         </p:txBody>
@@ -5376,7 +7395,7 @@
         </p:nvSpPr>
         <p:spPr bwMode="auto">
           <a:xfrm>
-            <a:off x="838200" y="4001294"/>
+            <a:off x="838200" y="4508288"/>
             <a:ext cx="10515600" cy="2277450"/>
           </a:xfrm>
           <a:prstGeom prst="rect">
@@ -6885,14 +8904,20 @@
           <a:p>
             <a:pPr lvl="1" rtl="1"/>
             <a:r>
-              <a:rPr lang="en-US" sz="3200" dirty="0" err="1" smtClean="0"/>
+              <a:rPr lang="en-US" sz="4000" dirty="0" err="1" smtClean="0">
+                <a:cs typeface="B Nazanin" panose="00000400000000000000" pitchFamily="2" charset="-78"/>
+              </a:rPr>
               <a:t>Lucene</a:t>
             </a:r>
             <a:r>
-              <a:rPr lang="fa-IR" sz="3200" dirty="0" smtClean="0"/>
+              <a:rPr lang="fa-IR" sz="4000" dirty="0" smtClean="0">
+                <a:cs typeface="B Nazanin" panose="00000400000000000000" pitchFamily="2" charset="-78"/>
+              </a:rPr>
               <a:t> چه نوع جست و جوهایی را پشتیبانی می‌کند ؟</a:t>
             </a:r>
-            <a:endParaRPr lang="fa-IR" sz="3200" dirty="0" smtClean="0"/>
+            <a:endParaRPr lang="fa-IR" sz="4000" dirty="0" smtClean="0">
+              <a:cs typeface="B Nazanin" panose="00000400000000000000" pitchFamily="2" charset="-78"/>
+            </a:endParaRPr>
           </a:p>
         </p:txBody>
       </p:sp>
@@ -7327,14 +9352,20 @@
           <a:p>
             <a:pPr lvl="1" rtl="1"/>
             <a:r>
-              <a:rPr lang="fa-IR" sz="3600" dirty="0" smtClean="0"/>
+              <a:rPr lang="fa-IR" sz="4400" dirty="0" smtClean="0">
+                <a:cs typeface="B Nazanin" panose="00000400000000000000" pitchFamily="2" charset="-78"/>
+              </a:rPr>
               <a:t>مراحل استفاده از کتابخانه </a:t>
             </a:r>
             <a:r>
-              <a:rPr lang="en-US" sz="3600" dirty="0" err="1" smtClean="0"/>
+              <a:rPr lang="en-US" sz="4400" dirty="0" err="1" smtClean="0">
+                <a:cs typeface="B Nazanin" panose="00000400000000000000" pitchFamily="2" charset="-78"/>
+              </a:rPr>
               <a:t>lucene</a:t>
             </a:r>
-            <a:endParaRPr lang="en-US" sz="3600" dirty="0"/>
+            <a:endParaRPr lang="en-US" sz="4400" dirty="0">
+              <a:cs typeface="B Nazanin" panose="00000400000000000000" pitchFamily="2" charset="-78"/>
+            </a:endParaRPr>
           </a:p>
         </p:txBody>
       </p:sp>
@@ -7396,7 +9427,7 @@
           <a:p>
             <a:pPr lvl="2" algn="r" rtl="1"/>
             <a:r>
-              <a:rPr lang="en-US" sz="3200" smtClean="0"/>
+              <a:rPr lang="en-US" sz="3200" dirty="0" smtClean="0"/>
               <a:t>search</a:t>
             </a:r>
             <a:endParaRPr lang="fa-IR" sz="3200" dirty="0" smtClean="0"/>
@@ -7407,7 +9438,15 @@
               <a:rPr lang="en-US" sz="2400" dirty="0" err="1" smtClean="0"/>
               <a:t>QueryBuilder</a:t>
             </a:r>
-            <a:endParaRPr lang="en-US" sz="2400" dirty="0"/>
+            <a:r>
+              <a:rPr lang="ar-SA" sz="2400" dirty="0" smtClean="0"/>
+              <a:t> و </a:t>
+            </a:r>
+            <a:r>
+              <a:rPr lang="en-US" sz="2400" dirty="0" smtClean="0"/>
+              <a:t>Query</a:t>
+            </a:r>
+            <a:endParaRPr lang="en-US" sz="2400" dirty="0" smtClean="0"/>
           </a:p>
           <a:p>
             <a:pPr lvl="3" algn="r" rtl="1"/>

--- a/Siavash Hasanpour-921042006.pptx
+++ b/Siavash Hasanpour-921042006.pptx
@@ -128,6 +128,11 @@
       </a:defRPr>
     </a:lvl9pPr>
   </p:defaultTextStyle>
+  <p:extLst>
+    <p:ext uri="{EFAFB233-063F-42B5-8137-9DF3F51BA10A}">
+      <p15:sldGuideLst xmlns:p15="http://schemas.microsoft.com/office/powerpoint/2012/main"/>
+    </p:ext>
+  </p:extLst>
 </p:presentation>
 </file>
 
@@ -262,7 +267,7 @@
           <a:p>
             <a:fld id="{D43049D4-6D4E-4508-8015-E1577E6C7C8F}" type="datetimeFigureOut">
               <a:rPr lang="en-US" smtClean="0"/>
-              <a:t>2/2/2018</a:t>
+              <a:t>2/3/2018</a:t>
             </a:fld>
             <a:endParaRPr lang="en-US"/>
           </a:p>
@@ -432,7 +437,7 @@
           <a:p>
             <a:fld id="{D43049D4-6D4E-4508-8015-E1577E6C7C8F}" type="datetimeFigureOut">
               <a:rPr lang="en-US" smtClean="0"/>
-              <a:t>2/2/2018</a:t>
+              <a:t>2/3/2018</a:t>
             </a:fld>
             <a:endParaRPr lang="en-US"/>
           </a:p>
@@ -612,7 +617,7 @@
           <a:p>
             <a:fld id="{D43049D4-6D4E-4508-8015-E1577E6C7C8F}" type="datetimeFigureOut">
               <a:rPr lang="en-US" smtClean="0"/>
-              <a:t>2/2/2018</a:t>
+              <a:t>2/3/2018</a:t>
             </a:fld>
             <a:endParaRPr lang="en-US"/>
           </a:p>
@@ -782,7 +787,7 @@
           <a:p>
             <a:fld id="{D43049D4-6D4E-4508-8015-E1577E6C7C8F}" type="datetimeFigureOut">
               <a:rPr lang="en-US" smtClean="0"/>
-              <a:t>2/2/2018</a:t>
+              <a:t>2/3/2018</a:t>
             </a:fld>
             <a:endParaRPr lang="en-US"/>
           </a:p>
@@ -1028,7 +1033,7 @@
           <a:p>
             <a:fld id="{D43049D4-6D4E-4508-8015-E1577E6C7C8F}" type="datetimeFigureOut">
               <a:rPr lang="en-US" smtClean="0"/>
-              <a:t>2/2/2018</a:t>
+              <a:t>2/3/2018</a:t>
             </a:fld>
             <a:endParaRPr lang="en-US"/>
           </a:p>
@@ -1260,7 +1265,7 @@
           <a:p>
             <a:fld id="{D43049D4-6D4E-4508-8015-E1577E6C7C8F}" type="datetimeFigureOut">
               <a:rPr lang="en-US" smtClean="0"/>
-              <a:t>2/2/2018</a:t>
+              <a:t>2/3/2018</a:t>
             </a:fld>
             <a:endParaRPr lang="en-US"/>
           </a:p>
@@ -1627,7 +1632,7 @@
           <a:p>
             <a:fld id="{D43049D4-6D4E-4508-8015-E1577E6C7C8F}" type="datetimeFigureOut">
               <a:rPr lang="en-US" smtClean="0"/>
-              <a:t>2/2/2018</a:t>
+              <a:t>2/3/2018</a:t>
             </a:fld>
             <a:endParaRPr lang="en-US"/>
           </a:p>
@@ -1745,7 +1750,7 @@
           <a:p>
             <a:fld id="{D43049D4-6D4E-4508-8015-E1577E6C7C8F}" type="datetimeFigureOut">
               <a:rPr lang="en-US" smtClean="0"/>
-              <a:t>2/2/2018</a:t>
+              <a:t>2/3/2018</a:t>
             </a:fld>
             <a:endParaRPr lang="en-US"/>
           </a:p>
@@ -1840,7 +1845,7 @@
           <a:p>
             <a:fld id="{D43049D4-6D4E-4508-8015-E1577E6C7C8F}" type="datetimeFigureOut">
               <a:rPr lang="en-US" smtClean="0"/>
-              <a:t>2/2/2018</a:t>
+              <a:t>2/3/2018</a:t>
             </a:fld>
             <a:endParaRPr lang="en-US"/>
           </a:p>
@@ -2117,7 +2122,7 @@
           <a:p>
             <a:fld id="{D43049D4-6D4E-4508-8015-E1577E6C7C8F}" type="datetimeFigureOut">
               <a:rPr lang="en-US" smtClean="0"/>
-              <a:t>2/2/2018</a:t>
+              <a:t>2/3/2018</a:t>
             </a:fld>
             <a:endParaRPr lang="en-US"/>
           </a:p>
@@ -2370,7 +2375,7 @@
           <a:p>
             <a:fld id="{D43049D4-6D4E-4508-8015-E1577E6C7C8F}" type="datetimeFigureOut">
               <a:rPr lang="en-US" smtClean="0"/>
-              <a:t>2/2/2018</a:t>
+              <a:t>2/3/2018</a:t>
             </a:fld>
             <a:endParaRPr lang="en-US"/>
           </a:p>
@@ -2583,7 +2588,7 @@
           <a:p>
             <a:fld id="{D43049D4-6D4E-4508-8015-E1577E6C7C8F}" type="datetimeFigureOut">
               <a:rPr lang="en-US" smtClean="0"/>
-              <a:t>2/2/2018</a:t>
+              <a:t>2/3/2018</a:t>
             </a:fld>
             <a:endParaRPr lang="en-US"/>
           </a:p>
@@ -5966,7 +5971,25 @@
               <a:rPr lang="fa-IR" sz="3200" dirty="0" smtClean="0">
                 <a:cs typeface="B Nazanin" panose="00000400000000000000" pitchFamily="2" charset="-78"/>
               </a:rPr>
-              <a:t>از اساتید گروه مخصوصا آقای دکتر اصغریان که در راه من را یاری نموده‌اند نهایت تقدیر و تشکر را دارم.</a:t>
+              <a:t>از اساتید گروه مخصوصا آقای دکتر اصغریان که </a:t>
+            </a:r>
+            <a:r>
+              <a:rPr lang="fa-IR" sz="3200" smtClean="0">
+                <a:cs typeface="B Nazanin" panose="00000400000000000000" pitchFamily="2" charset="-78"/>
+              </a:rPr>
+              <a:t>در </a:t>
+            </a:r>
+            <a:r>
+              <a:rPr lang="fa-IR" sz="3200" smtClean="0">
+                <a:cs typeface="B Nazanin" panose="00000400000000000000" pitchFamily="2" charset="-78"/>
+              </a:rPr>
+              <a:t>این راه </a:t>
+            </a:r>
+            <a:r>
+              <a:rPr lang="fa-IR" sz="3200" dirty="0" smtClean="0">
+                <a:cs typeface="B Nazanin" panose="00000400000000000000" pitchFamily="2" charset="-78"/>
+              </a:rPr>
+              <a:t>من را یاری نموده‌اند نهایت تقدیر و تشکر را دارم.</a:t>
             </a:r>
             <a:endParaRPr lang="en-US" sz="3200" dirty="0">
               <a:cs typeface="B Nazanin" panose="00000400000000000000" pitchFamily="2" charset="-78"/>
@@ -6220,19 +6243,7 @@
               <a:rPr lang="fa-IR" sz="3200" dirty="0" smtClean="0">
                 <a:cs typeface="B Nazanin" panose="00000400000000000000" pitchFamily="2" charset="-78"/>
               </a:rPr>
-              <a:t>حافظه اصلی کامپیوتر خود را به اختیار به </a:t>
-            </a:r>
-            <a:r>
-              <a:rPr lang="fa-IR" sz="3200" dirty="0" smtClean="0">
-                <a:cs typeface="B Nazanin" panose="00000400000000000000" pitchFamily="2" charset="-78"/>
-              </a:rPr>
-              <a:t>نرم افزار میدهیم که </a:t>
-            </a:r>
-            <a:r>
-              <a:rPr lang="fa-IR" sz="3200" dirty="0" smtClean="0">
-                <a:cs typeface="B Nazanin" panose="00000400000000000000" pitchFamily="2" charset="-78"/>
-              </a:rPr>
-              <a:t>ایندکس کرده تا بتوانیم </a:t>
+              <a:t>حافظه اصلی کامپیوتر خود را به اختیار به نرم افزار میدهیم که ایندکس کرده تا بتوانیم </a:t>
             </a:r>
             <a:r>
               <a:rPr lang="fa-IR" sz="3200" dirty="0">
@@ -6353,9 +6364,6 @@
               </a:rPr>
               <a:t>هدف از طراحی این نرم افزار و کاربرد آن</a:t>
             </a:r>
-            <a:endParaRPr lang="fa-IR" sz="4800" dirty="0" smtClean="0">
-              <a:cs typeface="B Nazanin" panose="00000400000000000000" pitchFamily="2" charset="-78"/>
-            </a:endParaRPr>
           </a:p>
         </p:txBody>
       </p:sp>
@@ -8915,9 +8923,6 @@
               </a:rPr>
               <a:t> چه نوع جست و جوهایی را پشتیبانی می‌کند ؟</a:t>
             </a:r>
-            <a:endParaRPr lang="fa-IR" sz="4000" dirty="0" smtClean="0">
-              <a:cs typeface="B Nazanin" panose="00000400000000000000" pitchFamily="2" charset="-78"/>
-            </a:endParaRPr>
           </a:p>
         </p:txBody>
       </p:sp>
@@ -9446,7 +9451,6 @@
               <a:rPr lang="en-US" sz="2400" dirty="0" smtClean="0"/>
               <a:t>Query</a:t>
             </a:r>
-            <a:endParaRPr lang="en-US" sz="2400" dirty="0" smtClean="0"/>
           </a:p>
           <a:p>
             <a:pPr lvl="3" algn="r" rtl="1"/>

--- a/Siavash Hasanpour-921042006.pptx
+++ b/Siavash Hasanpour-921042006.pptx
@@ -6151,8 +6151,8 @@
         </p:nvSpPr>
         <p:spPr>
           <a:xfrm>
-            <a:off x="4914497" y="1342254"/>
-            <a:ext cx="2020105" cy="1200329"/>
+            <a:off x="4908085" y="1342254"/>
+            <a:ext cx="2032929" cy="1323439"/>
           </a:xfrm>
           <a:prstGeom prst="rect">
             <a:avLst/>
@@ -6167,30 +6167,44 @@
           <a:p>
             <a:pPr algn="ctr" rtl="1"/>
             <a:r>
-              <a:rPr lang="fa-IR" b="1" dirty="0"/>
+              <a:rPr lang="fa-IR" sz="2000" b="1" dirty="0">
+                <a:cs typeface="B Nazanin" panose="00000400000000000000" pitchFamily="2" charset="-78"/>
+              </a:rPr>
               <a:t>دانشگاه اروميه</a:t>
             </a:r>
-            <a:endParaRPr lang="en-US" dirty="0"/>
+            <a:endParaRPr lang="en-US" sz="2000" dirty="0">
+              <a:cs typeface="B Nazanin" panose="00000400000000000000" pitchFamily="2" charset="-78"/>
+            </a:endParaRPr>
           </a:p>
           <a:p>
             <a:pPr algn="ctr" rtl="1"/>
             <a:r>
-              <a:rPr lang="fa-IR" b="1" dirty="0"/>
+              <a:rPr lang="fa-IR" sz="2000" b="1" dirty="0">
+                <a:cs typeface="B Nazanin" panose="00000400000000000000" pitchFamily="2" charset="-78"/>
+              </a:rPr>
               <a:t>دانشکده فنی و مهندسی</a:t>
             </a:r>
-            <a:endParaRPr lang="en-US" dirty="0"/>
+            <a:endParaRPr lang="en-US" sz="2000" dirty="0">
+              <a:cs typeface="B Nazanin" panose="00000400000000000000" pitchFamily="2" charset="-78"/>
+            </a:endParaRPr>
           </a:p>
           <a:p>
             <a:pPr algn="ctr" rtl="1"/>
             <a:r>
-              <a:rPr lang="fa-IR" b="1" dirty="0"/>
+              <a:rPr lang="fa-IR" sz="2000" b="1" dirty="0">
+                <a:cs typeface="B Nazanin" panose="00000400000000000000" pitchFamily="2" charset="-78"/>
+              </a:rPr>
               <a:t>گروه مهندسی کامپيوتر</a:t>
             </a:r>
-            <a:endParaRPr lang="en-US" dirty="0"/>
+            <a:endParaRPr lang="en-US" sz="2000" dirty="0">
+              <a:cs typeface="B Nazanin" panose="00000400000000000000" pitchFamily="2" charset="-78"/>
+            </a:endParaRPr>
           </a:p>
           <a:p>
             <a:pPr algn="ctr" rtl="1"/>
-            <a:endParaRPr lang="en-US" dirty="0"/>
+            <a:endParaRPr lang="en-US" sz="2000" dirty="0">
+              <a:cs typeface="B Nazanin" panose="00000400000000000000" pitchFamily="2" charset="-78"/>
+            </a:endParaRPr>
           </a:p>
         </p:txBody>
       </p:sp>
@@ -6277,89 +6291,148 @@
             <p:ph idx="1"/>
           </p:nvPr>
         </p:nvSpPr>
-        <p:spPr/>
+        <p:spPr>
+          <a:xfrm>
+            <a:off x="559639" y="2051948"/>
+            <a:ext cx="8596668" cy="3880773"/>
+          </a:xfrm>
+        </p:spPr>
         <p:txBody>
           <a:bodyPr>
-            <a:normAutofit fontScale="85000" lnSpcReduction="20000"/>
+            <a:noAutofit/>
           </a:bodyPr>
           <a:lstStyle/>
           <a:p>
             <a:pPr lvl="1" algn="r" rtl="1"/>
             <a:r>
-              <a:rPr lang="en-US" sz="3400" dirty="0" smtClean="0"/>
+              <a:rPr lang="en-US" sz="2400" dirty="0" smtClean="0">
+                <a:latin typeface="Arial" panose="020B0604020202020204" pitchFamily="34" charset="0"/>
+                <a:cs typeface="Arial" panose="020B0604020202020204" pitchFamily="34" charset="0"/>
+              </a:rPr>
               <a:t>index</a:t>
             </a:r>
-            <a:endParaRPr lang="fa-IR" sz="3400" dirty="0" smtClean="0"/>
+            <a:endParaRPr lang="fa-IR" sz="2400" dirty="0" smtClean="0">
+              <a:latin typeface="Arial" panose="020B0604020202020204" pitchFamily="34" charset="0"/>
+              <a:cs typeface="Arial" panose="020B0604020202020204" pitchFamily="34" charset="0"/>
+            </a:endParaRPr>
           </a:p>
           <a:p>
             <a:pPr lvl="2" algn="r" rtl="1"/>
             <a:r>
-              <a:rPr lang="en-US" sz="2600" dirty="0" smtClean="0"/>
+              <a:rPr lang="en-US" sz="2400" dirty="0" smtClean="0">
+                <a:latin typeface="Arial" panose="020B0604020202020204" pitchFamily="34" charset="0"/>
+                <a:cs typeface="Arial" panose="020B0604020202020204" pitchFamily="34" charset="0"/>
+              </a:rPr>
               <a:t>Directories</a:t>
             </a:r>
-            <a:endParaRPr lang="fa-IR" sz="2600" dirty="0" smtClean="0"/>
+            <a:endParaRPr lang="fa-IR" sz="2400" dirty="0" smtClean="0">
+              <a:latin typeface="Arial" panose="020B0604020202020204" pitchFamily="34" charset="0"/>
+              <a:cs typeface="Arial" panose="020B0604020202020204" pitchFamily="34" charset="0"/>
+            </a:endParaRPr>
           </a:p>
           <a:p>
             <a:pPr lvl="2" algn="r" rtl="1"/>
             <a:r>
-              <a:rPr lang="en-US" sz="2600" dirty="0" smtClean="0"/>
+              <a:rPr lang="en-US" sz="2400" dirty="0" smtClean="0">
+                <a:latin typeface="Arial" panose="020B0604020202020204" pitchFamily="34" charset="0"/>
+                <a:cs typeface="Arial" panose="020B0604020202020204" pitchFamily="34" charset="0"/>
+              </a:rPr>
               <a:t>Documents</a:t>
             </a:r>
-            <a:endParaRPr lang="en-US" sz="2600" dirty="0"/>
+            <a:endParaRPr lang="en-US" sz="2400" dirty="0">
+              <a:latin typeface="Arial" panose="020B0604020202020204" pitchFamily="34" charset="0"/>
+              <a:cs typeface="Arial" panose="020B0604020202020204" pitchFamily="34" charset="0"/>
+            </a:endParaRPr>
           </a:p>
           <a:p>
             <a:pPr lvl="2" algn="r" rtl="1"/>
             <a:r>
-              <a:rPr lang="en-US" sz="2600" dirty="0" smtClean="0"/>
+              <a:rPr lang="en-US" sz="2400" dirty="0" smtClean="0">
+                <a:latin typeface="Arial" panose="020B0604020202020204" pitchFamily="34" charset="0"/>
+                <a:cs typeface="Arial" panose="020B0604020202020204" pitchFamily="34" charset="0"/>
+              </a:rPr>
               <a:t>Fields</a:t>
             </a:r>
           </a:p>
           <a:p>
             <a:pPr lvl="2" algn="r" rtl="1"/>
             <a:r>
-              <a:rPr lang="en-US" sz="2600" dirty="0" smtClean="0"/>
+              <a:rPr lang="en-US" sz="2400" dirty="0" smtClean="0">
+                <a:latin typeface="Arial" panose="020B0604020202020204" pitchFamily="34" charset="0"/>
+                <a:cs typeface="Arial" panose="020B0604020202020204" pitchFamily="34" charset="0"/>
+              </a:rPr>
               <a:t>Analyzer</a:t>
             </a:r>
-            <a:endParaRPr lang="en-US" sz="2600" dirty="0"/>
+            <a:endParaRPr lang="en-US" sz="2400" dirty="0">
+              <a:latin typeface="Arial" panose="020B0604020202020204" pitchFamily="34" charset="0"/>
+              <a:cs typeface="Arial" panose="020B0604020202020204" pitchFamily="34" charset="0"/>
+            </a:endParaRPr>
           </a:p>
           <a:p>
             <a:pPr lvl="1" algn="r" rtl="1"/>
             <a:r>
-              <a:rPr lang="en-US" sz="3400" dirty="0" smtClean="0"/>
+              <a:rPr lang="en-US" sz="2400" dirty="0" smtClean="0">
+                <a:latin typeface="Arial" panose="020B0604020202020204" pitchFamily="34" charset="0"/>
+                <a:cs typeface="Arial" panose="020B0604020202020204" pitchFamily="34" charset="0"/>
+              </a:rPr>
               <a:t>search</a:t>
             </a:r>
-            <a:endParaRPr lang="fa-IR" sz="3400" dirty="0" smtClean="0"/>
+            <a:endParaRPr lang="fa-IR" sz="2400" dirty="0" smtClean="0">
+              <a:latin typeface="Arial" panose="020B0604020202020204" pitchFamily="34" charset="0"/>
+              <a:cs typeface="Arial" panose="020B0604020202020204" pitchFamily="34" charset="0"/>
+            </a:endParaRPr>
           </a:p>
           <a:p>
             <a:pPr lvl="2" algn="r" rtl="1"/>
             <a:r>
-              <a:rPr lang="en-US" sz="2600" dirty="0" err="1" smtClean="0"/>
+              <a:rPr lang="en-US" sz="2400" dirty="0" err="1" smtClean="0">
+                <a:latin typeface="Arial" panose="020B0604020202020204" pitchFamily="34" charset="0"/>
+                <a:cs typeface="Arial" panose="020B0604020202020204" pitchFamily="34" charset="0"/>
+              </a:rPr>
               <a:t>QueryBuilder</a:t>
             </a:r>
             <a:r>
-              <a:rPr lang="ar-SA" sz="2600" dirty="0" smtClean="0"/>
+              <a:rPr lang="ar-SA" sz="2400" dirty="0" smtClean="0">
+                <a:latin typeface="Arial" panose="020B0604020202020204" pitchFamily="34" charset="0"/>
+                <a:cs typeface="Arial" panose="020B0604020202020204" pitchFamily="34" charset="0"/>
+              </a:rPr>
               <a:t> و </a:t>
             </a:r>
             <a:r>
-              <a:rPr lang="en-US" sz="2600" dirty="0" smtClean="0"/>
+              <a:rPr lang="en-US" sz="2400" dirty="0" smtClean="0">
+                <a:latin typeface="Arial" panose="020B0604020202020204" pitchFamily="34" charset="0"/>
+                <a:cs typeface="Arial" panose="020B0604020202020204" pitchFamily="34" charset="0"/>
+              </a:rPr>
               <a:t>Query</a:t>
             </a:r>
           </a:p>
           <a:p>
             <a:pPr lvl="2" algn="r" rtl="1"/>
             <a:r>
-              <a:rPr lang="en-US" sz="2600" dirty="0" err="1" smtClean="0"/>
+              <a:rPr lang="en-US" sz="2400" dirty="0" err="1" smtClean="0">
+                <a:latin typeface="Arial" panose="020B0604020202020204" pitchFamily="34" charset="0"/>
+                <a:cs typeface="Arial" panose="020B0604020202020204" pitchFamily="34" charset="0"/>
+              </a:rPr>
               <a:t>IndexReader</a:t>
             </a:r>
-            <a:endParaRPr lang="fa-IR" sz="2600" dirty="0" smtClean="0"/>
+            <a:endParaRPr lang="fa-IR" sz="2400" dirty="0" smtClean="0">
+              <a:latin typeface="Arial" panose="020B0604020202020204" pitchFamily="34" charset="0"/>
+              <a:cs typeface="Arial" panose="020B0604020202020204" pitchFamily="34" charset="0"/>
+            </a:endParaRPr>
           </a:p>
           <a:p>
             <a:pPr lvl="2" algn="r" rtl="1"/>
             <a:r>
-              <a:rPr lang="en-US" sz="2600" dirty="0" err="1" smtClean="0"/>
+              <a:rPr lang="en-US" sz="2400" dirty="0" err="1" smtClean="0">
+                <a:latin typeface="Arial" panose="020B0604020202020204" pitchFamily="34" charset="0"/>
+                <a:cs typeface="Arial" panose="020B0604020202020204" pitchFamily="34" charset="0"/>
+              </a:rPr>
               <a:t>IndexSearcher</a:t>
             </a:r>
-            <a:endParaRPr lang="en-US" sz="2600" dirty="0"/>
+            <a:endParaRPr lang="en-US" sz="2400" dirty="0">
+              <a:latin typeface="Arial" panose="020B0604020202020204" pitchFamily="34" charset="0"/>
+              <a:cs typeface="Arial" panose="020B0604020202020204" pitchFamily="34" charset="0"/>
+            </a:endParaRPr>
           </a:p>
         </p:txBody>
       </p:sp>
@@ -6623,29 +6696,31 @@
         </p:nvSpPr>
         <p:spPr/>
         <p:txBody>
-          <a:bodyPr/>
+          <a:bodyPr>
+            <a:normAutofit/>
+          </a:bodyPr>
           <a:lstStyle/>
           <a:p>
             <a:pPr algn="r" rtl="1"/>
             <a:r>
-              <a:rPr lang="fa-IR" dirty="0" smtClean="0">
+              <a:rPr lang="fa-IR" sz="4000" dirty="0" smtClean="0">
                 <a:cs typeface="B Nazanin" panose="00000400000000000000" pitchFamily="2" charset="-78"/>
               </a:rPr>
               <a:t>زبان و </a:t>
             </a:r>
             <a:r>
-              <a:rPr lang="fa-IR" dirty="0">
+              <a:rPr lang="fa-IR" sz="4000" dirty="0">
                 <a:cs typeface="B Nazanin" panose="00000400000000000000" pitchFamily="2" charset="-78"/>
               </a:rPr>
               <a:t>محیط </a:t>
             </a:r>
             <a:r>
-              <a:rPr lang="fa-IR" dirty="0" smtClean="0">
+              <a:rPr lang="fa-IR" sz="4000" dirty="0" smtClean="0">
                 <a:cs typeface="B Nazanin" panose="00000400000000000000" pitchFamily="2" charset="-78"/>
               </a:rPr>
               <a:t>برنامه نویسی و  ابزار ها مورد استفاده</a:t>
             </a:r>
-            <a:endParaRPr lang="en-US" dirty="0">
+            <a:endParaRPr lang="en-US" sz="4000" dirty="0">
               <a:cs typeface="B Nazanin" panose="00000400000000000000" pitchFamily="2" charset="-78"/>
             </a:endParaRPr>
           </a:p>
@@ -6663,40 +6738,42 @@
         </p:nvSpPr>
         <p:spPr/>
         <p:txBody>
-          <a:bodyPr/>
+          <a:bodyPr>
+            <a:normAutofit/>
+          </a:bodyPr>
           <a:lstStyle/>
           <a:p>
             <a:pPr algn="r" rtl="1"/>
             <a:r>
-              <a:rPr lang="fa-IR" dirty="0" smtClean="0">
+              <a:rPr lang="fa-IR" sz="2800" dirty="0" smtClean="0">
                 <a:latin typeface="Arial" panose="020B0604020202020204" pitchFamily="34" charset="0"/>
                 <a:cs typeface="B Nazanin" panose="00000400000000000000" pitchFamily="2" charset="-78"/>
               </a:rPr>
               <a:t>با زبان </a:t>
             </a:r>
             <a:r>
-              <a:rPr lang="en-US" dirty="0" smtClean="0">
+              <a:rPr lang="en-US" sz="2800" dirty="0" smtClean="0">
                 <a:latin typeface="Arial" panose="020B0604020202020204" pitchFamily="34" charset="0"/>
                 <a:cs typeface="B Nazanin" panose="00000400000000000000" pitchFamily="2" charset="-78"/>
               </a:rPr>
               <a:t> C#</a:t>
             </a:r>
             <a:r>
-              <a:rPr lang="fa-IR" dirty="0" smtClean="0">
+              <a:rPr lang="fa-IR" sz="2800" dirty="0" smtClean="0">
                 <a:latin typeface="Arial" panose="020B0604020202020204" pitchFamily="34" charset="0"/>
                 <a:cs typeface="B Nazanin" panose="00000400000000000000" pitchFamily="2" charset="-78"/>
               </a:rPr>
               <a:t>و با زیرسیستم گرافیکی </a:t>
             </a:r>
             <a:r>
-              <a:rPr lang="en-US" dirty="0" smtClean="0">
+              <a:rPr lang="en-US" sz="2800" dirty="0" smtClean="0">
                 <a:latin typeface="Arial" panose="020B0604020202020204" pitchFamily="34" charset="0"/>
                 <a:cs typeface="B Nazanin" panose="00000400000000000000" pitchFamily="2" charset="-78"/>
               </a:rPr>
               <a:t>WPF</a:t>
             </a:r>
             <a:r>
-              <a:rPr lang="fa-IR" dirty="0" smtClean="0">
+              <a:rPr lang="fa-IR" sz="2800" dirty="0" smtClean="0">
                 <a:latin typeface="Arial" panose="020B0604020202020204" pitchFamily="34" charset="0"/>
                 <a:cs typeface="B Nazanin" panose="00000400000000000000" pitchFamily="2" charset="-78"/>
               </a:rPr>
@@ -6706,21 +6783,21 @@
           <a:p>
             <a:pPr algn="r" rtl="1"/>
             <a:r>
-              <a:rPr lang="fa-IR" dirty="0" smtClean="0">
+              <a:rPr lang="fa-IR" sz="2800" dirty="0" smtClean="0">
                 <a:latin typeface="Arial" panose="020B0604020202020204" pitchFamily="34" charset="0"/>
                 <a:cs typeface="B Nazanin" panose="00000400000000000000" pitchFamily="2" charset="-78"/>
               </a:rPr>
               <a:t>در محیط برنامه نویسی </a:t>
             </a:r>
             <a:r>
-              <a:rPr lang="en-US" dirty="0" smtClean="0">
+              <a:rPr lang="en-US" sz="2800" dirty="0" smtClean="0">
                 <a:latin typeface="Arial" panose="020B0604020202020204" pitchFamily="34" charset="0"/>
                 <a:cs typeface="B Nazanin" panose="00000400000000000000" pitchFamily="2" charset="-78"/>
               </a:rPr>
               <a:t>Visual Studio</a:t>
             </a:r>
             <a:r>
-              <a:rPr lang="fa-IR" dirty="0" smtClean="0">
+              <a:rPr lang="fa-IR" sz="2800" dirty="0" smtClean="0">
                 <a:latin typeface="Arial" panose="020B0604020202020204" pitchFamily="34" charset="0"/>
                 <a:cs typeface="B Nazanin" panose="00000400000000000000" pitchFamily="2" charset="-78"/>
               </a:rPr>
@@ -6730,28 +6807,28 @@
           <a:p>
             <a:pPr algn="r" rtl="1"/>
             <a:r>
-              <a:rPr lang="fa-IR" dirty="0" smtClean="0">
+              <a:rPr lang="fa-IR" sz="2800" dirty="0" smtClean="0">
                 <a:latin typeface="Arial" panose="020B0604020202020204" pitchFamily="34" charset="0"/>
                 <a:cs typeface="B Nazanin" panose="00000400000000000000" pitchFamily="2" charset="-78"/>
               </a:rPr>
               <a:t>و نیز از ابزار </a:t>
             </a:r>
             <a:r>
-              <a:rPr lang="en-US" dirty="0" err="1" smtClean="0">
+              <a:rPr lang="en-US" sz="2800" dirty="0" err="1" smtClean="0">
                 <a:latin typeface="Arial" panose="020B0604020202020204" pitchFamily="34" charset="0"/>
                 <a:cs typeface="B Nazanin" panose="00000400000000000000" pitchFamily="2" charset="-78"/>
               </a:rPr>
               <a:t>git</a:t>
             </a:r>
             <a:r>
-              <a:rPr lang="fa-IR" dirty="0">
+              <a:rPr lang="fa-IR" sz="2800" dirty="0">
                 <a:latin typeface="Arial" panose="020B0604020202020204" pitchFamily="34" charset="0"/>
                 <a:cs typeface="B Nazanin" panose="00000400000000000000" pitchFamily="2" charset="-78"/>
               </a:rPr>
               <a:t> </a:t>
             </a:r>
             <a:r>
-              <a:rPr lang="fa-IR" dirty="0" smtClean="0">
+              <a:rPr lang="fa-IR" sz="2800" dirty="0" smtClean="0">
                 <a:latin typeface="Arial" panose="020B0604020202020204" pitchFamily="34" charset="0"/>
                 <a:cs typeface="B Nazanin" panose="00000400000000000000" pitchFamily="2" charset="-78"/>
               </a:rPr>
@@ -6801,6 +6878,13 @@
   <p:clrMapOvr>
     <a:masterClrMapping/>
   </p:clrMapOvr>
+  <p:timing>
+    <p:tnLst>
+      <p:par>
+        <p:cTn id="1" dur="indefinite" restart="never" nodeType="tmRoot"/>
+      </p:par>
+    </p:tnLst>
+  </p:timing>
 </p:sld>
 </file>
 
@@ -6833,23 +6917,25 @@
         </p:nvSpPr>
         <p:spPr/>
         <p:txBody>
-          <a:bodyPr/>
+          <a:bodyPr>
+            <a:normAutofit/>
+          </a:bodyPr>
           <a:lstStyle/>
           <a:p>
             <a:pPr algn="r"/>
             <a:r>
-              <a:rPr lang="fa-IR" dirty="0" smtClean="0">
+              <a:rPr lang="fa-IR" sz="4000" dirty="0" smtClean="0">
                 <a:cs typeface="B Nazanin" panose="00000400000000000000" pitchFamily="2" charset="-78"/>
               </a:rPr>
               <a:t>بخش‌های </a:t>
             </a:r>
             <a:r>
-              <a:rPr lang="fa-IR" dirty="0" smtClean="0">
+              <a:rPr lang="fa-IR" sz="4000" dirty="0" smtClean="0">
                 <a:cs typeface="B Nazanin" panose="00000400000000000000" pitchFamily="2" charset="-78"/>
               </a:rPr>
               <a:t>اصلی پروژه</a:t>
             </a:r>
-            <a:endParaRPr lang="en-US" dirty="0">
+            <a:endParaRPr lang="en-US" sz="4000" dirty="0">
               <a:cs typeface="B Nazanin" panose="00000400000000000000" pitchFamily="2" charset="-78"/>
             </a:endParaRPr>
           </a:p>
@@ -6874,7 +6960,7 @@
           <a:p>
             <a:pPr algn="r" rtl="1"/>
             <a:r>
-              <a:rPr lang="fa-IR" sz="3200" dirty="0" smtClean="0">
+              <a:rPr lang="fa-IR" sz="2800" dirty="0" smtClean="0">
                 <a:latin typeface="Arial" panose="020B0604020202020204" pitchFamily="34" charset="0"/>
                 <a:cs typeface="B Nazanin" panose="00000400000000000000" pitchFamily="2" charset="-78"/>
               </a:rPr>
@@ -6884,7 +6970,7 @@
           <a:p>
             <a:pPr algn="r" rtl="1"/>
             <a:r>
-              <a:rPr lang="fa-IR" sz="3200" dirty="0" smtClean="0">
+              <a:rPr lang="fa-IR" sz="2800" dirty="0" smtClean="0">
                 <a:latin typeface="Arial" panose="020B0604020202020204" pitchFamily="34" charset="0"/>
                 <a:cs typeface="B Nazanin" panose="00000400000000000000" pitchFamily="2" charset="-78"/>
               </a:rPr>
@@ -6894,14 +6980,14 @@
           <a:p>
             <a:pPr algn="r" rtl="1"/>
             <a:r>
-              <a:rPr lang="fa-IR" sz="3200" dirty="0" smtClean="0">
+              <a:rPr lang="fa-IR" sz="2800" dirty="0" smtClean="0">
                 <a:latin typeface="Arial" panose="020B0604020202020204" pitchFamily="34" charset="0"/>
                 <a:cs typeface="B Nazanin" panose="00000400000000000000" pitchFamily="2" charset="-78"/>
               </a:rPr>
               <a:t>فاز </a:t>
             </a:r>
             <a:r>
-              <a:rPr lang="en-US" sz="3200" dirty="0" smtClean="0">
+              <a:rPr lang="en-US" sz="2800" dirty="0" smtClean="0">
                 <a:latin typeface="Arial" panose="020B0604020202020204" pitchFamily="34" charset="0"/>
                 <a:cs typeface="B Nazanin" panose="00000400000000000000" pitchFamily="2" charset="-78"/>
               </a:rPr>
@@ -6911,20 +6997,20 @@
           <a:p>
             <a:pPr algn="r" rtl="1"/>
             <a:r>
-              <a:rPr lang="fa-IR" sz="3200" dirty="0" smtClean="0">
+              <a:rPr lang="fa-IR" sz="2800" dirty="0" smtClean="0">
                 <a:latin typeface="Arial" panose="020B0604020202020204" pitchFamily="34" charset="0"/>
                 <a:cs typeface="B Nazanin" panose="00000400000000000000" pitchFamily="2" charset="-78"/>
               </a:rPr>
               <a:t>فاز </a:t>
             </a:r>
             <a:r>
-              <a:rPr lang="en-US" sz="3200" dirty="0" smtClean="0">
+              <a:rPr lang="en-US" sz="2800" dirty="0" smtClean="0">
                 <a:latin typeface="Arial" panose="020B0604020202020204" pitchFamily="34" charset="0"/>
                 <a:cs typeface="B Nazanin" panose="00000400000000000000" pitchFamily="2" charset="-78"/>
               </a:rPr>
               <a:t>search</a:t>
             </a:r>
-            <a:endParaRPr lang="en-US" sz="3200" dirty="0">
+            <a:endParaRPr lang="en-US" sz="2800" dirty="0">
               <a:latin typeface="Arial" panose="020B0604020202020204" pitchFamily="34" charset="0"/>
               <a:cs typeface="B Nazanin" panose="00000400000000000000" pitchFamily="2" charset="-78"/>
             </a:endParaRPr>
@@ -7011,17 +7097,19 @@
         </p:nvSpPr>
         <p:spPr/>
         <p:txBody>
-          <a:bodyPr/>
+          <a:bodyPr>
+            <a:normAutofit/>
+          </a:bodyPr>
           <a:lstStyle/>
           <a:p>
             <a:pPr algn="r"/>
             <a:r>
-              <a:rPr lang="fa-IR" dirty="0" smtClean="0">
+              <a:rPr lang="fa-IR" sz="4400" dirty="0" smtClean="0">
                 <a:cs typeface="B Nazanin" panose="00000400000000000000" pitchFamily="2" charset="-78"/>
               </a:rPr>
               <a:t>استخراج فایل</a:t>
             </a:r>
-            <a:endParaRPr lang="en-US" dirty="0">
+            <a:endParaRPr lang="en-US" sz="4400" dirty="0">
               <a:cs typeface="B Nazanin" panose="00000400000000000000" pitchFamily="2" charset="-78"/>
             </a:endParaRPr>
           </a:p>
@@ -7046,7 +7134,7 @@
           <a:p>
             <a:pPr algn="r" rtl="1"/>
             <a:r>
-              <a:rPr lang="fa-IR" sz="2400" dirty="0" smtClean="0">
+              <a:rPr lang="fa-IR" sz="2800" dirty="0" smtClean="0">
                 <a:cs typeface="B Nazanin" panose="00000400000000000000" pitchFamily="2" charset="-78"/>
               </a:rPr>
               <a:t>در این فاز از صف استفاده شده است.</a:t>
@@ -7055,46 +7143,48 @@
           <a:p>
             <a:pPr algn="r" rtl="1"/>
             <a:r>
-              <a:rPr lang="fa-IR" sz="2400" dirty="0" smtClean="0">
+              <a:rPr lang="fa-IR" sz="2800" dirty="0" smtClean="0">
                 <a:cs typeface="B Nazanin" panose="00000400000000000000" pitchFamily="2" charset="-78"/>
               </a:rPr>
               <a:t>به این صورت که هر پوشه که باز شد پوشه های موجود در آن را به صف اضافه </a:t>
             </a:r>
             <a:r>
-              <a:rPr lang="fa-IR" sz="2400" dirty="0" smtClean="0">
+              <a:rPr lang="fa-IR" sz="2800" dirty="0" smtClean="0">
                 <a:cs typeface="B Nazanin" panose="00000400000000000000" pitchFamily="2" charset="-78"/>
               </a:rPr>
               <a:t>کرده</a:t>
             </a:r>
           </a:p>
           <a:p>
-            <a:pPr algn="r" rtl="1"/>
-            <a:endParaRPr lang="fa-IR" sz="2400" dirty="0">
+            <a:pPr marL="0" indent="0" algn="r" rtl="1">
+              <a:buNone/>
+            </a:pPr>
+            <a:endParaRPr lang="fa-IR" sz="2800" dirty="0" smtClean="0">
               <a:cs typeface="B Nazanin" panose="00000400000000000000" pitchFamily="2" charset="-78"/>
             </a:endParaRPr>
           </a:p>
           <a:p>
             <a:pPr algn="r" rtl="1"/>
-            <a:endParaRPr lang="fa-IR" sz="2400" dirty="0" smtClean="0">
+            <a:endParaRPr lang="fa-IR" sz="2800" dirty="0">
               <a:cs typeface="B Nazanin" panose="00000400000000000000" pitchFamily="2" charset="-78"/>
             </a:endParaRPr>
           </a:p>
           <a:p>
             <a:pPr algn="r" rtl="1"/>
-            <a:endParaRPr lang="fa-IR" sz="2400" dirty="0">
+            <a:endParaRPr lang="en-US" sz="600" dirty="0" smtClean="0">
               <a:cs typeface="B Nazanin" panose="00000400000000000000" pitchFamily="2" charset="-78"/>
             </a:endParaRPr>
           </a:p>
           <a:p>
             <a:pPr algn="r" rtl="1"/>
             <a:r>
-              <a:rPr lang="fa-IR" sz="2400" dirty="0" smtClean="0">
+              <a:rPr lang="fa-IR" sz="2800" dirty="0" smtClean="0">
                 <a:cs typeface="B Nazanin" panose="00000400000000000000" pitchFamily="2" charset="-78"/>
               </a:rPr>
               <a:t>و </a:t>
             </a:r>
             <a:r>
-              <a:rPr lang="fa-IR" sz="2400" dirty="0" smtClean="0">
+              <a:rPr lang="fa-IR" sz="2800" dirty="0" smtClean="0">
                 <a:cs typeface="B Nazanin" panose="00000400000000000000" pitchFamily="2" charset="-78"/>
               </a:rPr>
               <a:t>فایل ها را نیز به فاز بعدی یعنی فاز استخراج متن می‌فرستیم.</a:t>
@@ -7148,7 +7238,7 @@
         </p:blipFill>
         <p:spPr>
           <a:xfrm>
-            <a:off x="1093693" y="3191344"/>
+            <a:off x="677334" y="3625909"/>
             <a:ext cx="7371183" cy="1250302"/>
           </a:xfrm>
           <a:prstGeom prst="rect">
@@ -7171,7 +7261,7 @@
         </p:blipFill>
         <p:spPr>
           <a:xfrm>
-            <a:off x="1093693" y="5279362"/>
+            <a:off x="677334" y="5669667"/>
             <a:ext cx="7369587" cy="599440"/>
           </a:xfrm>
           <a:prstGeom prst="rect">
@@ -7226,17 +7316,28 @@
             <p:ph type="title"/>
           </p:nvPr>
         </p:nvSpPr>
-        <p:spPr/>
-        <p:txBody>
-          <a:bodyPr/>
+        <p:spPr>
+          <a:xfrm>
+            <a:off x="677334" y="600547"/>
+            <a:ext cx="8596668" cy="1320800"/>
+          </a:xfrm>
+        </p:spPr>
+        <p:txBody>
+          <a:bodyPr>
+            <a:normAutofit/>
+          </a:bodyPr>
           <a:lstStyle/>
           <a:p>
             <a:pPr algn="r" rtl="1"/>
             <a:r>
-              <a:rPr lang="fa-IR" dirty="0" smtClean="0"/>
+              <a:rPr lang="fa-IR" sz="4400" dirty="0" smtClean="0">
+                <a:cs typeface="B Nazanin" panose="00000400000000000000" pitchFamily="2" charset="-78"/>
+              </a:rPr>
               <a:t>استخراج متن فایل</a:t>
             </a:r>
-            <a:endParaRPr lang="en-US" dirty="0"/>
+            <a:endParaRPr lang="en-US" sz="4400" dirty="0">
+              <a:cs typeface="B Nazanin" panose="00000400000000000000" pitchFamily="2" charset="-78"/>
+            </a:endParaRPr>
           </a:p>
         </p:txBody>
       </p:sp>
@@ -7259,7 +7360,7 @@
           <a:p>
             <a:pPr algn="r" rtl="1"/>
             <a:r>
-              <a:rPr lang="fa-IR" sz="2200" dirty="0" smtClean="0">
+              <a:rPr lang="fa-IR" sz="2400" dirty="0" smtClean="0">
                 <a:latin typeface="Arial" panose="020B0604020202020204" pitchFamily="34" charset="0"/>
                 <a:cs typeface="B Nazanin" panose="00000400000000000000" pitchFamily="2" charset="-78"/>
               </a:rPr>
@@ -7269,42 +7370,42 @@
           <a:p>
             <a:pPr algn="r" rtl="1"/>
             <a:r>
-              <a:rPr lang="fa-IR" sz="2200" dirty="0" smtClean="0">
+              <a:rPr lang="fa-IR" sz="2400" dirty="0" smtClean="0">
                 <a:latin typeface="Arial" panose="020B0604020202020204" pitchFamily="34" charset="0"/>
                 <a:cs typeface="B Nazanin" panose="00000400000000000000" pitchFamily="2" charset="-78"/>
               </a:rPr>
               <a:t>برای فرمت </a:t>
             </a:r>
             <a:r>
-              <a:rPr lang="en-US" sz="2200" dirty="0" smtClean="0">
+              <a:rPr lang="en-US" sz="2400" dirty="0" smtClean="0">
                 <a:latin typeface="Arial" panose="020B0604020202020204" pitchFamily="34" charset="0"/>
                 <a:cs typeface="B Nazanin" panose="00000400000000000000" pitchFamily="2" charset="-78"/>
               </a:rPr>
               <a:t>pdf</a:t>
             </a:r>
             <a:r>
-              <a:rPr lang="fa-IR" sz="2200" dirty="0" smtClean="0">
+              <a:rPr lang="fa-IR" sz="2400" dirty="0" smtClean="0">
                 <a:latin typeface="Arial" panose="020B0604020202020204" pitchFamily="34" charset="0"/>
                 <a:cs typeface="B Nazanin" panose="00000400000000000000" pitchFamily="2" charset="-78"/>
               </a:rPr>
               <a:t> از کتابخانه </a:t>
             </a:r>
             <a:r>
-              <a:rPr lang="en-US" sz="2200" dirty="0" smtClean="0">
+              <a:rPr lang="en-US" sz="2400" dirty="0" smtClean="0">
                 <a:latin typeface="Arial" panose="020B0604020202020204" pitchFamily="34" charset="0"/>
                 <a:cs typeface="B Nazanin" panose="00000400000000000000" pitchFamily="2" charset="-78"/>
               </a:rPr>
               <a:t> </a:t>
             </a:r>
             <a:r>
-              <a:rPr lang="en-US" sz="2200" dirty="0" err="1" smtClean="0">
+              <a:rPr lang="en-US" sz="2400" dirty="0" err="1" smtClean="0">
                 <a:latin typeface="Arial" panose="020B0604020202020204" pitchFamily="34" charset="0"/>
                 <a:cs typeface="B Nazanin" panose="00000400000000000000" pitchFamily="2" charset="-78"/>
               </a:rPr>
               <a:t>iTextSharp</a:t>
             </a:r>
             <a:r>
-              <a:rPr lang="fa-IR" sz="2200" dirty="0" smtClean="0">
+              <a:rPr lang="fa-IR" sz="2400" dirty="0" smtClean="0">
                 <a:latin typeface="Arial" panose="020B0604020202020204" pitchFamily="34" charset="0"/>
                 <a:cs typeface="B Nazanin" panose="00000400000000000000" pitchFamily="2" charset="-78"/>
               </a:rPr>
@@ -7320,7 +7421,7 @@
           </a:p>
           <a:p>
             <a:pPr algn="r" rtl="1"/>
-            <a:endParaRPr lang="fa-IR" sz="2200" dirty="0">
+            <a:endParaRPr lang="fa-IR" sz="700" dirty="0">
               <a:latin typeface="Arial" panose="020B0604020202020204" pitchFamily="34" charset="0"/>
               <a:cs typeface="B Nazanin" panose="00000400000000000000" pitchFamily="2" charset="-78"/>
             </a:endParaRPr>
@@ -7404,7 +7505,7 @@
           </a:p>
           <a:p>
             <a:pPr algn="r" rtl="1"/>
-            <a:endParaRPr lang="fa-IR" sz="2200" dirty="0">
+            <a:endParaRPr lang="fa-IR" sz="1100" dirty="0">
               <a:latin typeface="Arial" panose="020B0604020202020204" pitchFamily="34" charset="0"/>
               <a:cs typeface="B Nazanin" panose="00000400000000000000" pitchFamily="2" charset="-78"/>
             </a:endParaRPr>
@@ -7416,35 +7517,14 @@
                 <a:latin typeface="Arial" panose="020B0604020202020204" pitchFamily="34" charset="0"/>
                 <a:cs typeface="B Nazanin" panose="00000400000000000000" pitchFamily="2" charset="-78"/>
               </a:rPr>
-              <a:t>و برای بقیه فرمت ها از</a:t>
-            </a:r>
-            <a:r>
-              <a:rPr lang="en-US" sz="2200" dirty="0" smtClean="0">
-                <a:latin typeface="Arial" panose="020B0604020202020204" pitchFamily="34" charset="0"/>
-                <a:cs typeface="B Nazanin" panose="00000400000000000000" pitchFamily="2" charset="-78"/>
-              </a:rPr>
-              <a:t> </a:t>
-            </a:r>
-            <a:r>
-              <a:rPr lang="en-US" sz="2200" dirty="0" err="1" smtClean="0">
-                <a:latin typeface="Arial" panose="020B0604020202020204" pitchFamily="34" charset="0"/>
-                <a:cs typeface="B Nazanin" panose="00000400000000000000" pitchFamily="2" charset="-78"/>
-              </a:rPr>
-              <a:t>System.IO.StreamReader</a:t>
-            </a:r>
-            <a:r>
-              <a:rPr lang="en-US" sz="2200" dirty="0">
-                <a:latin typeface="Arial" panose="020B0604020202020204" pitchFamily="34" charset="0"/>
-                <a:cs typeface="B Nazanin" panose="00000400000000000000" pitchFamily="2" charset="-78"/>
-              </a:rPr>
-              <a:t> </a:t>
+              <a:t>و برای بقیه فرمت </a:t>
             </a:r>
             <a:r>
               <a:rPr lang="fa-IR" sz="2200" dirty="0" smtClean="0">
                 <a:latin typeface="Arial" panose="020B0604020202020204" pitchFamily="34" charset="0"/>
                 <a:cs typeface="B Nazanin" panose="00000400000000000000" pitchFamily="2" charset="-78"/>
               </a:rPr>
-              <a:t> استفاده شده است.</a:t>
+              <a:t>ها</a:t>
             </a:r>
             <a:endParaRPr lang="en-US" sz="2200" dirty="0">
               <a:latin typeface="Arial" panose="020B0604020202020204" pitchFamily="34" charset="0"/>
@@ -7499,7 +7579,7 @@
         </p:blipFill>
         <p:spPr>
           <a:xfrm>
-            <a:off x="434340" y="4564288"/>
+            <a:off x="419100" y="4731180"/>
             <a:ext cx="7391400" cy="590126"/>
           </a:xfrm>
           <a:prstGeom prst="rect">
@@ -7522,7 +7602,7 @@
         </p:blipFill>
         <p:spPr>
           <a:xfrm>
-            <a:off x="434340" y="3228527"/>
+            <a:off x="388620" y="3476135"/>
             <a:ext cx="7406640" cy="624840"/>
           </a:xfrm>
           <a:prstGeom prst="rect">
@@ -7602,25 +7682,27 @@
         </p:nvSpPr>
         <p:spPr/>
         <p:txBody>
-          <a:bodyPr/>
+          <a:bodyPr>
+            <a:normAutofit/>
+          </a:bodyPr>
           <a:lstStyle/>
           <a:p>
             <a:pPr algn="r" rtl="1"/>
             <a:r>
-              <a:rPr lang="fa-IR" dirty="0" smtClean="0">
+              <a:rPr lang="fa-IR" sz="4400" dirty="0" smtClean="0">
                 <a:latin typeface="Arial" panose="020B0604020202020204" pitchFamily="34" charset="0"/>
                 <a:cs typeface="B Nazanin" panose="00000400000000000000" pitchFamily="2" charset="-78"/>
               </a:rPr>
               <a:t>فاز </a:t>
             </a:r>
             <a:r>
-              <a:rPr lang="en-US" dirty="0" smtClean="0">
+              <a:rPr lang="en-US" sz="4400" dirty="0" smtClean="0">
                 <a:latin typeface="Arial" panose="020B0604020202020204" pitchFamily="34" charset="0"/>
                 <a:cs typeface="B Nazanin" panose="00000400000000000000" pitchFamily="2" charset="-78"/>
               </a:rPr>
               <a:t>index</a:t>
             </a:r>
-            <a:endParaRPr lang="en-US" dirty="0">
+            <a:endParaRPr lang="en-US" sz="4400" dirty="0">
               <a:latin typeface="Arial" panose="020B0604020202020204" pitchFamily="34" charset="0"/>
               <a:cs typeface="B Nazanin" panose="00000400000000000000" pitchFamily="2" charset="-78"/>
             </a:endParaRPr>
@@ -7646,19 +7728,12 @@
           <a:p>
             <a:pPr algn="r" rtl="1"/>
             <a:r>
-              <a:rPr lang="fa-IR" sz="2400" dirty="0" smtClean="0">
+              <a:rPr lang="fa-IR" sz="2800" dirty="0" smtClean="0">
                 <a:latin typeface="Arial" panose="020B0604020202020204" pitchFamily="34" charset="0"/>
                 <a:cs typeface="B Nazanin" panose="00000400000000000000" pitchFamily="2" charset="-78"/>
               </a:rPr>
               <a:t>همان طور که قبلا اشاره شد ایندکس کردن خود ۴ فاز دارد که به شرح زیر است:</a:t>
             </a:r>
-            <a:endParaRPr lang="en-US" sz="2400" dirty="0" smtClean="0">
-              <a:latin typeface="Arial" panose="020B0604020202020204" pitchFamily="34" charset="0"/>
-              <a:cs typeface="B Nazanin" panose="00000400000000000000" pitchFamily="2" charset="-78"/>
-            </a:endParaRPr>
-          </a:p>
-          <a:p>
-            <a:pPr algn="r" rtl="1"/>
             <a:endParaRPr lang="en-US" sz="2400" dirty="0">
               <a:latin typeface="Arial" panose="020B0604020202020204" pitchFamily="34" charset="0"/>
               <a:cs typeface="B Nazanin" panose="00000400000000000000" pitchFamily="2" charset="-78"/>
@@ -7876,6 +7951,13 @@
   <p:clrMapOvr>
     <a:masterClrMapping/>
   </p:clrMapOvr>
+  <p:timing>
+    <p:tnLst>
+      <p:par>
+        <p:cTn id="1" dur="indefinite" restart="never" nodeType="tmRoot"/>
+      </p:par>
+    </p:tnLst>
+  </p:timing>
 </p:sld>
 </file>
 
@@ -7906,25 +7988,32 @@
             <p:ph type="title"/>
           </p:nvPr>
         </p:nvSpPr>
-        <p:spPr/>
-        <p:txBody>
-          <a:bodyPr/>
+        <p:spPr>
+          <a:xfrm>
+            <a:off x="677334" y="591494"/>
+            <a:ext cx="8596668" cy="1320800"/>
+          </a:xfrm>
+        </p:spPr>
+        <p:txBody>
+          <a:bodyPr>
+            <a:normAutofit/>
+          </a:bodyPr>
           <a:lstStyle/>
           <a:p>
             <a:pPr algn="r" rtl="1"/>
             <a:r>
-              <a:rPr lang="fa-IR" dirty="0" smtClean="0">
+              <a:rPr lang="fa-IR" sz="4400" dirty="0" smtClean="0">
                 <a:cs typeface="B Nazanin" panose="00000400000000000000" pitchFamily="2" charset="-78"/>
               </a:rPr>
               <a:t>فاز </a:t>
             </a:r>
             <a:r>
-              <a:rPr lang="en-US" dirty="0" smtClean="0">
+              <a:rPr lang="en-US" sz="4400" dirty="0" smtClean="0">
                 <a:cs typeface="B Nazanin" panose="00000400000000000000" pitchFamily="2" charset="-78"/>
               </a:rPr>
               <a:t>search</a:t>
             </a:r>
-            <a:endParaRPr lang="en-US" dirty="0">
+            <a:endParaRPr lang="en-US" sz="4400" dirty="0">
               <a:cs typeface="B Nazanin" panose="00000400000000000000" pitchFamily="2" charset="-78"/>
             </a:endParaRPr>
           </a:p>
@@ -7949,35 +8038,35 @@
           <a:p>
             <a:pPr algn="r" rtl="1"/>
             <a:r>
-              <a:rPr lang="fa-IR" sz="2200" dirty="0" smtClean="0">
+              <a:rPr lang="fa-IR" sz="2800" dirty="0" smtClean="0">
                 <a:latin typeface="Arial" panose="020B0604020202020204" pitchFamily="34" charset="0"/>
                 <a:cs typeface="B Nazanin" panose="00000400000000000000" pitchFamily="2" charset="-78"/>
               </a:rPr>
               <a:t>فاز </a:t>
             </a:r>
             <a:r>
-              <a:rPr lang="en-US" sz="2200" dirty="0" smtClean="0">
+              <a:rPr lang="en-US" sz="2800" dirty="0" smtClean="0">
                 <a:latin typeface="Arial" panose="020B0604020202020204" pitchFamily="34" charset="0"/>
                 <a:cs typeface="B Nazanin" panose="00000400000000000000" pitchFamily="2" charset="-78"/>
               </a:rPr>
               <a:t>search</a:t>
             </a:r>
             <a:r>
-              <a:rPr lang="fa-IR" sz="2200" dirty="0" smtClean="0">
+              <a:rPr lang="fa-IR" sz="2800" dirty="0" smtClean="0">
                 <a:latin typeface="Arial" panose="020B0604020202020204" pitchFamily="34" charset="0"/>
                 <a:cs typeface="B Nazanin" panose="00000400000000000000" pitchFamily="2" charset="-78"/>
               </a:rPr>
               <a:t> شامل ۳ مرحله</a:t>
             </a:r>
             <a:r>
-              <a:rPr lang="fa-IR" sz="2200" dirty="0">
+              <a:rPr lang="fa-IR" sz="2800" dirty="0">
                 <a:latin typeface="Arial" panose="020B0604020202020204" pitchFamily="34" charset="0"/>
                 <a:cs typeface="B Nazanin" panose="00000400000000000000" pitchFamily="2" charset="-78"/>
               </a:rPr>
               <a:t> </a:t>
             </a:r>
             <a:r>
-              <a:rPr lang="fa-IR" sz="2200" dirty="0" smtClean="0">
+              <a:rPr lang="fa-IR" sz="2800" dirty="0" smtClean="0">
                 <a:latin typeface="Arial" panose="020B0604020202020204" pitchFamily="34" charset="0"/>
                 <a:cs typeface="B Nazanin" panose="00000400000000000000" pitchFamily="2" charset="-78"/>
               </a:rPr>
@@ -8161,6 +8250,13 @@
   <p:clrMapOvr>
     <a:masterClrMapping/>
   </p:clrMapOvr>
+  <p:timing>
+    <p:tnLst>
+      <p:par>
+        <p:cTn id="1" dur="indefinite" restart="never" nodeType="tmRoot"/>
+      </p:par>
+    </p:tnLst>
+  </p:timing>
 </p:sld>
 </file>
 
@@ -8228,7 +8324,7 @@
           <a:p>
             <a:pPr algn="r" rtl="1"/>
             <a:r>
-              <a:rPr lang="fa-IR" dirty="0" smtClean="0">
+              <a:rPr lang="fa-IR" sz="2800" dirty="0" smtClean="0">
                 <a:cs typeface="B Nazanin" panose="00000400000000000000" pitchFamily="2" charset="-78"/>
               </a:rPr>
               <a:t>این پروژه رابطه کاربری ساده‌ای دارد که به شرح زیر است:</a:t>
@@ -8249,7 +8345,7 @@
           <p:nvPr>
             <p:extLst>
               <p:ext uri="{D42A27DB-BD31-4B8C-83A1-F6EECF244321}">
-                <p14:modId xmlns:p14="http://schemas.microsoft.com/office/powerpoint/2010/main" val="1039312967"/>
+                <p14:modId xmlns:p14="http://schemas.microsoft.com/office/powerpoint/2010/main" val="3922720533"/>
               </p:ext>
             </p:extLst>
           </p:nvPr>
@@ -8286,22 +8382,24 @@
                         </a:spcAft>
                       </a:pPr>
                       <a:r>
-                        <a:rPr lang="fa-IR" sz="2400" dirty="0">
+                        <a:rPr lang="fa-IR" sz="2400" b="0" dirty="0">
                           <a:effectLst/>
+                          <a:latin typeface="Arial" panose="020B0604020202020204" pitchFamily="34" charset="0"/>
                           <a:cs typeface="B Nazanin" panose="00000400000000000000" pitchFamily="2" charset="-78"/>
                         </a:rPr>
                         <a:t>عملکرد </a:t>
                       </a:r>
                       <a:r>
-                        <a:rPr lang="en-US" sz="2400" dirty="0">
+                        <a:rPr lang="en-US" sz="2400" b="0" dirty="0">
                           <a:effectLst/>
+                          <a:latin typeface="Arial" panose="020B0604020202020204" pitchFamily="34" charset="0"/>
                           <a:cs typeface="B Nazanin" panose="00000400000000000000" pitchFamily="2" charset="-78"/>
                         </a:rPr>
                         <a:t>view</a:t>
                       </a:r>
-                      <a:endParaRPr lang="en-US" sz="2400" dirty="0">
+                      <a:endParaRPr lang="en-US" sz="2400" b="0" dirty="0">
                         <a:effectLst/>
-                        <a:latin typeface="Times New Roman" panose="02020603050405020304" pitchFamily="18" charset="0"/>
+                        <a:latin typeface="Arial" panose="020B0604020202020204" pitchFamily="34" charset="0"/>
                         <a:ea typeface="Times New Roman" panose="02020603050405020304" pitchFamily="18" charset="0"/>
                         <a:cs typeface="B Nazanin" panose="00000400000000000000" pitchFamily="2" charset="-78"/>
                       </a:endParaRPr>
@@ -8326,22 +8424,24 @@
                         </a:spcAft>
                       </a:pPr>
                       <a:r>
-                        <a:rPr lang="fa-IR" sz="2400" dirty="0">
+                        <a:rPr lang="fa-IR" sz="2400" b="0" dirty="0">
                           <a:effectLst/>
+                          <a:latin typeface="Arial" panose="020B0604020202020204" pitchFamily="34" charset="0"/>
                           <a:cs typeface="B Nazanin" panose="00000400000000000000" pitchFamily="2" charset="-78"/>
                         </a:rPr>
                         <a:t>نام </a:t>
                       </a:r>
                       <a:r>
-                        <a:rPr lang="en-US" sz="2400" dirty="0">
+                        <a:rPr lang="en-US" sz="2400" b="0" dirty="0">
                           <a:effectLst/>
+                          <a:latin typeface="Arial" panose="020B0604020202020204" pitchFamily="34" charset="0"/>
                           <a:cs typeface="B Nazanin" panose="00000400000000000000" pitchFamily="2" charset="-78"/>
                         </a:rPr>
                         <a:t>view</a:t>
                       </a:r>
-                      <a:endParaRPr lang="en-US" sz="2400" dirty="0">
+                      <a:endParaRPr lang="en-US" sz="2400" b="0" dirty="0">
                         <a:effectLst/>
-                        <a:latin typeface="Times New Roman" panose="02020603050405020304" pitchFamily="18" charset="0"/>
+                        <a:latin typeface="Arial" panose="020B0604020202020204" pitchFamily="34" charset="0"/>
                         <a:ea typeface="Times New Roman" panose="02020603050405020304" pitchFamily="18" charset="0"/>
                         <a:cs typeface="B Nazanin" panose="00000400000000000000" pitchFamily="2" charset="-78"/>
                       </a:endParaRPr>
@@ -8370,13 +8470,15 @@
                       <a:r>
                         <a:rPr lang="fa-IR" sz="2400" dirty="0">
                           <a:effectLst/>
+                          <a:latin typeface="Arial" panose="020B0604020202020204" pitchFamily="34" charset="0"/>
                           <a:cs typeface="B Nazanin" panose="00000400000000000000" pitchFamily="2" charset="-78"/>
                         </a:rPr>
                         <a:t>برای نمایش انتخاب گزینه های ‌‌</a:t>
                       </a:r>
                       <a:r>
-                        <a:rPr lang="en-US" sz="2400" dirty="0">
+                        <a:rPr lang="en-US" sz="2400" b="0" dirty="0">
                           <a:effectLst/>
+                          <a:latin typeface="Arial" panose="020B0604020202020204" pitchFamily="34" charset="0"/>
                           <a:cs typeface="B Nazanin" panose="00000400000000000000" pitchFamily="2" charset="-78"/>
                         </a:rPr>
                         <a:t>index</a:t>
@@ -8384,20 +8486,22 @@
                       <a:r>
                         <a:rPr lang="fa-IR" sz="2400" dirty="0">
                           <a:effectLst/>
+                          <a:latin typeface="Arial" panose="020B0604020202020204" pitchFamily="34" charset="0"/>
                           <a:cs typeface="B Nazanin" panose="00000400000000000000" pitchFamily="2" charset="-78"/>
                         </a:rPr>
                         <a:t> و </a:t>
                       </a:r>
                       <a:r>
-                        <a:rPr lang="en-US" sz="2400" dirty="0">
+                        <a:rPr lang="en-US" sz="2400" b="0" dirty="0">
                           <a:effectLst/>
+                          <a:latin typeface="Arial" panose="020B0604020202020204" pitchFamily="34" charset="0"/>
                           <a:cs typeface="B Nazanin" panose="00000400000000000000" pitchFamily="2" charset="-78"/>
                         </a:rPr>
                         <a:t>search</a:t>
                       </a:r>
-                      <a:endParaRPr lang="en-US" sz="2400" dirty="0">
+                      <a:endParaRPr lang="en-US" sz="2400" b="0" dirty="0">
                         <a:effectLst/>
-                        <a:latin typeface="Times New Roman" panose="02020603050405020304" pitchFamily="18" charset="0"/>
+                        <a:latin typeface="Arial" panose="020B0604020202020204" pitchFamily="34" charset="0"/>
                         <a:ea typeface="Times New Roman" panose="02020603050405020304" pitchFamily="18" charset="0"/>
                         <a:cs typeface="B Nazanin" panose="00000400000000000000" pitchFamily="2" charset="-78"/>
                       </a:endParaRPr>
@@ -8424,7 +8528,7 @@
                       <a:r>
                         <a:rPr lang="en-US" sz="2400" dirty="0" smtClean="0">
                           <a:effectLst/>
-                          <a:latin typeface="+mn-lt"/>
+                          <a:latin typeface="Arial" panose="020B0604020202020204" pitchFamily="34" charset="0"/>
                           <a:ea typeface="+mn-ea"/>
                           <a:cs typeface="B Nazanin" panose="00000400000000000000" pitchFamily="2" charset="-78"/>
                         </a:rPr>
@@ -8432,7 +8536,7 @@
                       </a:r>
                       <a:endParaRPr lang="en-US" sz="2400" dirty="0">
                         <a:effectLst/>
-                        <a:latin typeface="Times New Roman" panose="02020603050405020304" pitchFamily="18" charset="0"/>
+                        <a:latin typeface="Arial" panose="020B0604020202020204" pitchFamily="34" charset="0"/>
                         <a:ea typeface="Times New Roman" panose="02020603050405020304" pitchFamily="18" charset="0"/>
                         <a:cs typeface="B Nazanin" panose="00000400000000000000" pitchFamily="2" charset="-78"/>
                       </a:endParaRPr>
@@ -8461,13 +8565,15 @@
                       <a:r>
                         <a:rPr lang="fa-IR" sz="2400" dirty="0">
                           <a:effectLst/>
+                          <a:latin typeface="Arial" panose="020B0604020202020204" pitchFamily="34" charset="0"/>
                           <a:cs typeface="B Nazanin" panose="00000400000000000000" pitchFamily="2" charset="-78"/>
                         </a:rPr>
                         <a:t>برای وارد کردن مسیر برای </a:t>
                       </a:r>
                       <a:r>
-                        <a:rPr lang="en-US" sz="2400" dirty="0">
+                        <a:rPr lang="en-US" sz="2400" b="0" dirty="0">
                           <a:effectLst/>
+                          <a:latin typeface="Arial" panose="020B0604020202020204" pitchFamily="34" charset="0"/>
                           <a:cs typeface="B Nazanin" panose="00000400000000000000" pitchFamily="2" charset="-78"/>
                         </a:rPr>
                         <a:t>index</a:t>
@@ -8475,13 +8581,14 @@
                       <a:r>
                         <a:rPr lang="fa-IR" sz="2400" dirty="0">
                           <a:effectLst/>
+                          <a:latin typeface="Arial" panose="020B0604020202020204" pitchFamily="34" charset="0"/>
                           <a:cs typeface="B Nazanin" panose="00000400000000000000" pitchFamily="2" charset="-78"/>
                         </a:rPr>
                         <a:t> شدن</a:t>
                       </a:r>
                       <a:endParaRPr lang="en-US" sz="2400" dirty="0">
                         <a:effectLst/>
-                        <a:latin typeface="Times New Roman" panose="02020603050405020304" pitchFamily="18" charset="0"/>
+                        <a:latin typeface="Arial" panose="020B0604020202020204" pitchFamily="34" charset="0"/>
                         <a:ea typeface="Times New Roman" panose="02020603050405020304" pitchFamily="18" charset="0"/>
                         <a:cs typeface="B Nazanin" panose="00000400000000000000" pitchFamily="2" charset="-78"/>
                       </a:endParaRPr>
@@ -8508,13 +8615,14 @@
                       <a:r>
                         <a:rPr lang="en-US" sz="2400" dirty="0" smtClean="0">
                           <a:effectLst/>
+                          <a:latin typeface="Arial" panose="020B0604020202020204" pitchFamily="34" charset="0"/>
                           <a:cs typeface="B Nazanin" panose="00000400000000000000" pitchFamily="2" charset="-78"/>
                         </a:rPr>
                         <a:t>Index</a:t>
                       </a:r>
                       <a:endParaRPr lang="en-US" sz="2400" dirty="0">
                         <a:effectLst/>
-                        <a:latin typeface="Times New Roman" panose="02020603050405020304" pitchFamily="18" charset="0"/>
+                        <a:latin typeface="Arial" panose="020B0604020202020204" pitchFamily="34" charset="0"/>
                         <a:ea typeface="Times New Roman" panose="02020603050405020304" pitchFamily="18" charset="0"/>
                         <a:cs typeface="B Nazanin" panose="00000400000000000000" pitchFamily="2" charset="-78"/>
                       </a:endParaRPr>
@@ -8543,13 +8651,15 @@
                       <a:r>
                         <a:rPr lang="fa-IR" sz="2400" dirty="0">
                           <a:effectLst/>
+                          <a:latin typeface="Arial" panose="020B0604020202020204" pitchFamily="34" charset="0"/>
                           <a:cs typeface="B Nazanin" panose="00000400000000000000" pitchFamily="2" charset="-78"/>
                         </a:rPr>
                         <a:t>برای وارد کردن ‌</a:t>
                       </a:r>
                       <a:r>
-                        <a:rPr lang="en-US" sz="2400" dirty="0">
+                        <a:rPr lang="en-US" sz="2400" b="0" dirty="0">
                           <a:effectLst/>
+                          <a:latin typeface="Arial" panose="020B0604020202020204" pitchFamily="34" charset="0"/>
                           <a:cs typeface="B Nazanin" panose="00000400000000000000" pitchFamily="2" charset="-78"/>
                         </a:rPr>
                         <a:t>query</a:t>
@@ -8557,13 +8667,14 @@
                       <a:r>
                         <a:rPr lang="fa-IR" sz="2400" dirty="0">
                           <a:effectLst/>
+                          <a:latin typeface="Arial" panose="020B0604020202020204" pitchFamily="34" charset="0"/>
                           <a:cs typeface="B Nazanin" panose="00000400000000000000" pitchFamily="2" charset="-78"/>
                         </a:rPr>
                         <a:t> و نمایش حاصل جست و جو</a:t>
                       </a:r>
                       <a:endParaRPr lang="en-US" sz="2400" dirty="0">
                         <a:effectLst/>
-                        <a:latin typeface="Times New Roman" panose="02020603050405020304" pitchFamily="18" charset="0"/>
+                        <a:latin typeface="Arial" panose="020B0604020202020204" pitchFamily="34" charset="0"/>
                         <a:ea typeface="Times New Roman" panose="02020603050405020304" pitchFamily="18" charset="0"/>
                         <a:cs typeface="B Nazanin" panose="00000400000000000000" pitchFamily="2" charset="-78"/>
                       </a:endParaRPr>
@@ -8590,13 +8701,14 @@
                       <a:r>
                         <a:rPr lang="en-US" sz="2400" dirty="0">
                           <a:effectLst/>
+                          <a:latin typeface="Arial" panose="020B0604020202020204" pitchFamily="34" charset="0"/>
                           <a:cs typeface="B Nazanin" panose="00000400000000000000" pitchFamily="2" charset="-78"/>
                         </a:rPr>
                         <a:t>Search</a:t>
                       </a:r>
                       <a:endParaRPr lang="en-US" sz="2400" dirty="0">
                         <a:effectLst/>
-                        <a:latin typeface="Times New Roman" panose="02020603050405020304" pitchFamily="18" charset="0"/>
+                        <a:latin typeface="Arial" panose="020B0604020202020204" pitchFamily="34" charset="0"/>
                         <a:ea typeface="Times New Roman" panose="02020603050405020304" pitchFamily="18" charset="0"/>
                         <a:cs typeface="B Nazanin" panose="00000400000000000000" pitchFamily="2" charset="-78"/>
                       </a:endParaRPr>
@@ -9398,7 +9510,7 @@
           <a:p>
             <a:pPr algn="r" rtl="1"/>
             <a:r>
-              <a:rPr lang="fa-IR" sz="3200" dirty="0" smtClean="0">
+              <a:rPr lang="fa-IR" sz="2800" dirty="0" smtClean="0">
                 <a:cs typeface="B Nazanin" panose="00000400000000000000" pitchFamily="2" charset="-78"/>
               </a:rPr>
               <a:t>در این پروژه سعی شده است یک نرم افزار متور جست و جو برای کامپیوترهای شخصی و حتی سرورها طراحی شود .</a:t>
@@ -9407,15 +9519,17 @@
           <a:p>
             <a:pPr algn="r" rtl="1"/>
             <a:r>
-              <a:rPr lang="fa-IR" sz="3200" dirty="0" smtClean="0">
+              <a:rPr lang="fa-IR" sz="2800" dirty="0" smtClean="0">
                 <a:cs typeface="B Nazanin" panose="00000400000000000000" pitchFamily="2" charset="-78"/>
               </a:rPr>
               <a:t>جای پیشرفت این برنامه وجود دارد به عنوان مثال می‌توان به عنوان سرویس برای ویندوز طراحی شود .</a:t>
             </a:r>
           </a:p>
           <a:p>
-            <a:pPr algn="r" rtl="1"/>
-            <a:endParaRPr lang="en-US" sz="3200" dirty="0">
+            <a:pPr marL="0" indent="0" algn="r" rtl="1">
+              <a:buNone/>
+            </a:pPr>
+            <a:endParaRPr lang="en-US" sz="2800" dirty="0">
               <a:cs typeface="B Nazanin" panose="00000400000000000000" pitchFamily="2" charset="-78"/>
             </a:endParaRPr>
           </a:p>
@@ -9501,17 +9615,19 @@
         </p:nvSpPr>
         <p:spPr/>
         <p:txBody>
-          <a:bodyPr/>
+          <a:bodyPr>
+            <a:normAutofit/>
+          </a:bodyPr>
           <a:lstStyle/>
           <a:p>
             <a:pPr algn="r" rtl="1"/>
             <a:r>
-              <a:rPr lang="fa-IR" dirty="0" smtClean="0">
+              <a:rPr lang="fa-IR" sz="4800" dirty="0" smtClean="0">
                 <a:cs typeface="B Nazanin" panose="00000400000000000000" pitchFamily="2" charset="-78"/>
               </a:rPr>
               <a:t>منابع</a:t>
             </a:r>
-            <a:endParaRPr lang="en-US" dirty="0">
+            <a:endParaRPr lang="en-US" sz="4800" dirty="0">
               <a:cs typeface="B Nazanin" panose="00000400000000000000" pitchFamily="2" charset="-78"/>
             </a:endParaRPr>
           </a:p>
@@ -9529,27 +9645,29 @@
         </p:nvSpPr>
         <p:spPr/>
         <p:txBody>
-          <a:bodyPr/>
+          <a:bodyPr>
+            <a:normAutofit/>
+          </a:bodyPr>
           <a:lstStyle/>
           <a:p>
             <a:pPr algn="r" rtl="1"/>
             <a:r>
-              <a:rPr lang="en-US" dirty="0" smtClean="0">
+              <a:rPr lang="en-US" sz="2800" dirty="0" smtClean="0">
                 <a:hlinkClick r:id="rId2"/>
               </a:rPr>
               <a:t>lucene.apache.org</a:t>
             </a:r>
-            <a:endParaRPr lang="en-US" dirty="0" smtClean="0"/>
+            <a:endParaRPr lang="en-US" sz="2800" dirty="0" smtClean="0"/>
           </a:p>
           <a:p>
             <a:pPr algn="r" rtl="1"/>
             <a:r>
-              <a:rPr lang="en-US" dirty="0" smtClean="0">
+              <a:rPr lang="en-US" sz="2800" dirty="0" smtClean="0">
                 <a:hlinkClick r:id="rId3"/>
               </a:rPr>
               <a:t>barzideh.blog.ir</a:t>
             </a:r>
-            <a:endParaRPr lang="en-US" dirty="0"/>
+            <a:endParaRPr lang="en-US" sz="2800" dirty="0"/>
           </a:p>
         </p:txBody>
       </p:sp>
@@ -9672,24 +9790,12 @@
               <a:buNone/>
             </a:pPr>
             <a:r>
-              <a:rPr lang="fa-IR" sz="3200" dirty="0" smtClean="0">
-                <a:cs typeface="B Nazanin" panose="00000400000000000000" pitchFamily="2" charset="-78"/>
-              </a:rPr>
-              <a:t>از اساتید گروه مخصوصا آقای دکتر اصغریان که </a:t>
-            </a:r>
-            <a:r>
-              <a:rPr lang="fa-IR" sz="3200" smtClean="0">
-                <a:cs typeface="B Nazanin" panose="00000400000000000000" pitchFamily="2" charset="-78"/>
-              </a:rPr>
-              <a:t>در این راه </a:t>
-            </a:r>
-            <a:r>
-              <a:rPr lang="fa-IR" sz="3200" dirty="0" smtClean="0">
-                <a:cs typeface="B Nazanin" panose="00000400000000000000" pitchFamily="2" charset="-78"/>
-              </a:rPr>
-              <a:t>من را یاری نموده‌اند نهایت تقدیر و تشکر را دارم.</a:t>
-            </a:r>
-            <a:endParaRPr lang="en-US" sz="3200" dirty="0">
+              <a:rPr lang="fa-IR" sz="2800" dirty="0" smtClean="0">
+                <a:cs typeface="B Nazanin" panose="00000400000000000000" pitchFamily="2" charset="-78"/>
+              </a:rPr>
+              <a:t>از اساتید گروه مخصوصا آقای دکتر اصغریان که در این راه من را یاری نموده‌اند نهایت تقدیر و تشکر را دارم.</a:t>
+            </a:r>
+            <a:endParaRPr lang="en-US" sz="2800" dirty="0">
               <a:cs typeface="B Nazanin" panose="00000400000000000000" pitchFamily="2" charset="-78"/>
             </a:endParaRPr>
           </a:p>
@@ -10151,32 +10257,32 @@
               </a:lnSpc>
             </a:pPr>
             <a:r>
-              <a:rPr lang="fa-IR" sz="3200" dirty="0" smtClean="0">
+              <a:rPr lang="fa-IR" sz="2800" dirty="0" smtClean="0">
                 <a:cs typeface="B Nazanin" panose="00000400000000000000" pitchFamily="2" charset="-78"/>
               </a:rPr>
               <a:t>این پروژه یک نرم افزار </a:t>
             </a:r>
             <a:r>
-              <a:rPr lang="fa-IR" sz="3200" dirty="0">
+              <a:rPr lang="fa-IR" sz="2800" dirty="0">
                 <a:cs typeface="B Nazanin" panose="00000400000000000000" pitchFamily="2" charset="-78"/>
               </a:rPr>
               <a:t>ایندکسینگ و جست و </a:t>
             </a:r>
             <a:r>
-              <a:rPr lang="fa-IR" sz="3200" dirty="0" smtClean="0">
+              <a:rPr lang="fa-IR" sz="2800" dirty="0" smtClean="0">
                 <a:cs typeface="B Nazanin" panose="00000400000000000000" pitchFamily="2" charset="-78"/>
               </a:rPr>
               <a:t>جو فایل های متن گرا است که با استفاده از کتابخانه </a:t>
             </a:r>
             <a:r>
-              <a:rPr lang="en-US" sz="3200" dirty="0" err="1" smtClean="0">
+              <a:rPr lang="en-US" sz="2800" dirty="0" err="1" smtClean="0">
                 <a:latin typeface="Arial" panose="020B0604020202020204" pitchFamily="34" charset="0"/>
                 <a:cs typeface="Arial" panose="020B0604020202020204" pitchFamily="34" charset="0"/>
               </a:rPr>
               <a:t>lucene</a:t>
             </a:r>
             <a:r>
-              <a:rPr lang="fa-IR" sz="3200" dirty="0" smtClean="0">
+              <a:rPr lang="fa-IR" sz="2800" dirty="0" smtClean="0">
                 <a:cs typeface="B Nazanin" panose="00000400000000000000" pitchFamily="2" charset="-78"/>
               </a:rPr>
               <a:t> طراحی شده است.</a:t>
@@ -10189,19 +10295,19 @@
               </a:lnSpc>
             </a:pPr>
             <a:r>
-              <a:rPr lang="fa-IR" sz="3200" dirty="0" smtClean="0">
+              <a:rPr lang="fa-IR" sz="2800" dirty="0" smtClean="0">
                 <a:cs typeface="B Nazanin" panose="00000400000000000000" pitchFamily="2" charset="-78"/>
               </a:rPr>
               <a:t>در این سیستم حافظه کامپیوتر خود را ایندکس کرده و بعد از مس‌توان جست </a:t>
             </a:r>
             <a:r>
-              <a:rPr lang="fa-IR" sz="3200" dirty="0">
+              <a:rPr lang="fa-IR" sz="2800" dirty="0">
                 <a:cs typeface="B Nazanin" panose="00000400000000000000" pitchFamily="2" charset="-78"/>
               </a:rPr>
               <a:t>و جو </a:t>
             </a:r>
             <a:r>
-              <a:rPr lang="fa-IR" sz="3200" dirty="0" smtClean="0">
+              <a:rPr lang="fa-IR" sz="2800" dirty="0" smtClean="0">
                 <a:cs typeface="B Nazanin" panose="00000400000000000000" pitchFamily="2" charset="-78"/>
               </a:rPr>
               <a:t>کرد.</a:t>
@@ -10332,25 +10438,25 @@
               </a:lnSpc>
             </a:pPr>
             <a:r>
-              <a:rPr lang="fa-IR" sz="3200" dirty="0">
+              <a:rPr lang="fa-IR" sz="2800" dirty="0">
                 <a:cs typeface="B Nazanin" panose="00000400000000000000" pitchFamily="2" charset="-78"/>
               </a:rPr>
               <a:t>سیستم جست و جو ویندوز </a:t>
             </a:r>
             <a:r>
-              <a:rPr lang="fa-IR" sz="3200" dirty="0" smtClean="0">
+              <a:rPr lang="fa-IR" sz="2800" dirty="0" smtClean="0">
                 <a:cs typeface="B Nazanin" panose="00000400000000000000" pitchFamily="2" charset="-78"/>
               </a:rPr>
               <a:t>سیستم </a:t>
             </a:r>
             <a:r>
-              <a:rPr lang="fa-IR" sz="3200" dirty="0">
+              <a:rPr lang="fa-IR" sz="2800" dirty="0">
                 <a:cs typeface="B Nazanin" panose="00000400000000000000" pitchFamily="2" charset="-78"/>
               </a:rPr>
               <a:t>نسبتا </a:t>
             </a:r>
             <a:r>
-              <a:rPr lang="fa-IR" sz="3200" dirty="0" smtClean="0">
+              <a:rPr lang="fa-IR" sz="2800" dirty="0" smtClean="0">
                 <a:cs typeface="B Nazanin" panose="00000400000000000000" pitchFamily="2" charset="-78"/>
               </a:rPr>
               <a:t>ضعیف و کندی هست.</a:t>
@@ -10363,31 +10469,31 @@
               </a:lnSpc>
             </a:pPr>
             <a:r>
-              <a:rPr lang="fa-IR" sz="3200" dirty="0" smtClean="0">
+              <a:rPr lang="fa-IR" sz="2800" dirty="0" smtClean="0">
                 <a:cs typeface="B Nazanin" panose="00000400000000000000" pitchFamily="2" charset="-78"/>
               </a:rPr>
               <a:t> </a:t>
             </a:r>
             <a:r>
-              <a:rPr lang="fa-IR" sz="3200" dirty="0">
+              <a:rPr lang="fa-IR" sz="2800" dirty="0">
                 <a:cs typeface="B Nazanin" panose="00000400000000000000" pitchFamily="2" charset="-78"/>
               </a:rPr>
               <a:t>فقط قادر </a:t>
             </a:r>
             <a:r>
-              <a:rPr lang="fa-IR" sz="3200" dirty="0" smtClean="0">
+              <a:rPr lang="fa-IR" sz="2800" dirty="0" smtClean="0">
                 <a:cs typeface="B Nazanin" panose="00000400000000000000" pitchFamily="2" charset="-78"/>
               </a:rPr>
               <a:t>است در </a:t>
             </a:r>
             <a:r>
-              <a:rPr lang="fa-IR" sz="3200" dirty="0">
+              <a:rPr lang="fa-IR" sz="2800" dirty="0">
                 <a:cs typeface="B Nazanin" panose="00000400000000000000" pitchFamily="2" charset="-78"/>
               </a:rPr>
               <a:t>نام فایل ها و پوشه </a:t>
             </a:r>
             <a:r>
-              <a:rPr lang="fa-IR" sz="3200" dirty="0" smtClean="0">
+              <a:rPr lang="fa-IR" sz="2800" dirty="0" smtClean="0">
                 <a:cs typeface="B Nazanin" panose="00000400000000000000" pitchFamily="2" charset="-78"/>
               </a:rPr>
               <a:t>ها جست و جو کند.</a:t>
@@ -10400,30 +10506,30 @@
               </a:lnSpc>
             </a:pPr>
             <a:r>
-              <a:rPr lang="fa-IR" sz="3200" dirty="0" smtClean="0">
+              <a:rPr lang="fa-IR" sz="2800" dirty="0" smtClean="0">
                 <a:cs typeface="B Nazanin" panose="00000400000000000000" pitchFamily="2" charset="-78"/>
               </a:rPr>
               <a:t>این </a:t>
             </a:r>
             <a:r>
-              <a:rPr lang="fa-IR" sz="3200" dirty="0">
+              <a:rPr lang="fa-IR" sz="2800" dirty="0">
                 <a:cs typeface="B Nazanin" panose="00000400000000000000" pitchFamily="2" charset="-78"/>
               </a:rPr>
               <a:t>ایده برای سرعت بخشیدن به این جست و </a:t>
             </a:r>
             <a:r>
-              <a:rPr lang="fa-IR" sz="3200" dirty="0" smtClean="0">
+              <a:rPr lang="fa-IR" sz="2800" dirty="0" smtClean="0">
                 <a:cs typeface="B Nazanin" panose="00000400000000000000" pitchFamily="2" charset="-78"/>
               </a:rPr>
               <a:t>جو طراحی شده است</a:t>
             </a:r>
             <a:r>
-              <a:rPr lang="fa-IR" sz="3200" dirty="0" smtClean="0">
+              <a:rPr lang="fa-IR" sz="2800" dirty="0" smtClean="0">
                 <a:cs typeface="B Nazanin" panose="00000400000000000000" pitchFamily="2" charset="-78"/>
               </a:rPr>
               <a:t>.</a:t>
             </a:r>
-            <a:endParaRPr lang="fa-IR" sz="3200" dirty="0" smtClean="0">
+            <a:endParaRPr lang="fa-IR" sz="2800" dirty="0" smtClean="0">
               <a:cs typeface="B Nazanin" panose="00000400000000000000" pitchFamily="2" charset="-78"/>
             </a:endParaRPr>
           </a:p>
@@ -10622,8 +10728,17 @@
               <a:rPr lang="fa-IR" sz="2800" dirty="0" smtClean="0">
                 <a:cs typeface="B Nazanin" panose="00000400000000000000" pitchFamily="2" charset="-78"/>
               </a:rPr>
-              <a:t>اپل و ای بی ام </a:t>
-            </a:r>
+              <a:t>اپل و ای بی </a:t>
+            </a:r>
+            <a:r>
+              <a:rPr lang="fa-IR" sz="2800" dirty="0" smtClean="0">
+                <a:cs typeface="B Nazanin" panose="00000400000000000000" pitchFamily="2" charset="-78"/>
+              </a:rPr>
+              <a:t>ام.</a:t>
+            </a:r>
+            <a:endParaRPr lang="fa-IR" sz="2800" dirty="0" smtClean="0">
+              <a:cs typeface="B Nazanin" panose="00000400000000000000" pitchFamily="2" charset="-78"/>
+            </a:endParaRPr>
           </a:p>
         </p:txBody>
       </p:sp>
@@ -10714,25 +10829,34 @@
           <a:p>
             <a:pPr algn="r" rtl="1"/>
             <a:r>
-              <a:rPr lang="fa-IR" sz="4800" dirty="0" smtClean="0">
-                <a:cs typeface="B Nazanin" panose="00000400000000000000" pitchFamily="2" charset="-78"/>
-              </a:rPr>
-              <a:t>معرفی </a:t>
-            </a:r>
-            <a:r>
-              <a:rPr lang="en-US" sz="4800" dirty="0" smtClean="0">
-                <a:cs typeface="B Nazanin" panose="00000400000000000000" pitchFamily="2" charset="-78"/>
+              <a:rPr lang="fa-IR" dirty="0" smtClean="0">
+                <a:cs typeface="B Nazanin" panose="00000400000000000000" pitchFamily="2" charset="-78"/>
+              </a:rPr>
+              <a:t>معرفی</a:t>
+            </a:r>
+            <a:r>
+              <a:rPr lang="fa-IR" sz="5400" dirty="0" smtClean="0">
+                <a:cs typeface="B Nazanin" panose="00000400000000000000" pitchFamily="2" charset="-78"/>
+              </a:rPr>
+              <a:t> </a:t>
+            </a:r>
+            <a:r>
+              <a:rPr lang="en-US" dirty="0" smtClean="0">
+                <a:latin typeface="Arial" panose="020B0604020202020204" pitchFamily="34" charset="0"/>
+                <a:cs typeface="Arial" panose="020B0604020202020204" pitchFamily="34" charset="0"/>
               </a:rPr>
               <a:t>apache </a:t>
             </a:r>
             <a:r>
-              <a:rPr lang="en-US" sz="4800" dirty="0" err="1" smtClean="0">
-                <a:cs typeface="B Nazanin" panose="00000400000000000000" pitchFamily="2" charset="-78"/>
+              <a:rPr lang="en-US" dirty="0" err="1" smtClean="0">
+                <a:latin typeface="Arial" panose="020B0604020202020204" pitchFamily="34" charset="0"/>
+                <a:cs typeface="Arial" panose="020B0604020202020204" pitchFamily="34" charset="0"/>
               </a:rPr>
               <a:t>lucene</a:t>
             </a:r>
-            <a:endParaRPr lang="en-US" sz="4800" dirty="0">
-              <a:cs typeface="B Nazanin" panose="00000400000000000000" pitchFamily="2" charset="-78"/>
+            <a:endParaRPr lang="en-US" dirty="0">
+              <a:latin typeface="Arial" panose="020B0604020202020204" pitchFamily="34" charset="0"/>
+              <a:cs typeface="Arial" panose="020B0604020202020204" pitchFamily="34" charset="0"/>
             </a:endParaRPr>
           </a:p>
         </p:txBody>
@@ -10761,53 +10885,62 @@
             </a:pPr>
             <a:r>
               <a:rPr lang="fa-IR" sz="2800" dirty="0" smtClean="0">
+                <a:latin typeface="Arial" panose="020B0604020202020204" pitchFamily="34" charset="0"/>
                 <a:cs typeface="B Nazanin" panose="00000400000000000000" pitchFamily="2" charset="-78"/>
               </a:rPr>
               <a:t>لوسین </a:t>
             </a:r>
             <a:r>
               <a:rPr lang="ar-SA" sz="2800" dirty="0" smtClean="0">
+                <a:latin typeface="Arial" panose="020B0604020202020204" pitchFamily="34" charset="0"/>
                 <a:cs typeface="B Nazanin" panose="00000400000000000000" pitchFamily="2" charset="-78"/>
               </a:rPr>
               <a:t>یک </a:t>
             </a:r>
             <a:r>
               <a:rPr lang="ar-SA" sz="2800" dirty="0">
+                <a:latin typeface="Arial" panose="020B0604020202020204" pitchFamily="34" charset="0"/>
                 <a:cs typeface="B Nazanin" panose="00000400000000000000" pitchFamily="2" charset="-78"/>
               </a:rPr>
               <a:t>پروژه </a:t>
             </a:r>
             <a:r>
               <a:rPr lang="ar-SA" sz="2800" dirty="0" smtClean="0">
+                <a:latin typeface="Arial" panose="020B0604020202020204" pitchFamily="34" charset="0"/>
                 <a:cs typeface="B Nazanin" panose="00000400000000000000" pitchFamily="2" charset="-78"/>
               </a:rPr>
               <a:t>متن</a:t>
             </a:r>
             <a:r>
               <a:rPr lang="fa-IR" sz="2800" dirty="0" smtClean="0">
+                <a:latin typeface="Arial" panose="020B0604020202020204" pitchFamily="34" charset="0"/>
                 <a:cs typeface="B Nazanin" panose="00000400000000000000" pitchFamily="2" charset="-78"/>
               </a:rPr>
               <a:t> </a:t>
             </a:r>
             <a:r>
               <a:rPr lang="ar-SA" sz="2800" dirty="0" smtClean="0">
+                <a:latin typeface="Arial" panose="020B0604020202020204" pitchFamily="34" charset="0"/>
                 <a:cs typeface="B Nazanin" panose="00000400000000000000" pitchFamily="2" charset="-78"/>
               </a:rPr>
               <a:t>‌باز </a:t>
             </a:r>
             <a:r>
               <a:rPr lang="ar-SA" sz="2800" dirty="0">
+                <a:latin typeface="Arial" panose="020B0604020202020204" pitchFamily="34" charset="0"/>
                 <a:cs typeface="B Nazanin" panose="00000400000000000000" pitchFamily="2" charset="-78"/>
               </a:rPr>
               <a:t>به زبان جاوا </a:t>
             </a:r>
             <a:r>
               <a:rPr lang="ar-SA" sz="2800" dirty="0" smtClean="0">
+                <a:latin typeface="Arial" panose="020B0604020202020204" pitchFamily="34" charset="0"/>
                 <a:cs typeface="B Nazanin" panose="00000400000000000000" pitchFamily="2" charset="-78"/>
               </a:rPr>
               <a:t>است</a:t>
             </a:r>
             <a:endParaRPr lang="fa-IR" sz="2800" dirty="0" smtClean="0">
+              <a:latin typeface="Arial" panose="020B0604020202020204" pitchFamily="34" charset="0"/>
               <a:cs typeface="B Nazanin" panose="00000400000000000000" pitchFamily="2" charset="-78"/>
             </a:endParaRPr>
           </a:p>
@@ -10819,12 +10952,14 @@
             </a:pPr>
             <a:r>
               <a:rPr lang="ar-SA" sz="2800" dirty="0" smtClean="0">
+                <a:latin typeface="Arial" panose="020B0604020202020204" pitchFamily="34" charset="0"/>
                 <a:cs typeface="B Nazanin" panose="00000400000000000000" pitchFamily="2" charset="-78"/>
               </a:rPr>
               <a:t> که امکان افزودن قابلیت جستجو به برنامه های کاربردی را</a:t>
             </a:r>
             <a:r>
               <a:rPr lang="fa-IR" sz="2800" dirty="0" smtClean="0">
+                <a:latin typeface="Arial" panose="020B0604020202020204" pitchFamily="34" charset="0"/>
                 <a:cs typeface="B Nazanin" panose="00000400000000000000" pitchFamily="2" charset="-78"/>
               </a:rPr>
               <a:t> میدهد.</a:t>
@@ -10838,71 +10973,83 @@
             </a:pPr>
             <a:r>
               <a:rPr lang="ar-SA" sz="2800" dirty="0" smtClean="0">
+                <a:latin typeface="Arial" panose="020B0604020202020204" pitchFamily="34" charset="0"/>
                 <a:cs typeface="B Nazanin" panose="00000400000000000000" pitchFamily="2" charset="-78"/>
               </a:rPr>
               <a:t> این </a:t>
             </a:r>
             <a:r>
               <a:rPr lang="ar-SA" sz="2800" dirty="0">
+                <a:latin typeface="Arial" panose="020B0604020202020204" pitchFamily="34" charset="0"/>
                 <a:cs typeface="B Nazanin" panose="00000400000000000000" pitchFamily="2" charset="-78"/>
               </a:rPr>
               <a:t>کتابخانه </a:t>
             </a:r>
             <a:r>
               <a:rPr lang="ar-SA" sz="2800" dirty="0" smtClean="0">
+                <a:latin typeface="Arial" panose="020B0604020202020204" pitchFamily="34" charset="0"/>
                 <a:cs typeface="B Nazanin" panose="00000400000000000000" pitchFamily="2" charset="-78"/>
               </a:rPr>
               <a:t>به </a:t>
             </a:r>
             <a:r>
               <a:rPr lang="ar-SA" sz="2800" dirty="0">
+                <a:latin typeface="Arial" panose="020B0604020202020204" pitchFamily="34" charset="0"/>
                 <a:cs typeface="B Nazanin" panose="00000400000000000000" pitchFamily="2" charset="-78"/>
               </a:rPr>
               <a:t>زبان های </a:t>
             </a:r>
             <a:r>
               <a:rPr lang="en-US" sz="2800" dirty="0">
+                <a:latin typeface="Arial" panose="020B0604020202020204" pitchFamily="34" charset="0"/>
                 <a:cs typeface="B Nazanin" panose="00000400000000000000" pitchFamily="2" charset="-78"/>
               </a:rPr>
               <a:t>Delphi, Perl, C#, C++, Python, Ruby</a:t>
             </a:r>
             <a:r>
               <a:rPr lang="ar-SA" sz="2800" dirty="0">
+                <a:latin typeface="Arial" panose="020B0604020202020204" pitchFamily="34" charset="0"/>
                 <a:cs typeface="B Nazanin" panose="00000400000000000000" pitchFamily="2" charset="-78"/>
               </a:rPr>
               <a:t>, و </a:t>
             </a:r>
             <a:r>
               <a:rPr lang="en-US" sz="2800" dirty="0">
+                <a:latin typeface="Arial" panose="020B0604020202020204" pitchFamily="34" charset="0"/>
                 <a:cs typeface="B Nazanin" panose="00000400000000000000" pitchFamily="2" charset="-78"/>
               </a:rPr>
               <a:t>PHP</a:t>
             </a:r>
             <a:r>
               <a:rPr lang="ar-SA" sz="2800" dirty="0">
+                <a:latin typeface="Arial" panose="020B0604020202020204" pitchFamily="34" charset="0"/>
                 <a:cs typeface="B Nazanin" panose="00000400000000000000" pitchFamily="2" charset="-78"/>
               </a:rPr>
               <a:t> پیاده سازی </a:t>
             </a:r>
             <a:r>
               <a:rPr lang="ar-SA" sz="2800" dirty="0" smtClean="0">
+                <a:latin typeface="Arial" panose="020B0604020202020204" pitchFamily="34" charset="0"/>
                 <a:cs typeface="B Nazanin" panose="00000400000000000000" pitchFamily="2" charset="-78"/>
               </a:rPr>
               <a:t>شده </a:t>
             </a:r>
             <a:r>
               <a:rPr lang="ar-SA" sz="2800" dirty="0">
+                <a:latin typeface="Arial" panose="020B0604020202020204" pitchFamily="34" charset="0"/>
                 <a:cs typeface="B Nazanin" panose="00000400000000000000" pitchFamily="2" charset="-78"/>
               </a:rPr>
               <a:t>است</a:t>
             </a:r>
             <a:r>
               <a:rPr lang="ar-SA" sz="2800" dirty="0" smtClean="0">
+                <a:latin typeface="Arial" panose="020B0604020202020204" pitchFamily="34" charset="0"/>
                 <a:cs typeface="B Nazanin" panose="00000400000000000000" pitchFamily="2" charset="-78"/>
               </a:rPr>
               <a:t>.</a:t>
             </a:r>
             <a:endParaRPr lang="en-US" sz="2800" dirty="0">
+              <a:latin typeface="Arial" panose="020B0604020202020204" pitchFamily="34" charset="0"/>
               <a:cs typeface="B Nazanin" panose="00000400000000000000" pitchFamily="2" charset="-78"/>
             </a:endParaRPr>
           </a:p>
@@ -10986,7 +11133,12 @@
             <p:ph type="title"/>
           </p:nvPr>
         </p:nvSpPr>
-        <p:spPr/>
+        <p:spPr>
+          <a:xfrm>
+            <a:off x="677334" y="839789"/>
+            <a:ext cx="8596668" cy="1320800"/>
+          </a:xfrm>
+        </p:spPr>
         <p:txBody>
           <a:bodyPr>
             <a:normAutofit/>
@@ -10995,24 +11147,28 @@
           <a:p>
             <a:pPr algn="r" rtl="1"/>
             <a:r>
-              <a:rPr lang="en-US" sz="4400" dirty="0" err="1" smtClean="0">
+              <a:rPr lang="en-US" dirty="0" err="1" smtClean="0">
+                <a:latin typeface="Arial" panose="020B0604020202020204" pitchFamily="34" charset="0"/>
                 <a:cs typeface="B Nazanin" panose="00000400000000000000" pitchFamily="2" charset="-78"/>
               </a:rPr>
               <a:t>Lucene</a:t>
             </a:r>
             <a:r>
-              <a:rPr lang="fa-IR" sz="4400" dirty="0" smtClean="0">
+              <a:rPr lang="fa-IR" dirty="0" smtClean="0">
+                <a:latin typeface="Arial" panose="020B0604020202020204" pitchFamily="34" charset="0"/>
                 <a:cs typeface="B Nazanin" panose="00000400000000000000" pitchFamily="2" charset="-78"/>
               </a:rPr>
               <a:t> </a:t>
             </a:r>
             <a:r>
-              <a:rPr lang="fa-IR" sz="4800" dirty="0" smtClean="0">
+              <a:rPr lang="fa-IR" dirty="0" smtClean="0">
+                <a:latin typeface="Arial" panose="020B0604020202020204" pitchFamily="34" charset="0"/>
                 <a:cs typeface="B Nazanin" panose="00000400000000000000" pitchFamily="2" charset="-78"/>
               </a:rPr>
               <a:t>چگونه ایندکس می‌کند؟</a:t>
             </a:r>
-            <a:endParaRPr lang="en-US" sz="4800" dirty="0">
+            <a:endParaRPr lang="en-US" dirty="0">
+              <a:latin typeface="Arial" panose="020B0604020202020204" pitchFamily="34" charset="0"/>
               <a:cs typeface="B Nazanin" panose="00000400000000000000" pitchFamily="2" charset="-78"/>
             </a:endParaRPr>
           </a:p>
@@ -11028,38 +11184,45 @@
             <p:ph idx="1"/>
           </p:nvPr>
         </p:nvSpPr>
-        <p:spPr/>
-        <p:txBody>
-          <a:bodyPr/>
+        <p:spPr>
+          <a:xfrm>
+            <a:off x="677334" y="2160589"/>
+            <a:ext cx="8596668" cy="3880773"/>
+          </a:xfrm>
+        </p:spPr>
+        <p:txBody>
+          <a:bodyPr>
+            <a:normAutofit/>
+          </a:bodyPr>
           <a:lstStyle/>
           <a:p>
             <a:pPr algn="just" rtl="1"/>
             <a:r>
-              <a:rPr lang="en-US" sz="3200" dirty="0" err="1">
+              <a:rPr lang="en-US" sz="2800" dirty="0" err="1">
                 <a:latin typeface="Arial" panose="020B0604020202020204" pitchFamily="34" charset="0"/>
                 <a:cs typeface="B Nazanin" panose="00000400000000000000" pitchFamily="2" charset="-78"/>
               </a:rPr>
               <a:t>Lucene</a:t>
             </a:r>
             <a:r>
-              <a:rPr lang="ar-SA" sz="3200" dirty="0">
+              <a:rPr lang="ar-SA" sz="2800" dirty="0">
                 <a:cs typeface="B Nazanin" panose="00000400000000000000" pitchFamily="2" charset="-78"/>
               </a:rPr>
               <a:t> جستجوی سریع خود را با استفاده از ایندکس‌ها به نتیجه </a:t>
             </a:r>
             <a:r>
-              <a:rPr lang="ar-SA" sz="3200" dirty="0" smtClean="0">
+              <a:rPr lang="ar-SA" sz="2800" dirty="0" smtClean="0">
                 <a:cs typeface="B Nazanin" panose="00000400000000000000" pitchFamily="2" charset="-78"/>
               </a:rPr>
               <a:t>می‌رساند</a:t>
             </a:r>
             <a:r>
-              <a:rPr lang="fa-IR" sz="3200" dirty="0" smtClean="0">
+              <a:rPr lang="fa-IR" sz="2800" dirty="0" smtClean="0">
                 <a:cs typeface="B Nazanin" panose="00000400000000000000" pitchFamily="2" charset="-78"/>
               </a:rPr>
               <a:t>.</a:t>
             </a:r>
-            <a:endParaRPr lang="en-US" dirty="0">
+            <a:endParaRPr lang="en-US" sz="1600" dirty="0">
               <a:cs typeface="B Nazanin" panose="00000400000000000000" pitchFamily="2" charset="-78"/>
             </a:endParaRPr>
           </a:p>
@@ -12606,7 +12769,12 @@
             <p:ph type="title"/>
           </p:nvPr>
         </p:nvSpPr>
-        <p:spPr/>
+        <p:spPr>
+          <a:xfrm>
+            <a:off x="704495" y="799723"/>
+            <a:ext cx="8596668" cy="1320800"/>
+          </a:xfrm>
+        </p:spPr>
         <p:txBody>
           <a:bodyPr>
             <a:normAutofit/>
@@ -12635,37 +12803,6 @@
           </a:p>
         </p:txBody>
       </p:sp>
-      <p:cxnSp>
-        <p:nvCxnSpPr>
-          <p:cNvPr id="4" name="Straight Connector 3"/>
-          <p:cNvCxnSpPr/>
-          <p:nvPr/>
-        </p:nvCxnSpPr>
-        <p:spPr>
-          <a:xfrm>
-            <a:off x="2831969" y="1606928"/>
-            <a:ext cx="8521831" cy="0"/>
-          </a:xfrm>
-          <a:prstGeom prst="line">
-            <a:avLst/>
-          </a:prstGeom>
-          <a:ln w="28575"/>
-        </p:spPr>
-        <p:style>
-          <a:lnRef idx="3">
-            <a:schemeClr val="dk1"/>
-          </a:lnRef>
-          <a:fillRef idx="0">
-            <a:schemeClr val="dk1"/>
-          </a:fillRef>
-          <a:effectRef idx="2">
-            <a:schemeClr val="dk1"/>
-          </a:effectRef>
-          <a:fontRef idx="minor">
-            <a:schemeClr val="tx1"/>
-          </a:fontRef>
-        </p:style>
-      </p:cxnSp>
       <p:graphicFrame>
         <p:nvGraphicFramePr>
           <p:cNvPr id="7" name="Table 6"/>
@@ -12675,14 +12812,14 @@
           <p:nvPr>
             <p:extLst>
               <p:ext uri="{D42A27DB-BD31-4B8C-83A1-F6EECF244321}">
-                <p14:modId xmlns:p14="http://schemas.microsoft.com/office/powerpoint/2010/main" val="2497724905"/>
+                <p14:modId xmlns:p14="http://schemas.microsoft.com/office/powerpoint/2010/main" val="3169962570"/>
               </p:ext>
             </p:extLst>
           </p:nvPr>
         </p:nvGraphicFramePr>
         <p:xfrm>
-          <a:off x="677334" y="2118511"/>
-          <a:ext cx="8786893" cy="3485584"/>
+          <a:off x="677334" y="2118509"/>
+          <a:ext cx="8938190" cy="4072477"/>
         </p:xfrm>
         <a:graphic>
           <a:graphicData uri="http://schemas.openxmlformats.org/drawingml/2006/table">
@@ -12691,10 +12828,10 @@
                 <a:tableStyleId>{616DA210-FB5B-4158-B5E0-FEB733F419BA}</a:tableStyleId>
               </a:tblPr>
               <a:tblGrid>
-                <a:gridCol w="1567072"/>
-                <a:gridCol w="7219821"/>
+                <a:gridCol w="1594055"/>
+                <a:gridCol w="7344135"/>
               </a:tblGrid>
-              <a:tr h="684376">
+              <a:tr h="706172">
                 <a:tc>
                   <a:txBody>
                     <a:bodyPr/>
@@ -12718,10 +12855,12 @@
                         <a:defRPr/>
                       </a:pPr>
                       <a:r>
-                        <a:rPr lang="en-US" sz="1800" dirty="0" smtClean="0"/>
+                        <a:rPr lang="en-US" sz="2000" dirty="0" smtClean="0">
+                          <a:latin typeface="Arial" panose="020B0604020202020204" pitchFamily="34" charset="0"/>
+                          <a:cs typeface="Arial" panose="020B0604020202020204" pitchFamily="34" charset="0"/>
+                        </a:rPr>
                         <a:t>Terms</a:t>
                       </a:r>
-                      <a:endParaRPr lang="en-US" sz="1600" dirty="0" smtClean="0"/>
                     </a:p>
                   </a:txBody>
                   <a:tcPr/>
@@ -12733,16 +12872,22 @@
                     <a:p>
                       <a:pPr algn="l"/>
                       <a:r>
-                        <a:rPr lang="en-US" sz="2000" dirty="0" smtClean="0"/>
+                        <a:rPr lang="en-US" sz="2000" dirty="0" smtClean="0">
+                          <a:latin typeface="Arial" panose="020B0604020202020204" pitchFamily="34" charset="0"/>
+                          <a:cs typeface="Arial" panose="020B0604020202020204" pitchFamily="34" charset="0"/>
+                        </a:rPr>
                         <a:t>"test" or "hello”          or         "hello dolly"</a:t>
                       </a:r>
-                      <a:endParaRPr lang="en-US" sz="2000" b="0" dirty="0"/>
+                      <a:endParaRPr lang="en-US" sz="2000" b="0" dirty="0">
+                        <a:latin typeface="Arial" panose="020B0604020202020204" pitchFamily="34" charset="0"/>
+                        <a:cs typeface="Arial" panose="020B0604020202020204" pitchFamily="34" charset="0"/>
+                      </a:endParaRPr>
                     </a:p>
                   </a:txBody>
                   <a:tcPr/>
                 </a:tc>
               </a:tr>
-              <a:tr h="631209">
+              <a:tr h="708266">
                 <a:tc>
                   <a:txBody>
                     <a:bodyPr/>
@@ -12766,10 +12911,16 @@
                         <a:defRPr/>
                       </a:pPr>
                       <a:r>
-                        <a:rPr lang="en-US" sz="2000" dirty="0" smtClean="0"/>
+                        <a:rPr lang="en-US" sz="2000" dirty="0" smtClean="0">
+                          <a:latin typeface="Arial" panose="020B0604020202020204" pitchFamily="34" charset="0"/>
+                          <a:cs typeface="Arial" panose="020B0604020202020204" pitchFamily="34" charset="0"/>
+                        </a:rPr>
                         <a:t>Fields</a:t>
                       </a:r>
-                      <a:endParaRPr lang="en-US" dirty="0"/>
+                      <a:endParaRPr lang="en-US" sz="2000" dirty="0">
+                        <a:latin typeface="Arial" panose="020B0604020202020204" pitchFamily="34" charset="0"/>
+                        <a:cs typeface="Arial" panose="020B0604020202020204" pitchFamily="34" charset="0"/>
+                      </a:endParaRPr>
                     </a:p>
                   </a:txBody>
                   <a:tcPr/>
@@ -12797,7 +12948,10 @@
                         <a:defRPr/>
                       </a:pPr>
                       <a:r>
-                        <a:rPr lang="en-US" sz="2000" dirty="0" smtClean="0"/>
+                        <a:rPr lang="en-US" sz="2000" dirty="0" smtClean="0">
+                          <a:latin typeface="Arial" panose="020B0604020202020204" pitchFamily="34" charset="0"/>
+                          <a:cs typeface="Arial" panose="020B0604020202020204" pitchFamily="34" charset="0"/>
+                        </a:rPr>
                         <a:t>Title  :  "The Right Way"    AND    text : go</a:t>
                       </a:r>
                     </a:p>
@@ -12805,7 +12959,7 @@
                   <a:tcPr/>
                 </a:tc>
               </a:tr>
-              <a:tr h="631209">
+              <a:tr h="778125">
                 <a:tc>
                   <a:txBody>
                     <a:bodyPr/>
@@ -12829,10 +12983,16 @@
                         <a:defRPr/>
                       </a:pPr>
                       <a:r>
-                        <a:rPr lang="en-US" sz="2000" dirty="0" smtClean="0"/>
+                        <a:rPr lang="en-US" sz="2000" dirty="0" smtClean="0">
+                          <a:latin typeface="Arial" panose="020B0604020202020204" pitchFamily="34" charset="0"/>
+                          <a:cs typeface="Arial" panose="020B0604020202020204" pitchFamily="34" charset="0"/>
+                        </a:rPr>
                         <a:t>Wildcard</a:t>
                       </a:r>
-                      <a:endParaRPr lang="en-US" dirty="0"/>
+                      <a:endParaRPr lang="en-US" sz="2000" dirty="0">
+                        <a:latin typeface="Arial" panose="020B0604020202020204" pitchFamily="34" charset="0"/>
+                        <a:cs typeface="Arial" panose="020B0604020202020204" pitchFamily="34" charset="0"/>
+                      </a:endParaRPr>
                     </a:p>
                   </a:txBody>
                   <a:tcPr/>
@@ -12860,19 +13020,31 @@
                         <a:defRPr/>
                       </a:pPr>
                       <a:r>
-                        <a:rPr lang="en-US" sz="2000" dirty="0" err="1" smtClean="0"/>
+                        <a:rPr lang="en-US" sz="2000" dirty="0" err="1" smtClean="0">
+                          <a:latin typeface="Arial" panose="020B0604020202020204" pitchFamily="34" charset="0"/>
+                          <a:cs typeface="Arial" panose="020B0604020202020204" pitchFamily="34" charset="0"/>
+                        </a:rPr>
                         <a:t>te?t</a:t>
                       </a:r>
                       <a:r>
-                        <a:rPr lang="en-US" sz="2000" dirty="0" smtClean="0"/>
+                        <a:rPr lang="en-US" sz="2000" dirty="0" smtClean="0">
+                          <a:latin typeface="Arial" panose="020B0604020202020204" pitchFamily="34" charset="0"/>
+                          <a:cs typeface="Arial" panose="020B0604020202020204" pitchFamily="34" charset="0"/>
+                        </a:rPr>
                         <a:t>         or        test*      or       </a:t>
                       </a:r>
                       <a:r>
-                        <a:rPr lang="en-US" sz="2000" dirty="0" err="1" smtClean="0"/>
+                        <a:rPr lang="en-US" sz="2000" dirty="0" err="1" smtClean="0">
+                          <a:latin typeface="Arial" panose="020B0604020202020204" pitchFamily="34" charset="0"/>
+                          <a:cs typeface="Arial" panose="020B0604020202020204" pitchFamily="34" charset="0"/>
+                        </a:rPr>
                         <a:t>te</a:t>
                       </a:r>
                       <a:r>
-                        <a:rPr lang="en-US" sz="2000" dirty="0" smtClean="0"/>
+                        <a:rPr lang="en-US" sz="2000" dirty="0" smtClean="0">
+                          <a:latin typeface="Arial" panose="020B0604020202020204" pitchFamily="34" charset="0"/>
+                          <a:cs typeface="Arial" panose="020B0604020202020204" pitchFamily="34" charset="0"/>
+                        </a:rPr>
                         <a:t>*t</a:t>
                       </a:r>
                     </a:p>
@@ -12880,7 +13052,7 @@
                   <a:tcPr/>
                 </a:tc>
               </a:tr>
-              <a:tr h="651826">
+              <a:tr h="884671">
                 <a:tc>
                   <a:txBody>
                     <a:bodyPr/>
@@ -12904,10 +13076,16 @@
                         <a:defRPr/>
                       </a:pPr>
                       <a:r>
-                        <a:rPr lang="en-US" sz="2000" dirty="0" smtClean="0"/>
+                        <a:rPr lang="en-US" sz="2000" dirty="0" smtClean="0">
+                          <a:latin typeface="Arial" panose="020B0604020202020204" pitchFamily="34" charset="0"/>
+                          <a:cs typeface="Arial" panose="020B0604020202020204" pitchFamily="34" charset="0"/>
+                        </a:rPr>
                         <a:t>Fuzzy</a:t>
                       </a:r>
-                      <a:endParaRPr lang="en-US" dirty="0"/>
+                      <a:endParaRPr lang="en-US" sz="2000" dirty="0">
+                        <a:latin typeface="Arial" panose="020B0604020202020204" pitchFamily="34" charset="0"/>
+                        <a:cs typeface="Arial" panose="020B0604020202020204" pitchFamily="34" charset="0"/>
+                      </a:endParaRPr>
                     </a:p>
                   </a:txBody>
                   <a:tcPr/>
@@ -12935,19 +13113,18 @@
                         <a:defRPr/>
                       </a:pPr>
                       <a:r>
-                        <a:rPr lang="en-US" sz="2000" dirty="0" smtClean="0"/>
-                        <a:t>roam~    or   roam~0.8       </a:t>
-                      </a:r>
-                      <a:r>
-                        <a:rPr lang="en-US" sz="1800" dirty="0" smtClean="0"/>
-                        <a:t>foam and roams</a:t>
+                        <a:rPr lang="en-US" sz="2000" dirty="0" smtClean="0">
+                          <a:latin typeface="Arial" panose="020B0604020202020204" pitchFamily="34" charset="0"/>
+                          <a:cs typeface="Arial" panose="020B0604020202020204" pitchFamily="34" charset="0"/>
+                        </a:rPr>
+                        <a:t>roam~    or   roam~0.8       foam and roams</a:t>
                       </a:r>
                     </a:p>
                   </a:txBody>
                   <a:tcPr/>
                 </a:tc>
               </a:tr>
-              <a:tr h="886964">
+              <a:tr h="995243">
                 <a:tc>
                   <a:txBody>
                     <a:bodyPr/>
@@ -12955,10 +13132,16 @@
                     <a:p>
                       <a:pPr algn="l"/>
                       <a:r>
-                        <a:rPr lang="en-US" sz="1800" dirty="0" smtClean="0"/>
+                        <a:rPr lang="en-US" sz="2000" dirty="0" smtClean="0">
+                          <a:latin typeface="Arial" panose="020B0604020202020204" pitchFamily="34" charset="0"/>
+                          <a:cs typeface="Arial" panose="020B0604020202020204" pitchFamily="34" charset="0"/>
+                        </a:rPr>
                         <a:t>Boolean</a:t>
                       </a:r>
-                      <a:endParaRPr lang="en-US" sz="1800" b="1" dirty="0" smtClean="0"/>
+                      <a:endParaRPr lang="en-US" sz="2000" b="1" dirty="0" smtClean="0">
+                        <a:latin typeface="Arial" panose="020B0604020202020204" pitchFamily="34" charset="0"/>
+                        <a:cs typeface="Arial" panose="020B0604020202020204" pitchFamily="34" charset="0"/>
+                      </a:endParaRPr>
                     </a:p>
                   </a:txBody>
                   <a:tcPr/>
@@ -12986,21 +13169,33 @@
                         <a:defRPr/>
                       </a:pPr>
                       <a:r>
-                        <a:rPr lang="en-US" sz="2000" dirty="0" smtClean="0"/>
+                        <a:rPr lang="en-US" sz="2000" dirty="0" smtClean="0">
+                          <a:latin typeface="Arial" panose="020B0604020202020204" pitchFamily="34" charset="0"/>
+                          <a:cs typeface="Arial" panose="020B0604020202020204" pitchFamily="34" charset="0"/>
+                        </a:rPr>
                         <a:t>"</a:t>
                       </a:r>
                       <a:r>
-                        <a:rPr lang="en-US" sz="2000" dirty="0" err="1" smtClean="0"/>
+                        <a:rPr lang="en-US" sz="2000" dirty="0" err="1" smtClean="0">
+                          <a:latin typeface="Arial" panose="020B0604020202020204" pitchFamily="34" charset="0"/>
+                          <a:cs typeface="Arial" panose="020B0604020202020204" pitchFamily="34" charset="0"/>
+                        </a:rPr>
                         <a:t>jakarta</a:t>
                       </a:r>
                       <a:r>
-                        <a:rPr lang="en-US" sz="2000" dirty="0" smtClean="0"/>
+                        <a:rPr lang="en-US" sz="2000" dirty="0" smtClean="0">
+                          <a:latin typeface="Arial" panose="020B0604020202020204" pitchFamily="34" charset="0"/>
+                          <a:cs typeface="Arial" panose="020B0604020202020204" pitchFamily="34" charset="0"/>
+                        </a:rPr>
                         <a:t> apache" OR Jakarta </a:t>
                       </a:r>
                     </a:p>
                     <a:p>
                       <a:pPr algn="l"/>
-                      <a:endParaRPr lang="en-US" dirty="0"/>
+                      <a:endParaRPr lang="en-US" sz="2000" dirty="0">
+                        <a:latin typeface="Arial" panose="020B0604020202020204" pitchFamily="34" charset="0"/>
+                        <a:cs typeface="Arial" panose="020B0604020202020204" pitchFamily="34" charset="0"/>
+                      </a:endParaRPr>
                     </a:p>
                   </a:txBody>
                   <a:tcPr/>
@@ -13010,6 +13205,37 @@
           </a:graphicData>
         </a:graphic>
       </p:graphicFrame>
+      <p:cxnSp>
+        <p:nvCxnSpPr>
+          <p:cNvPr id="5" name="Straight Connector 4"/>
+          <p:cNvCxnSpPr/>
+          <p:nvPr/>
+        </p:nvCxnSpPr>
+        <p:spPr>
+          <a:xfrm>
+            <a:off x="1093693" y="1606928"/>
+            <a:ext cx="8521831" cy="0"/>
+          </a:xfrm>
+          <a:prstGeom prst="line">
+            <a:avLst/>
+          </a:prstGeom>
+          <a:ln w="28575"/>
+        </p:spPr>
+        <p:style>
+          <a:lnRef idx="3">
+            <a:schemeClr val="dk1"/>
+          </a:lnRef>
+          <a:fillRef idx="0">
+            <a:schemeClr val="dk1"/>
+          </a:fillRef>
+          <a:effectRef idx="2">
+            <a:schemeClr val="dk1"/>
+          </a:effectRef>
+          <a:fontRef idx="minor">
+            <a:schemeClr val="tx1"/>
+          </a:fontRef>
+        </p:style>
+      </p:cxnSp>
     </p:spTree>
     <p:extLst>
       <p:ext uri="{BB962C8B-B14F-4D97-AF65-F5344CB8AC3E}">

--- a/Siavash Hasanpour-921042006.pptx
+++ b/Siavash Hasanpour-921042006.pptx
@@ -6467,6 +6467,36 @@
           </a:fontRef>
         </p:style>
       </p:cxnSp>
+      <p:sp>
+        <p:nvSpPr>
+          <p:cNvPr id="5" name="TextBox 4"/>
+          <p:cNvSpPr txBox="1"/>
+          <p:nvPr/>
+        </p:nvSpPr>
+        <p:spPr>
+          <a:xfrm>
+            <a:off x="677334" y="6246891"/>
+            <a:ext cx="671979" cy="369332"/>
+          </a:xfrm>
+          <a:prstGeom prst="rect">
+            <a:avLst/>
+          </a:prstGeom>
+          <a:noFill/>
+        </p:spPr>
+        <p:txBody>
+          <a:bodyPr wrap="none" rtlCol="0">
+            <a:spAutoFit/>
+          </a:bodyPr>
+          <a:lstStyle/>
+          <a:p>
+            <a:r>
+              <a:rPr lang="en-US" dirty="0" smtClean="0"/>
+              <a:t>7/25</a:t>
+            </a:r>
+            <a:endParaRPr lang="en-US" dirty="0"/>
+          </a:p>
+        </p:txBody>
+      </p:sp>
     </p:spTree>
     <p:extLst>
       <p:ext uri="{BB962C8B-B14F-4D97-AF65-F5344CB8AC3E}">
@@ -6558,6 +6588,36 @@
           </a:extLst>
         </p:spPr>
       </p:pic>
+      <p:sp>
+        <p:nvSpPr>
+          <p:cNvPr id="3" name="TextBox 2"/>
+          <p:cNvSpPr txBox="1"/>
+          <p:nvPr/>
+        </p:nvSpPr>
+        <p:spPr>
+          <a:xfrm>
+            <a:off x="677334" y="6246891"/>
+            <a:ext cx="671979" cy="369332"/>
+          </a:xfrm>
+          <a:prstGeom prst="rect">
+            <a:avLst/>
+          </a:prstGeom>
+          <a:noFill/>
+        </p:spPr>
+        <p:txBody>
+          <a:bodyPr wrap="none" rtlCol="0">
+            <a:spAutoFit/>
+          </a:bodyPr>
+          <a:lstStyle/>
+          <a:p>
+            <a:r>
+              <a:rPr lang="en-US" dirty="0" smtClean="0"/>
+              <a:t>8/25</a:t>
+            </a:r>
+            <a:endParaRPr lang="en-US" dirty="0"/>
+          </a:p>
+        </p:txBody>
+      </p:sp>
     </p:spTree>
     <p:extLst>
       <p:ext uri="{BB962C8B-B14F-4D97-AF65-F5344CB8AC3E}">
@@ -6647,6 +6707,36 @@
           </a:extLst>
         </p:spPr>
       </p:pic>
+      <p:sp>
+        <p:nvSpPr>
+          <p:cNvPr id="3" name="TextBox 2"/>
+          <p:cNvSpPr txBox="1"/>
+          <p:nvPr/>
+        </p:nvSpPr>
+        <p:spPr>
+          <a:xfrm>
+            <a:off x="677334" y="6246891"/>
+            <a:ext cx="671979" cy="369332"/>
+          </a:xfrm>
+          <a:prstGeom prst="rect">
+            <a:avLst/>
+          </a:prstGeom>
+          <a:noFill/>
+        </p:spPr>
+        <p:txBody>
+          <a:bodyPr wrap="none" rtlCol="0">
+            <a:spAutoFit/>
+          </a:bodyPr>
+          <a:lstStyle/>
+          <a:p>
+            <a:r>
+              <a:rPr lang="en-US" dirty="0" smtClean="0"/>
+              <a:t>9/25</a:t>
+            </a:r>
+            <a:endParaRPr lang="en-US" dirty="0"/>
+          </a:p>
+        </p:txBody>
+      </p:sp>
     </p:spTree>
     <p:extLst>
       <p:ext uri="{BB962C8B-B14F-4D97-AF65-F5344CB8AC3E}">
@@ -6868,6 +6958,36 @@
           </a:fontRef>
         </p:style>
       </p:cxnSp>
+      <p:sp>
+        <p:nvSpPr>
+          <p:cNvPr id="5" name="TextBox 4"/>
+          <p:cNvSpPr txBox="1"/>
+          <p:nvPr/>
+        </p:nvSpPr>
+        <p:spPr>
+          <a:xfrm>
+            <a:off x="677334" y="6246891"/>
+            <a:ext cx="793807" cy="369332"/>
+          </a:xfrm>
+          <a:prstGeom prst="rect">
+            <a:avLst/>
+          </a:prstGeom>
+          <a:noFill/>
+        </p:spPr>
+        <p:txBody>
+          <a:bodyPr wrap="none" rtlCol="0">
+            <a:spAutoFit/>
+          </a:bodyPr>
+          <a:lstStyle/>
+          <a:p>
+            <a:r>
+              <a:rPr lang="en-US" dirty="0" smtClean="0"/>
+              <a:t>10/25</a:t>
+            </a:r>
+            <a:endParaRPr lang="en-US" dirty="0"/>
+          </a:p>
+        </p:txBody>
+      </p:sp>
     </p:spTree>
     <p:extLst>
       <p:ext uri="{BB962C8B-B14F-4D97-AF65-F5344CB8AC3E}">
@@ -6927,13 +7047,7 @@
               <a:rPr lang="fa-IR" sz="4000" dirty="0" smtClean="0">
                 <a:cs typeface="B Nazanin" panose="00000400000000000000" pitchFamily="2" charset="-78"/>
               </a:rPr>
-              <a:t>بخش‌های </a:t>
-            </a:r>
-            <a:r>
-              <a:rPr lang="fa-IR" sz="4000" dirty="0" smtClean="0">
-                <a:cs typeface="B Nazanin" panose="00000400000000000000" pitchFamily="2" charset="-78"/>
-              </a:rPr>
-              <a:t>اصلی پروژه</a:t>
+              <a:t>بخش‌های اصلی پروژه</a:t>
             </a:r>
             <a:endParaRPr lang="en-US" sz="4000" dirty="0">
               <a:cs typeface="B Nazanin" panose="00000400000000000000" pitchFamily="2" charset="-78"/>
@@ -7048,6 +7162,36 @@
           </a:fontRef>
         </p:style>
       </p:cxnSp>
+      <p:sp>
+        <p:nvSpPr>
+          <p:cNvPr id="6" name="TextBox 5"/>
+          <p:cNvSpPr txBox="1"/>
+          <p:nvPr/>
+        </p:nvSpPr>
+        <p:spPr>
+          <a:xfrm>
+            <a:off x="677334" y="6246891"/>
+            <a:ext cx="793807" cy="369332"/>
+          </a:xfrm>
+          <a:prstGeom prst="rect">
+            <a:avLst/>
+          </a:prstGeom>
+          <a:noFill/>
+        </p:spPr>
+        <p:txBody>
+          <a:bodyPr wrap="none" rtlCol="0">
+            <a:spAutoFit/>
+          </a:bodyPr>
+          <a:lstStyle/>
+          <a:p>
+            <a:r>
+              <a:rPr lang="en-US" dirty="0" smtClean="0"/>
+              <a:t>11/25</a:t>
+            </a:r>
+            <a:endParaRPr lang="en-US" dirty="0"/>
+          </a:p>
+        </p:txBody>
+      </p:sp>
     </p:spTree>
     <p:extLst>
       <p:ext uri="{BB962C8B-B14F-4D97-AF65-F5344CB8AC3E}">
@@ -7146,13 +7290,7 @@
               <a:rPr lang="fa-IR" sz="2800" dirty="0" smtClean="0">
                 <a:cs typeface="B Nazanin" panose="00000400000000000000" pitchFamily="2" charset="-78"/>
               </a:rPr>
-              <a:t>به این صورت که هر پوشه که باز شد پوشه های موجود در آن را به صف اضافه </a:t>
-            </a:r>
-            <a:r>
-              <a:rPr lang="fa-IR" sz="2800" dirty="0" smtClean="0">
-                <a:cs typeface="B Nazanin" panose="00000400000000000000" pitchFamily="2" charset="-78"/>
-              </a:rPr>
-              <a:t>کرده</a:t>
+              <a:t>به این صورت که هر پوشه که باز شد پوشه های موجود در آن را به صف اضافه کرده</a:t>
             </a:r>
           </a:p>
           <a:p>
@@ -7181,13 +7319,7 @@
               <a:rPr lang="fa-IR" sz="2800" dirty="0" smtClean="0">
                 <a:cs typeface="B Nazanin" panose="00000400000000000000" pitchFamily="2" charset="-78"/>
               </a:rPr>
-              <a:t>و </a:t>
-            </a:r>
-            <a:r>
-              <a:rPr lang="fa-IR" sz="2800" dirty="0" smtClean="0">
-                <a:cs typeface="B Nazanin" panose="00000400000000000000" pitchFamily="2" charset="-78"/>
-              </a:rPr>
-              <a:t>فایل ها را نیز به فاز بعدی یعنی فاز استخراج متن می‌فرستیم.</a:t>
+              <a:t>و فایل ها را نیز به فاز بعدی یعنی فاز استخراج متن می‌فرستیم.</a:t>
             </a:r>
           </a:p>
         </p:txBody>
@@ -7269,6 +7401,36 @@
           </a:prstGeom>
         </p:spPr>
       </p:pic>
+      <p:sp>
+        <p:nvSpPr>
+          <p:cNvPr id="7" name="TextBox 6"/>
+          <p:cNvSpPr txBox="1"/>
+          <p:nvPr/>
+        </p:nvSpPr>
+        <p:spPr>
+          <a:xfrm>
+            <a:off x="677334" y="6246891"/>
+            <a:ext cx="793807" cy="369332"/>
+          </a:xfrm>
+          <a:prstGeom prst="rect">
+            <a:avLst/>
+          </a:prstGeom>
+          <a:noFill/>
+        </p:spPr>
+        <p:txBody>
+          <a:bodyPr wrap="none" rtlCol="0">
+            <a:spAutoFit/>
+          </a:bodyPr>
+          <a:lstStyle/>
+          <a:p>
+            <a:r>
+              <a:rPr lang="en-US" dirty="0" smtClean="0"/>
+              <a:t>12/25</a:t>
+            </a:r>
+            <a:endParaRPr lang="en-US" dirty="0"/>
+          </a:p>
+        </p:txBody>
+      </p:sp>
     </p:spTree>
     <p:extLst>
       <p:ext uri="{BB962C8B-B14F-4D97-AF65-F5344CB8AC3E}">
@@ -7433,14 +7595,7 @@
                 <a:latin typeface="Arial" panose="020B0604020202020204" pitchFamily="34" charset="0"/>
                 <a:cs typeface="B Nazanin" panose="00000400000000000000" pitchFamily="2" charset="-78"/>
               </a:rPr>
-              <a:t>برای </a:t>
-            </a:r>
-            <a:r>
-              <a:rPr lang="fa-IR" sz="2200" dirty="0" smtClean="0">
-                <a:latin typeface="Arial" panose="020B0604020202020204" pitchFamily="34" charset="0"/>
-                <a:cs typeface="B Nazanin" panose="00000400000000000000" pitchFamily="2" charset="-78"/>
-              </a:rPr>
-              <a:t>فرمت های </a:t>
+              <a:t>برای فرمت های </a:t>
             </a:r>
             <a:r>
               <a:rPr lang="en-US" sz="2200" dirty="0" smtClean="0">
@@ -7517,14 +7672,7 @@
                 <a:latin typeface="Arial" panose="020B0604020202020204" pitchFamily="34" charset="0"/>
                 <a:cs typeface="B Nazanin" panose="00000400000000000000" pitchFamily="2" charset="-78"/>
               </a:rPr>
-              <a:t>و برای بقیه فرمت </a:t>
-            </a:r>
-            <a:r>
-              <a:rPr lang="fa-IR" sz="2200" dirty="0" smtClean="0">
-                <a:latin typeface="Arial" panose="020B0604020202020204" pitchFamily="34" charset="0"/>
-                <a:cs typeface="B Nazanin" panose="00000400000000000000" pitchFamily="2" charset="-78"/>
-              </a:rPr>
-              <a:t>ها</a:t>
+              <a:t>و برای بقیه فرمت ها</a:t>
             </a:r>
             <a:endParaRPr lang="en-US" sz="2200" dirty="0">
               <a:latin typeface="Arial" panose="020B0604020202020204" pitchFamily="34" charset="0"/>
@@ -7941,6 +8089,36 @@
           </a:prstGeom>
         </p:spPr>
       </p:pic>
+      <p:sp>
+        <p:nvSpPr>
+          <p:cNvPr id="9" name="TextBox 8"/>
+          <p:cNvSpPr txBox="1"/>
+          <p:nvPr/>
+        </p:nvSpPr>
+        <p:spPr>
+          <a:xfrm>
+            <a:off x="341344" y="6271551"/>
+            <a:ext cx="793807" cy="369332"/>
+          </a:xfrm>
+          <a:prstGeom prst="rect">
+            <a:avLst/>
+          </a:prstGeom>
+          <a:noFill/>
+        </p:spPr>
+        <p:txBody>
+          <a:bodyPr wrap="none" rtlCol="0">
+            <a:spAutoFit/>
+          </a:bodyPr>
+          <a:lstStyle/>
+          <a:p>
+            <a:r>
+              <a:rPr lang="en-US" dirty="0" smtClean="0"/>
+              <a:t>14/25</a:t>
+            </a:r>
+            <a:endParaRPr lang="en-US" dirty="0"/>
+          </a:p>
+        </p:txBody>
+      </p:sp>
     </p:spTree>
     <p:extLst>
       <p:ext uri="{BB962C8B-B14F-4D97-AF65-F5344CB8AC3E}">
@@ -8240,6 +8418,36 @@
           </a:prstGeom>
         </p:spPr>
       </p:pic>
+      <p:sp>
+        <p:nvSpPr>
+          <p:cNvPr id="8" name="TextBox 7"/>
+          <p:cNvSpPr txBox="1"/>
+          <p:nvPr/>
+        </p:nvSpPr>
+        <p:spPr>
+          <a:xfrm>
+            <a:off x="677334" y="6246891"/>
+            <a:ext cx="793807" cy="369332"/>
+          </a:xfrm>
+          <a:prstGeom prst="rect">
+            <a:avLst/>
+          </a:prstGeom>
+          <a:noFill/>
+        </p:spPr>
+        <p:txBody>
+          <a:bodyPr wrap="none" rtlCol="0">
+            <a:spAutoFit/>
+          </a:bodyPr>
+          <a:lstStyle/>
+          <a:p>
+            <a:r>
+              <a:rPr lang="en-US" dirty="0" smtClean="0"/>
+              <a:t>15/25</a:t>
+            </a:r>
+            <a:endParaRPr lang="en-US" dirty="0"/>
+          </a:p>
+        </p:txBody>
+      </p:sp>
     </p:spTree>
     <p:extLst>
       <p:ext uri="{BB962C8B-B14F-4D97-AF65-F5344CB8AC3E}">
@@ -8752,6 +8960,36 @@
           </a:fontRef>
         </p:style>
       </p:cxnSp>
+      <p:sp>
+        <p:nvSpPr>
+          <p:cNvPr id="8" name="TextBox 7"/>
+          <p:cNvSpPr txBox="1"/>
+          <p:nvPr/>
+        </p:nvSpPr>
+        <p:spPr>
+          <a:xfrm>
+            <a:off x="677334" y="6246891"/>
+            <a:ext cx="793807" cy="369332"/>
+          </a:xfrm>
+          <a:prstGeom prst="rect">
+            <a:avLst/>
+          </a:prstGeom>
+          <a:noFill/>
+        </p:spPr>
+        <p:txBody>
+          <a:bodyPr wrap="none" rtlCol="0">
+            <a:spAutoFit/>
+          </a:bodyPr>
+          <a:lstStyle/>
+          <a:p>
+            <a:r>
+              <a:rPr lang="en-US" dirty="0" smtClean="0"/>
+              <a:t>16/25</a:t>
+            </a:r>
+            <a:endParaRPr lang="en-US" dirty="0"/>
+          </a:p>
+        </p:txBody>
+      </p:sp>
     </p:spTree>
     <p:extLst>
       <p:ext uri="{BB962C8B-B14F-4D97-AF65-F5344CB8AC3E}">
@@ -8984,27 +9222,7 @@
                 <a:latin typeface="Arial" panose="020B0604020202020204" pitchFamily="34" charset="0"/>
                 <a:cs typeface="B Nazanin" panose="00000400000000000000" pitchFamily="2" charset="-78"/>
               </a:rPr>
-              <a:t> </a:t>
-            </a:r>
-            <a:r>
-              <a:rPr lang="fa-IR" sz="2400" b="1" dirty="0" smtClean="0">
-                <a:solidFill>
-                  <a:schemeClr val="tx1"/>
-                </a:solidFill>
-                <a:latin typeface="Arial" panose="020B0604020202020204" pitchFamily="34" charset="0"/>
-                <a:cs typeface="B Nazanin" panose="00000400000000000000" pitchFamily="2" charset="-78"/>
-              </a:rPr>
-              <a:t>چه نوع جست و جوهایی را پشتیبانی می‌کند </a:t>
-            </a:r>
-            <a:r>
-              <a:rPr lang="fa-IR" sz="2400" b="1" dirty="0" smtClean="0">
-                <a:solidFill>
-                  <a:schemeClr val="tx1"/>
-                </a:solidFill>
-                <a:latin typeface="Arial" panose="020B0604020202020204" pitchFamily="34" charset="0"/>
-                <a:cs typeface="B Nazanin" panose="00000400000000000000" pitchFamily="2" charset="-78"/>
-              </a:rPr>
-              <a:t>؟</a:t>
+              <a:t> چه نوع جست و جوهایی را پشتیبانی می‌کند ؟</a:t>
             </a:r>
           </a:p>
           <a:p>
@@ -9184,6 +9402,36 @@
           </a:extLst>
         </p:spPr>
       </p:pic>
+      <p:sp>
+        <p:nvSpPr>
+          <p:cNvPr id="3" name="TextBox 2"/>
+          <p:cNvSpPr txBox="1"/>
+          <p:nvPr/>
+        </p:nvSpPr>
+        <p:spPr>
+          <a:xfrm>
+            <a:off x="677334" y="6246891"/>
+            <a:ext cx="793807" cy="369332"/>
+          </a:xfrm>
+          <a:prstGeom prst="rect">
+            <a:avLst/>
+          </a:prstGeom>
+          <a:noFill/>
+        </p:spPr>
+        <p:txBody>
+          <a:bodyPr wrap="none" rtlCol="0">
+            <a:spAutoFit/>
+          </a:bodyPr>
+          <a:lstStyle/>
+          <a:p>
+            <a:r>
+              <a:rPr lang="en-US" dirty="0" smtClean="0"/>
+              <a:t>17/25</a:t>
+            </a:r>
+            <a:endParaRPr lang="en-US" dirty="0"/>
+          </a:p>
+        </p:txBody>
+      </p:sp>
     </p:spTree>
     <p:extLst>
       <p:ext uri="{BB962C8B-B14F-4D97-AF65-F5344CB8AC3E}">
@@ -9244,6 +9492,36 @@
           </a:prstGeom>
         </p:spPr>
       </p:pic>
+      <p:sp>
+        <p:nvSpPr>
+          <p:cNvPr id="3" name="TextBox 2"/>
+          <p:cNvSpPr txBox="1"/>
+          <p:nvPr/>
+        </p:nvSpPr>
+        <p:spPr>
+          <a:xfrm>
+            <a:off x="677334" y="6246891"/>
+            <a:ext cx="793807" cy="369332"/>
+          </a:xfrm>
+          <a:prstGeom prst="rect">
+            <a:avLst/>
+          </a:prstGeom>
+          <a:noFill/>
+        </p:spPr>
+        <p:txBody>
+          <a:bodyPr wrap="none" rtlCol="0">
+            <a:spAutoFit/>
+          </a:bodyPr>
+          <a:lstStyle/>
+          <a:p>
+            <a:r>
+              <a:rPr lang="en-US" dirty="0" smtClean="0"/>
+              <a:t>18/25</a:t>
+            </a:r>
+            <a:endParaRPr lang="en-US" dirty="0"/>
+          </a:p>
+        </p:txBody>
+      </p:sp>
     </p:spTree>
     <p:extLst>
       <p:ext uri="{BB962C8B-B14F-4D97-AF65-F5344CB8AC3E}">
@@ -9304,6 +9582,36 @@
           </a:prstGeom>
         </p:spPr>
       </p:pic>
+      <p:sp>
+        <p:nvSpPr>
+          <p:cNvPr id="3" name="TextBox 2"/>
+          <p:cNvSpPr txBox="1"/>
+          <p:nvPr/>
+        </p:nvSpPr>
+        <p:spPr>
+          <a:xfrm>
+            <a:off x="677334" y="6246891"/>
+            <a:ext cx="793807" cy="369332"/>
+          </a:xfrm>
+          <a:prstGeom prst="rect">
+            <a:avLst/>
+          </a:prstGeom>
+          <a:noFill/>
+        </p:spPr>
+        <p:txBody>
+          <a:bodyPr wrap="none" rtlCol="0">
+            <a:spAutoFit/>
+          </a:bodyPr>
+          <a:lstStyle/>
+          <a:p>
+            <a:r>
+              <a:rPr lang="en-US" dirty="0" smtClean="0"/>
+              <a:t>19/25</a:t>
+            </a:r>
+            <a:endParaRPr lang="en-US" dirty="0"/>
+          </a:p>
+        </p:txBody>
+      </p:sp>
     </p:spTree>
     <p:extLst>
       <p:ext uri="{BB962C8B-B14F-4D97-AF65-F5344CB8AC3E}">
@@ -9364,6 +9672,36 @@
           </a:prstGeom>
         </p:spPr>
       </p:pic>
+      <p:sp>
+        <p:nvSpPr>
+          <p:cNvPr id="3" name="TextBox 2"/>
+          <p:cNvSpPr txBox="1"/>
+          <p:nvPr/>
+        </p:nvSpPr>
+        <p:spPr>
+          <a:xfrm>
+            <a:off x="677334" y="6246891"/>
+            <a:ext cx="793807" cy="369332"/>
+          </a:xfrm>
+          <a:prstGeom prst="rect">
+            <a:avLst/>
+          </a:prstGeom>
+          <a:noFill/>
+        </p:spPr>
+        <p:txBody>
+          <a:bodyPr wrap="none" rtlCol="0">
+            <a:spAutoFit/>
+          </a:bodyPr>
+          <a:lstStyle/>
+          <a:p>
+            <a:r>
+              <a:rPr lang="en-US" dirty="0" smtClean="0"/>
+              <a:t>20/25</a:t>
+            </a:r>
+            <a:endParaRPr lang="en-US" dirty="0"/>
+          </a:p>
+        </p:txBody>
+      </p:sp>
     </p:spTree>
     <p:extLst>
       <p:ext uri="{BB962C8B-B14F-4D97-AF65-F5344CB8AC3E}">
@@ -9424,6 +9762,36 @@
           </a:prstGeom>
         </p:spPr>
       </p:pic>
+      <p:sp>
+        <p:nvSpPr>
+          <p:cNvPr id="3" name="TextBox 2"/>
+          <p:cNvSpPr txBox="1"/>
+          <p:nvPr/>
+        </p:nvSpPr>
+        <p:spPr>
+          <a:xfrm>
+            <a:off x="677334" y="6246891"/>
+            <a:ext cx="793807" cy="369332"/>
+          </a:xfrm>
+          <a:prstGeom prst="rect">
+            <a:avLst/>
+          </a:prstGeom>
+          <a:noFill/>
+        </p:spPr>
+        <p:txBody>
+          <a:bodyPr wrap="none" rtlCol="0">
+            <a:spAutoFit/>
+          </a:bodyPr>
+          <a:lstStyle/>
+          <a:p>
+            <a:r>
+              <a:rPr lang="en-US" dirty="0" smtClean="0"/>
+              <a:t>21/25</a:t>
+            </a:r>
+            <a:endParaRPr lang="en-US" dirty="0"/>
+          </a:p>
+        </p:txBody>
+      </p:sp>
     </p:spTree>
     <p:extLst>
       <p:ext uri="{BB962C8B-B14F-4D97-AF65-F5344CB8AC3E}">
@@ -9566,6 +9934,36 @@
           </a:fontRef>
         </p:style>
       </p:cxnSp>
+      <p:sp>
+        <p:nvSpPr>
+          <p:cNvPr id="6" name="TextBox 5"/>
+          <p:cNvSpPr txBox="1"/>
+          <p:nvPr/>
+        </p:nvSpPr>
+        <p:spPr>
+          <a:xfrm>
+            <a:off x="677334" y="6246891"/>
+            <a:ext cx="793807" cy="369332"/>
+          </a:xfrm>
+          <a:prstGeom prst="rect">
+            <a:avLst/>
+          </a:prstGeom>
+          <a:noFill/>
+        </p:spPr>
+        <p:txBody>
+          <a:bodyPr wrap="none" rtlCol="0">
+            <a:spAutoFit/>
+          </a:bodyPr>
+          <a:lstStyle/>
+          <a:p>
+            <a:r>
+              <a:rPr lang="en-US" dirty="0" smtClean="0"/>
+              <a:t>22/25</a:t>
+            </a:r>
+            <a:endParaRPr lang="en-US" dirty="0"/>
+          </a:p>
+        </p:txBody>
+      </p:sp>
     </p:spTree>
     <p:extLst>
       <p:ext uri="{BB962C8B-B14F-4D97-AF65-F5344CB8AC3E}">
@@ -9702,6 +10100,36 @@
           </a:fontRef>
         </p:style>
       </p:cxnSp>
+      <p:sp>
+        <p:nvSpPr>
+          <p:cNvPr id="6" name="TextBox 5"/>
+          <p:cNvSpPr txBox="1"/>
+          <p:nvPr/>
+        </p:nvSpPr>
+        <p:spPr>
+          <a:xfrm>
+            <a:off x="677334" y="6246891"/>
+            <a:ext cx="793807" cy="369332"/>
+          </a:xfrm>
+          <a:prstGeom prst="rect">
+            <a:avLst/>
+          </a:prstGeom>
+          <a:noFill/>
+        </p:spPr>
+        <p:txBody>
+          <a:bodyPr wrap="none" rtlCol="0">
+            <a:spAutoFit/>
+          </a:bodyPr>
+          <a:lstStyle/>
+          <a:p>
+            <a:r>
+              <a:rPr lang="en-US" dirty="0" smtClean="0"/>
+              <a:t>23/25</a:t>
+            </a:r>
+            <a:endParaRPr lang="en-US" dirty="0"/>
+          </a:p>
+        </p:txBody>
+      </p:sp>
     </p:spTree>
     <p:extLst>
       <p:ext uri="{BB962C8B-B14F-4D97-AF65-F5344CB8AC3E}">
@@ -9832,6 +10260,36 @@
           </a:fontRef>
         </p:style>
       </p:cxnSp>
+      <p:sp>
+        <p:nvSpPr>
+          <p:cNvPr id="6" name="TextBox 5"/>
+          <p:cNvSpPr txBox="1"/>
+          <p:nvPr/>
+        </p:nvSpPr>
+        <p:spPr>
+          <a:xfrm>
+            <a:off x="677334" y="6246891"/>
+            <a:ext cx="793807" cy="369332"/>
+          </a:xfrm>
+          <a:prstGeom prst="rect">
+            <a:avLst/>
+          </a:prstGeom>
+          <a:noFill/>
+        </p:spPr>
+        <p:txBody>
+          <a:bodyPr wrap="none" rtlCol="0">
+            <a:spAutoFit/>
+          </a:bodyPr>
+          <a:lstStyle/>
+          <a:p>
+            <a:r>
+              <a:rPr lang="en-US" dirty="0" smtClean="0"/>
+              <a:t>24/25</a:t>
+            </a:r>
+            <a:endParaRPr lang="en-US" dirty="0"/>
+          </a:p>
+        </p:txBody>
+      </p:sp>
     </p:spTree>
     <p:extLst>
       <p:ext uri="{BB962C8B-B14F-4D97-AF65-F5344CB8AC3E}">
@@ -10346,6 +10804,36 @@
           </a:fontRef>
         </p:style>
       </p:cxnSp>
+      <p:sp>
+        <p:nvSpPr>
+          <p:cNvPr id="6" name="TextBox 5"/>
+          <p:cNvSpPr txBox="1"/>
+          <p:nvPr/>
+        </p:nvSpPr>
+        <p:spPr>
+          <a:xfrm>
+            <a:off x="677334" y="6246891"/>
+            <a:ext cx="671979" cy="369332"/>
+          </a:xfrm>
+          <a:prstGeom prst="rect">
+            <a:avLst/>
+          </a:prstGeom>
+          <a:noFill/>
+        </p:spPr>
+        <p:txBody>
+          <a:bodyPr wrap="none" rtlCol="0">
+            <a:spAutoFit/>
+          </a:bodyPr>
+          <a:lstStyle/>
+          <a:p>
+            <a:r>
+              <a:rPr lang="en-US" dirty="0" smtClean="0"/>
+              <a:t>1/25</a:t>
+            </a:r>
+            <a:endParaRPr lang="en-US" dirty="0"/>
+          </a:p>
+        </p:txBody>
+      </p:sp>
     </p:spTree>
     <p:extLst>
       <p:ext uri="{BB962C8B-B14F-4D97-AF65-F5344CB8AC3E}">
@@ -10521,17 +11009,8 @@
               <a:rPr lang="fa-IR" sz="2800" dirty="0" smtClean="0">
                 <a:cs typeface="B Nazanin" panose="00000400000000000000" pitchFamily="2" charset="-78"/>
               </a:rPr>
-              <a:t>جو طراحی شده است</a:t>
-            </a:r>
-            <a:r>
-              <a:rPr lang="fa-IR" sz="2800" dirty="0" smtClean="0">
-                <a:cs typeface="B Nazanin" panose="00000400000000000000" pitchFamily="2" charset="-78"/>
-              </a:rPr>
-              <a:t>.</a:t>
-            </a:r>
-            <a:endParaRPr lang="fa-IR" sz="2800" dirty="0" smtClean="0">
-              <a:cs typeface="B Nazanin" panose="00000400000000000000" pitchFamily="2" charset="-78"/>
-            </a:endParaRPr>
+              <a:t>جو طراحی شده است.</a:t>
+            </a:r>
           </a:p>
         </p:txBody>
       </p:sp>
@@ -10566,6 +11045,36 @@
           </a:fontRef>
         </p:style>
       </p:cxnSp>
+      <p:sp>
+        <p:nvSpPr>
+          <p:cNvPr id="6" name="TextBox 5"/>
+          <p:cNvSpPr txBox="1"/>
+          <p:nvPr/>
+        </p:nvSpPr>
+        <p:spPr>
+          <a:xfrm>
+            <a:off x="677334" y="6246891"/>
+            <a:ext cx="671979" cy="369332"/>
+          </a:xfrm>
+          <a:prstGeom prst="rect">
+            <a:avLst/>
+          </a:prstGeom>
+          <a:noFill/>
+        </p:spPr>
+        <p:txBody>
+          <a:bodyPr wrap="none" rtlCol="0">
+            <a:spAutoFit/>
+          </a:bodyPr>
+          <a:lstStyle/>
+          <a:p>
+            <a:r>
+              <a:rPr lang="en-US" dirty="0" smtClean="0"/>
+              <a:t>2/25</a:t>
+            </a:r>
+            <a:endParaRPr lang="en-US" dirty="0"/>
+          </a:p>
+        </p:txBody>
+      </p:sp>
     </p:spTree>
     <p:extLst>
       <p:ext uri="{BB962C8B-B14F-4D97-AF65-F5344CB8AC3E}">
@@ -10728,17 +11237,8 @@
               <a:rPr lang="fa-IR" sz="2800" dirty="0" smtClean="0">
                 <a:cs typeface="B Nazanin" panose="00000400000000000000" pitchFamily="2" charset="-78"/>
               </a:rPr>
-              <a:t>اپل و ای بی </a:t>
-            </a:r>
-            <a:r>
-              <a:rPr lang="fa-IR" sz="2800" dirty="0" smtClean="0">
-                <a:cs typeface="B Nazanin" panose="00000400000000000000" pitchFamily="2" charset="-78"/>
-              </a:rPr>
-              <a:t>ام.</a:t>
-            </a:r>
-            <a:endParaRPr lang="fa-IR" sz="2800" dirty="0" smtClean="0">
-              <a:cs typeface="B Nazanin" panose="00000400000000000000" pitchFamily="2" charset="-78"/>
-            </a:endParaRPr>
+              <a:t>اپل و ای بی ام.</a:t>
+            </a:r>
           </a:p>
         </p:txBody>
       </p:sp>
@@ -10773,6 +11273,36 @@
           </a:fontRef>
         </p:style>
       </p:cxnSp>
+      <p:sp>
+        <p:nvSpPr>
+          <p:cNvPr id="6" name="TextBox 5"/>
+          <p:cNvSpPr txBox="1"/>
+          <p:nvPr/>
+        </p:nvSpPr>
+        <p:spPr>
+          <a:xfrm>
+            <a:off x="677334" y="6246891"/>
+            <a:ext cx="671979" cy="369332"/>
+          </a:xfrm>
+          <a:prstGeom prst="rect">
+            <a:avLst/>
+          </a:prstGeom>
+          <a:noFill/>
+        </p:spPr>
+        <p:txBody>
+          <a:bodyPr wrap="none" rtlCol="0">
+            <a:spAutoFit/>
+          </a:bodyPr>
+          <a:lstStyle/>
+          <a:p>
+            <a:r>
+              <a:rPr lang="en-US" dirty="0" smtClean="0"/>
+              <a:t>3/25</a:t>
+            </a:r>
+            <a:endParaRPr lang="en-US" dirty="0"/>
+          </a:p>
+        </p:txBody>
+      </p:sp>
     </p:spTree>
     <p:extLst>
       <p:ext uri="{BB962C8B-B14F-4D97-AF65-F5344CB8AC3E}">
@@ -11086,6 +11616,36 @@
           </a:fontRef>
         </p:style>
       </p:cxnSp>
+      <p:sp>
+        <p:nvSpPr>
+          <p:cNvPr id="6" name="TextBox 5"/>
+          <p:cNvSpPr txBox="1"/>
+          <p:nvPr/>
+        </p:nvSpPr>
+        <p:spPr>
+          <a:xfrm>
+            <a:off x="677334" y="6246891"/>
+            <a:ext cx="671979" cy="369332"/>
+          </a:xfrm>
+          <a:prstGeom prst="rect">
+            <a:avLst/>
+          </a:prstGeom>
+          <a:noFill/>
+        </p:spPr>
+        <p:txBody>
+          <a:bodyPr wrap="none" rtlCol="0">
+            <a:spAutoFit/>
+          </a:bodyPr>
+          <a:lstStyle/>
+          <a:p>
+            <a:r>
+              <a:rPr lang="en-US" dirty="0" smtClean="0"/>
+              <a:t>4/25</a:t>
+            </a:r>
+            <a:endParaRPr lang="en-US" dirty="0"/>
+          </a:p>
+        </p:txBody>
+      </p:sp>
     </p:spTree>
     <p:extLst>
       <p:ext uri="{BB962C8B-B14F-4D97-AF65-F5344CB8AC3E}">
@@ -11158,14 +11718,7 @@
                 <a:latin typeface="Arial" panose="020B0604020202020204" pitchFamily="34" charset="0"/>
                 <a:cs typeface="B Nazanin" panose="00000400000000000000" pitchFamily="2" charset="-78"/>
               </a:rPr>
-              <a:t> </a:t>
-            </a:r>
-            <a:r>
-              <a:rPr lang="fa-IR" dirty="0" smtClean="0">
-                <a:latin typeface="Arial" panose="020B0604020202020204" pitchFamily="34" charset="0"/>
-                <a:cs typeface="B Nazanin" panose="00000400000000000000" pitchFamily="2" charset="-78"/>
-              </a:rPr>
-              <a:t>چگونه ایندکس می‌کند؟</a:t>
+              <a:t> چگونه ایندکس می‌کند؟</a:t>
             </a:r>
             <a:endParaRPr lang="en-US" dirty="0">
               <a:latin typeface="Arial" panose="020B0604020202020204" pitchFamily="34" charset="0"/>
@@ -12722,6 +13275,36 @@
           </a:fontRef>
         </p:style>
       </p:cxnSp>
+      <p:sp>
+        <p:nvSpPr>
+          <p:cNvPr id="8" name="TextBox 7"/>
+          <p:cNvSpPr txBox="1"/>
+          <p:nvPr/>
+        </p:nvSpPr>
+        <p:spPr>
+          <a:xfrm>
+            <a:off x="677334" y="6246891"/>
+            <a:ext cx="671979" cy="369332"/>
+          </a:xfrm>
+          <a:prstGeom prst="rect">
+            <a:avLst/>
+          </a:prstGeom>
+          <a:noFill/>
+        </p:spPr>
+        <p:txBody>
+          <a:bodyPr wrap="none" rtlCol="0">
+            <a:spAutoFit/>
+          </a:bodyPr>
+          <a:lstStyle/>
+          <a:p>
+            <a:r>
+              <a:rPr lang="en-US" dirty="0" smtClean="0"/>
+              <a:t>5/25</a:t>
+            </a:r>
+            <a:endParaRPr lang="en-US" dirty="0"/>
+          </a:p>
+        </p:txBody>
+      </p:sp>
     </p:spTree>
     <p:extLst>
       <p:ext uri="{BB962C8B-B14F-4D97-AF65-F5344CB8AC3E}">
@@ -13236,6 +13819,36 @@
           </a:fontRef>
         </p:style>
       </p:cxnSp>
+      <p:sp>
+        <p:nvSpPr>
+          <p:cNvPr id="6" name="TextBox 5"/>
+          <p:cNvSpPr txBox="1"/>
+          <p:nvPr/>
+        </p:nvSpPr>
+        <p:spPr>
+          <a:xfrm>
+            <a:off x="677334" y="6246891"/>
+            <a:ext cx="671979" cy="369332"/>
+          </a:xfrm>
+          <a:prstGeom prst="rect">
+            <a:avLst/>
+          </a:prstGeom>
+          <a:noFill/>
+        </p:spPr>
+        <p:txBody>
+          <a:bodyPr wrap="none" rtlCol="0">
+            <a:spAutoFit/>
+          </a:bodyPr>
+          <a:lstStyle/>
+          <a:p>
+            <a:r>
+              <a:rPr lang="en-US" dirty="0" smtClean="0"/>
+              <a:t>6/25</a:t>
+            </a:r>
+            <a:endParaRPr lang="en-US" dirty="0"/>
+          </a:p>
+        </p:txBody>
+      </p:sp>
     </p:spTree>
     <p:extLst>
       <p:ext uri="{BB962C8B-B14F-4D97-AF65-F5344CB8AC3E}">
